--- a/SOULAMA_Aboubacar_CONCEPTION PROJET DE FIN DE FORMATION.pptx
+++ b/SOULAMA_Aboubacar_CONCEPTION PROJET DE FIN DE FORMATION.pptx
@@ -5,10 +5,10 @@
     <p:sldMasterId id="2147483648" r:id="rId4"/>
   </p:sldMasterIdLst>
   <p:notesMasterIdLst>
-    <p:notesMasterId r:id="rId30"/>
+    <p:notesMasterId r:id="rId32"/>
   </p:notesMasterIdLst>
   <p:handoutMasterIdLst>
-    <p:handoutMasterId r:id="rId31"/>
+    <p:handoutMasterId r:id="rId33"/>
   </p:handoutMasterIdLst>
   <p:sldIdLst>
     <p:sldId id="305" r:id="rId5"/>
@@ -30,12 +30,14 @@
     <p:sldId id="330" r:id="rId21"/>
     <p:sldId id="331" r:id="rId22"/>
     <p:sldId id="332" r:id="rId23"/>
-    <p:sldId id="333" r:id="rId24"/>
-    <p:sldId id="334" r:id="rId25"/>
-    <p:sldId id="335" r:id="rId26"/>
-    <p:sldId id="337" r:id="rId27"/>
-    <p:sldId id="338" r:id="rId28"/>
-    <p:sldId id="316" r:id="rId29"/>
+    <p:sldId id="339" r:id="rId24"/>
+    <p:sldId id="340" r:id="rId25"/>
+    <p:sldId id="333" r:id="rId26"/>
+    <p:sldId id="334" r:id="rId27"/>
+    <p:sldId id="335" r:id="rId28"/>
+    <p:sldId id="337" r:id="rId29"/>
+    <p:sldId id="338" r:id="rId30"/>
+    <p:sldId id="316" r:id="rId31"/>
   </p:sldIdLst>
   <p:sldSz cx="12192000" cy="6858000"/>
   <p:notesSz cx="6858000" cy="9144000"/>
@@ -162,6 +164,8 @@
             <p14:sldId id="330"/>
             <p14:sldId id="331"/>
             <p14:sldId id="332"/>
+            <p14:sldId id="339"/>
+            <p14:sldId id="340"/>
             <p14:sldId id="333"/>
             <p14:sldId id="334"/>
             <p14:sldId id="335"/>
@@ -983,14 +987,14 @@
             <a:t>Comment établir un bon </a:t>
           </a:r>
           <a:r>
-            <a:rPr lang="fr-FR" sz="1600" b="0" i="0" dirty="0" err="1">
+            <a:rPr lang="fr-FR" sz="1600" b="0" i="0" dirty="0" smtClean="0">
               <a:solidFill>
                 <a:schemeClr val="accent3"/>
               </a:solidFill>
               <a:latin typeface="Gill Sans Nova Light" panose="020B0302020104020203" pitchFamily="34" charset="0"/>
               <a:cs typeface="Gill Sans Light" panose="020B0302020104020203" pitchFamily="34" charset="-79"/>
             </a:rPr>
-            <a:t>calendrié</a:t>
+            <a:t>plan </a:t>
           </a:r>
           <a:r>
             <a:rPr lang="fr-FR" sz="1600" b="0" i="0" dirty="0">
@@ -1000,7 +1004,17 @@
               <a:latin typeface="Gill Sans Nova Light" panose="020B0302020104020203" pitchFamily="34" charset="0"/>
               <a:cs typeface="Gill Sans Light" panose="020B0302020104020203" pitchFamily="34" charset="-79"/>
             </a:rPr>
-            <a:t> pour le déroulement des l’évènements</a:t>
+            <a:t>pour le déroulement des </a:t>
+          </a:r>
+          <a:r>
+            <a:rPr lang="fr-FR" sz="1600" b="0" i="0" dirty="0" smtClean="0">
+              <a:solidFill>
+                <a:schemeClr val="accent3"/>
+              </a:solidFill>
+              <a:latin typeface="Gill Sans Nova Light" panose="020B0302020104020203" pitchFamily="34" charset="0"/>
+              <a:cs typeface="Gill Sans Light" panose="020B0302020104020203" pitchFamily="34" charset="-79"/>
+            </a:rPr>
+            <a:t>l’évènements afin de bien gérer la restauration</a:t>
           </a:r>
           <a:endParaRPr lang="en-US" sz="1600" b="0" i="0" dirty="0">
             <a:solidFill>
@@ -1218,7 +1232,7 @@
         <a:lstStyle/>
         <a:p>
           <a:r>
-            <a:rPr lang="fr-FR" sz="1600" b="0" i="0" dirty="0">
+            <a:rPr lang="fr-FR" sz="1600" b="0" i="0" dirty="0" smtClean="0">
               <a:solidFill>
                 <a:schemeClr val="accent3"/>
               </a:solidFill>
@@ -1228,6 +1242,16 @@
             <a:t>Où</a:t>
           </a:r>
           <a:r>
+            <a:rPr lang="fr-FR" sz="1600" b="0" i="0" baseline="0" dirty="0" smtClean="0">
+              <a:solidFill>
+                <a:schemeClr val="accent3"/>
+              </a:solidFill>
+              <a:latin typeface="Gill Sans Nova Light" panose="020B0302020104020203" pitchFamily="34" charset="0"/>
+              <a:cs typeface="Gill Sans Light" panose="020B0302020104020203" pitchFamily="34" charset="-79"/>
+            </a:rPr>
+            <a:t> </a:t>
+          </a:r>
+          <a:r>
             <a:rPr lang="fr-FR" sz="1600" b="0" i="0" baseline="0" dirty="0">
               <a:solidFill>
                 <a:schemeClr val="accent3"/>
@@ -1235,7 +1259,7 @@
               <a:latin typeface="Gill Sans Nova Light" panose="020B0302020104020203" pitchFamily="34" charset="0"/>
               <a:cs typeface="Gill Sans Light" panose="020B0302020104020203" pitchFamily="34" charset="-79"/>
             </a:rPr>
-            <a:t> trouvez des alliances de qualités et a des bon prix,</a:t>
+            <a:t>trouvez des alliances de qualités et a des bon prix,</a:t>
           </a:r>
         </a:p>
         <a:p>
@@ -1250,14 +1274,14 @@
             <a:t>Quelles sont et où sont les </a:t>
           </a:r>
           <a:r>
-            <a:rPr lang="fr-FR" sz="1600" b="0" i="0" baseline="0" dirty="0" err="1">
+            <a:rPr lang="fr-FR" sz="1600" b="0" i="0" baseline="0" dirty="0" smtClean="0">
               <a:solidFill>
                 <a:schemeClr val="accent3"/>
               </a:solidFill>
               <a:latin typeface="Gill Sans Nova Light" panose="020B0302020104020203" pitchFamily="34" charset="0"/>
               <a:cs typeface="Gill Sans Light" panose="020B0302020104020203" pitchFamily="34" charset="-79"/>
             </a:rPr>
-            <a:t>meuilleurs</a:t>
+            <a:t>meilleurs </a:t>
           </a:r>
           <a:r>
             <a:rPr lang="fr-FR" sz="1600" b="0" i="0" baseline="0" dirty="0">
@@ -1267,7 +1291,7 @@
               <a:latin typeface="Gill Sans Nova Light" panose="020B0302020104020203" pitchFamily="34" charset="0"/>
               <a:cs typeface="Gill Sans Light" panose="020B0302020104020203" pitchFamily="34" charset="-79"/>
             </a:rPr>
-            <a:t> boutiques?</a:t>
+            <a:t>boutiques?</a:t>
           </a:r>
           <a:endParaRPr lang="en-US" sz="1600" b="0" i="0" dirty="0">
             <a:solidFill>
@@ -1330,11 +1354,11 @@
             <a:t> </a:t>
           </a:r>
           <a:r>
-            <a:rPr lang="fr-FR" sz="2000" baseline="0" dirty="0" err="1">
+            <a:rPr lang="fr-FR" sz="2000" baseline="0" dirty="0" smtClean="0">
               <a:latin typeface="Baskerville Old Face" panose="02020602080505020303" pitchFamily="18" charset="77"/>
               <a:ea typeface="Baskerville" panose="02020502070401020303" pitchFamily="18" charset="0"/>
             </a:rPr>
-            <a:t>decoration</a:t>
+            <a:t>décoration</a:t>
           </a:r>
           <a:endParaRPr lang="en-US" sz="2000" dirty="0">
             <a:latin typeface="Baskerville Old Face" panose="02020602080505020303" pitchFamily="18" charset="77"/>
@@ -1389,7 +1413,17 @@
               <a:latin typeface="Gill Sans Nova Light" panose="020B0302020104020203" pitchFamily="34" charset="0"/>
               <a:cs typeface="Gill Sans Light" panose="020B0302020104020203" pitchFamily="34" charset="-79"/>
             </a:rPr>
-            <a:t>Comment trouver un lieu pour le déroulement de ces cérémonies</a:t>
+            <a:t>Comment trouver un lieu pour le déroulement de ces </a:t>
+          </a:r>
+          <a:r>
+            <a:rPr lang="fr-FR" sz="1600" b="0" i="0" dirty="0" smtClean="0">
+              <a:solidFill>
+                <a:schemeClr val="accent3"/>
+              </a:solidFill>
+              <a:latin typeface="Gill Sans Nova Light" panose="020B0302020104020203" pitchFamily="34" charset="0"/>
+              <a:cs typeface="Gill Sans Light" panose="020B0302020104020203" pitchFamily="34" charset="-79"/>
+            </a:rPr>
+            <a:t>cérémonies, et également la bonne déco</a:t>
           </a:r>
           <a:endParaRPr lang="en-US" sz="1600" b="0" i="0" dirty="0">
             <a:solidFill>
@@ -1438,18 +1472,18 @@
         <a:lstStyle/>
         <a:p>
           <a:r>
-            <a:rPr lang="fr-FR" sz="1800" dirty="0" err="1">
+            <a:rPr lang="en-US" sz="1800" dirty="0" smtClean="0">
               <a:latin typeface="Baskerville Old Face" panose="02020602080505020303" pitchFamily="18" charset="77"/>
               <a:ea typeface="Baskerville" panose="02020502070401020303" pitchFamily="18" charset="0"/>
             </a:rPr>
-            <a:t>Calendrié</a:t>
+            <a:t>Restauration</a:t>
           </a:r>
           <a:r>
-            <a:rPr lang="fr-FR" sz="1800" dirty="0">
+            <a:rPr lang="en-US" sz="1800" baseline="0" dirty="0" smtClean="0">
               <a:latin typeface="Baskerville Old Face" panose="02020602080505020303" pitchFamily="18" charset="77"/>
               <a:ea typeface="Baskerville" panose="02020502070401020303" pitchFamily="18" charset="0"/>
             </a:rPr>
-            <a:t> pour le  bon déroulement</a:t>
+            <a:t> </a:t>
           </a:r>
           <a:endParaRPr lang="en-US" sz="1800" dirty="0">
             <a:latin typeface="Baskerville Old Face" panose="02020602080505020303" pitchFamily="18" charset="77"/>
@@ -1480,6 +1514,45 @@
         </a:p>
       </dgm:t>
     </dgm:pt>
+    <dgm:pt modelId="{FB5CF914-C033-420E-9F2C-E6F1BCD0AAB1}">
+      <dgm:prSet custT="1"/>
+      <dgm:spPr/>
+      <dgm:t>
+        <a:bodyPr/>
+        <a:lstStyle/>
+        <a:p>
+          <a:endParaRPr lang="fr-FR" sz="1600" b="0" i="0" dirty="0" smtClean="0">
+            <a:solidFill>
+              <a:schemeClr val="accent3"/>
+            </a:solidFill>
+            <a:latin typeface="Gill Sans Nova Light" panose="020B0302020104020203" pitchFamily="34" charset="0"/>
+            <a:cs typeface="Gill Sans Light" panose="020B0302020104020203" pitchFamily="34" charset="-79"/>
+          </a:endParaRPr>
+        </a:p>
+      </dgm:t>
+    </dgm:pt>
+    <dgm:pt modelId="{34189117-C196-44BB-98F5-E96C5199CEEE}" type="parTrans" cxnId="{ACE8D18E-577B-4986-A73B-B401B99A1454}">
+      <dgm:prSet/>
+      <dgm:spPr/>
+      <dgm:t>
+        <a:bodyPr/>
+        <a:lstStyle/>
+        <a:p>
+          <a:endParaRPr lang="fr-FR"/>
+        </a:p>
+      </dgm:t>
+    </dgm:pt>
+    <dgm:pt modelId="{085CE8B9-7F0C-4726-B441-E1E41168D602}" type="sibTrans" cxnId="{ACE8D18E-577B-4986-A73B-B401B99A1454}">
+      <dgm:prSet/>
+      <dgm:spPr/>
+      <dgm:t>
+        <a:bodyPr/>
+        <a:lstStyle/>
+        <a:p>
+          <a:endParaRPr lang="fr-FR"/>
+        </a:p>
+      </dgm:t>
+    </dgm:pt>
     <dgm:pt modelId="{E4B4F7C4-5024-45F0-9FD7-C5068A1AE6C4}" type="pres">
       <dgm:prSet presAssocID="{0DD8915E-DC14-41D6-9BB5-F49E1C265163}" presName="Name0" presStyleCnt="0">
         <dgm:presLayoutVars>
@@ -1489,6 +1562,13 @@
         </dgm:presLayoutVars>
       </dgm:prSet>
       <dgm:spPr/>
+      <dgm:t>
+        <a:bodyPr/>
+        <a:lstStyle/>
+        <a:p>
+          <a:endParaRPr lang="fr-FR"/>
+        </a:p>
+      </dgm:t>
     </dgm:pt>
     <dgm:pt modelId="{473E2436-1BC1-4A6C-8568-5C38418F52D1}" type="pres">
       <dgm:prSet presAssocID="{73D947E0-108F-4D20-A71E-3CF329F97212}" presName="composite" presStyleCnt="0"/>
@@ -1502,12 +1582,26 @@
         </dgm:presLayoutVars>
       </dgm:prSet>
       <dgm:spPr/>
+      <dgm:t>
+        <a:bodyPr/>
+        <a:lstStyle/>
+        <a:p>
+          <a:endParaRPr lang="fr-FR"/>
+        </a:p>
+      </dgm:t>
     </dgm:pt>
     <dgm:pt modelId="{22359DD7-1BFB-4900-BAE6-6084F2F57988}" type="pres">
       <dgm:prSet presAssocID="{73D947E0-108F-4D20-A71E-3CF329F97212}" presName="desTx" presStyleLbl="alignAccFollowNode1" presStyleIdx="0" presStyleCnt="4" custScaleY="173526" custLinFactNeighborY="13200">
         <dgm:presLayoutVars/>
       </dgm:prSet>
       <dgm:spPr/>
+      <dgm:t>
+        <a:bodyPr/>
+        <a:lstStyle/>
+        <a:p>
+          <a:endParaRPr lang="fr-FR"/>
+        </a:p>
+      </dgm:t>
     </dgm:pt>
     <dgm:pt modelId="{38C65349-0C40-499F-9765-B6F38C2DC3C3}" type="pres">
       <dgm:prSet presAssocID="{AE813459-65AB-4FA9-B717-330DDA6DFA4E}" presName="space" presStyleCnt="0"/>
@@ -1525,12 +1619,26 @@
         </dgm:presLayoutVars>
       </dgm:prSet>
       <dgm:spPr/>
+      <dgm:t>
+        <a:bodyPr/>
+        <a:lstStyle/>
+        <a:p>
+          <a:endParaRPr lang="fr-FR"/>
+        </a:p>
+      </dgm:t>
     </dgm:pt>
     <dgm:pt modelId="{4FEB85EB-D046-4CDB-8A62-BBCE260C4490}" type="pres">
-      <dgm:prSet presAssocID="{B1AFA1AF-0FF8-45B3-A6D0-0E255A2F637D}" presName="desTx" presStyleLbl="alignAccFollowNode1" presStyleIdx="1" presStyleCnt="4" custScaleY="139047" custLinFactNeighborY="13200">
+      <dgm:prSet presAssocID="{B1AFA1AF-0FF8-45B3-A6D0-0E255A2F637D}" presName="desTx" presStyleLbl="alignAccFollowNode1" presStyleIdx="1" presStyleCnt="4" custScaleX="103219" custScaleY="147541" custLinFactNeighborY="13200">
         <dgm:presLayoutVars/>
       </dgm:prSet>
       <dgm:spPr/>
+      <dgm:t>
+        <a:bodyPr/>
+        <a:lstStyle/>
+        <a:p>
+          <a:endParaRPr lang="fr-FR"/>
+        </a:p>
+      </dgm:t>
     </dgm:pt>
     <dgm:pt modelId="{40F59683-723F-44D1-8379-95635EED1AA8}" type="pres">
       <dgm:prSet presAssocID="{88649F7A-400B-4056-965D-C9AC0B3AD942}" presName="space" presStyleCnt="0"/>
@@ -1541,19 +1649,33 @@
       <dgm:spPr/>
     </dgm:pt>
     <dgm:pt modelId="{49B7F8FA-D256-41EF-9327-52A3551D9A60}" type="pres">
-      <dgm:prSet presAssocID="{E9682B4F-0217-4B50-923E-C104AA24290F}" presName="parTx" presStyleLbl="alignNode1" presStyleIdx="2" presStyleCnt="4" custLinFactNeighborY="-56478">
+      <dgm:prSet presAssocID="{E9682B4F-0217-4B50-923E-C104AA24290F}" presName="parTx" presStyleLbl="alignNode1" presStyleIdx="2" presStyleCnt="4" custScaleY="100000" custLinFactNeighborY="-56478">
         <dgm:presLayoutVars>
           <dgm:chMax val="0"/>
           <dgm:chPref val="0"/>
         </dgm:presLayoutVars>
       </dgm:prSet>
       <dgm:spPr/>
+      <dgm:t>
+        <a:bodyPr/>
+        <a:lstStyle/>
+        <a:p>
+          <a:endParaRPr lang="fr-FR"/>
+        </a:p>
+      </dgm:t>
     </dgm:pt>
     <dgm:pt modelId="{6B5FE59C-B471-448A-AA7A-B526DCC4D4CA}" type="pres">
-      <dgm:prSet presAssocID="{E9682B4F-0217-4B50-923E-C104AA24290F}" presName="desTx" presStyleLbl="alignAccFollowNode1" presStyleIdx="2" presStyleCnt="4" custScaleX="98191" custScaleY="189394" custLinFactNeighborX="2462" custLinFactNeighborY="22050">
+      <dgm:prSet presAssocID="{E9682B4F-0217-4B50-923E-C104AA24290F}" presName="desTx" presStyleLbl="alignAccFollowNode1" presStyleIdx="2" presStyleCnt="4" custScaleX="97531" custScaleY="127793" custLinFactNeighborX="2462" custLinFactNeighborY="22050">
         <dgm:presLayoutVars/>
       </dgm:prSet>
       <dgm:spPr/>
+      <dgm:t>
+        <a:bodyPr/>
+        <a:lstStyle/>
+        <a:p>
+          <a:endParaRPr lang="fr-FR"/>
+        </a:p>
+      </dgm:t>
     </dgm:pt>
     <dgm:pt modelId="{A91542D9-4FB3-4302-AD03-3D6EF82E6748}" type="pres">
       <dgm:prSet presAssocID="{B8632E42-D7EB-4C31-877E-6F1B2801851A}" presName="space" presStyleCnt="0"/>
@@ -1571,32 +1693,48 @@
         </dgm:presLayoutVars>
       </dgm:prSet>
       <dgm:spPr/>
+      <dgm:t>
+        <a:bodyPr/>
+        <a:lstStyle/>
+        <a:p>
+          <a:endParaRPr lang="fr-FR"/>
+        </a:p>
+      </dgm:t>
     </dgm:pt>
     <dgm:pt modelId="{C8429E68-36DD-4F6A-A2F4-7CCDADCEFAD1}" type="pres">
-      <dgm:prSet presAssocID="{A2322D3A-7AC2-4C5C-9D7E-EAB2313D47D4}" presName="desTx" presStyleLbl="alignAccFollowNode1" presStyleIdx="3" presStyleCnt="4" custScaleX="99917" custScaleY="204066" custLinFactNeighborX="536" custLinFactNeighborY="20883">
+      <dgm:prSet presAssocID="{A2322D3A-7AC2-4C5C-9D7E-EAB2313D47D4}" presName="desTx" presStyleLbl="alignAccFollowNode1" presStyleIdx="3" presStyleCnt="4" custScaleX="99917" custScaleY="150840" custLinFactNeighborX="536" custLinFactNeighborY="20883">
         <dgm:presLayoutVars/>
       </dgm:prSet>
       <dgm:spPr/>
+      <dgm:t>
+        <a:bodyPr/>
+        <a:lstStyle/>
+        <a:p>
+          <a:endParaRPr lang="fr-FR"/>
+        </a:p>
+      </dgm:t>
     </dgm:pt>
   </dgm:ptLst>
   <dgm:cxnLst>
-    <dgm:cxn modelId="{F28D7702-2FC3-49BD-BB13-C989E5EE622A}" srcId="{0DD8915E-DC14-41D6-9BB5-F49E1C265163}" destId="{B1AFA1AF-0FF8-45B3-A6D0-0E255A2F637D}" srcOrd="1" destOrd="0" parTransId="{10C68AF5-481C-45AA-A216-8BBBB04515B9}" sibTransId="{88649F7A-400B-4056-965D-C9AC0B3AD942}"/>
+    <dgm:cxn modelId="{8CB96BD1-8B01-481A-B525-C5C507C9951C}" type="presOf" srcId="{0EC0C300-11E4-45CF-8418-973585107209}" destId="{6B5FE59C-B471-448A-AA7A-B526DCC4D4CA}" srcOrd="0" destOrd="0" presId="urn:microsoft.com/office/officeart/2016/7/layout/HorizontalActionList"/>
+    <dgm:cxn modelId="{51563A4F-C0EB-47D6-B5BC-47A4E599AD4B}" srcId="{E9682B4F-0217-4B50-923E-C104AA24290F}" destId="{0EC0C300-11E4-45CF-8418-973585107209}" srcOrd="0" destOrd="0" parTransId="{1E4DD98E-100E-46B7-B24A-408BBF69E9FA}" sibTransId="{90FAB5D1-62B3-4FF6-A07D-EE607F529C32}"/>
+    <dgm:cxn modelId="{E339F9C8-AD35-4E33-9434-788C81500EB2}" type="presOf" srcId="{8FE81FEC-2664-411F-AEB3-065F29F52751}" destId="{C8429E68-36DD-4F6A-A2F4-7CCDADCEFAD1}" srcOrd="0" destOrd="0" presId="urn:microsoft.com/office/officeart/2016/7/layout/HorizontalActionList"/>
+    <dgm:cxn modelId="{ACE8D18E-577B-4986-A73B-B401B99A1454}" srcId="{E9682B4F-0217-4B50-923E-C104AA24290F}" destId="{FB5CF914-C033-420E-9F2C-E6F1BCD0AAB1}" srcOrd="1" destOrd="0" parTransId="{34189117-C196-44BB-98F5-E96C5199CEEE}" sibTransId="{085CE8B9-7F0C-4726-B441-E1E41168D602}"/>
+    <dgm:cxn modelId="{6C23D0C9-74B2-4C8B-AB2F-A03B3B0EBE56}" srcId="{0DD8915E-DC14-41D6-9BB5-F49E1C265163}" destId="{E9682B4F-0217-4B50-923E-C104AA24290F}" srcOrd="2" destOrd="0" parTransId="{E0F6C4AF-9BBB-4698-91D7-F9AE3EACBD5D}" sibTransId="{B8632E42-D7EB-4C31-877E-6F1B2801851A}"/>
+    <dgm:cxn modelId="{179FAFCF-F878-464E-A8A6-1185EFA0E380}" srcId="{0DD8915E-DC14-41D6-9BB5-F49E1C265163}" destId="{A2322D3A-7AC2-4C5C-9D7E-EAB2313D47D4}" srcOrd="3" destOrd="0" parTransId="{4A8C15D4-B36F-4764-B4FF-F2AF790D3E17}" sibTransId="{84DE1C3A-3FC7-4DB3-88ED-33F65A71557A}"/>
     <dgm:cxn modelId="{31826907-E438-4A1B-A800-F181C547104F}" type="presOf" srcId="{30A490C8-22B4-4D68-875C-0F0DE2FF864D}" destId="{22359DD7-1BFB-4900-BAE6-6084F2F57988}" srcOrd="0" destOrd="0" presId="urn:microsoft.com/office/officeart/2016/7/layout/HorizontalActionList"/>
     <dgm:cxn modelId="{A0077D09-C12C-46D0-8DF7-194B6911362A}" srcId="{0DD8915E-DC14-41D6-9BB5-F49E1C265163}" destId="{73D947E0-108F-4D20-A71E-3CF329F97212}" srcOrd="0" destOrd="0" parTransId="{9D249532-A24D-4D8F-848A-9F42F2E486C9}" sibTransId="{AE813459-65AB-4FA9-B717-330DDA6DFA4E}"/>
+    <dgm:cxn modelId="{B7F6ED6E-855A-4A7B-AE18-3BD04546002C}" type="presOf" srcId="{B1AFA1AF-0FF8-45B3-A6D0-0E255A2F637D}" destId="{C4F84DEA-2002-4D32-8E80-70EEE05E345A}" srcOrd="0" destOrd="0" presId="urn:microsoft.com/office/officeart/2016/7/layout/HorizontalActionList"/>
+    <dgm:cxn modelId="{C54EA6C2-0E6B-42D8-9A4A-4456127A91A8}" type="presOf" srcId="{A2322D3A-7AC2-4C5C-9D7E-EAB2313D47D4}" destId="{59606EB9-9F10-4D12-A33F-A242FDCC0D0F}" srcOrd="0" destOrd="0" presId="urn:microsoft.com/office/officeart/2016/7/layout/HorizontalActionList"/>
+    <dgm:cxn modelId="{F28D7702-2FC3-49BD-BB13-C989E5EE622A}" srcId="{0DD8915E-DC14-41D6-9BB5-F49E1C265163}" destId="{B1AFA1AF-0FF8-45B3-A6D0-0E255A2F637D}" srcOrd="1" destOrd="0" parTransId="{10C68AF5-481C-45AA-A216-8BBBB04515B9}" sibTransId="{88649F7A-400B-4056-965D-C9AC0B3AD942}"/>
+    <dgm:cxn modelId="{77A55366-077C-403B-A9E1-B9C6B5CA3288}" type="presOf" srcId="{73D947E0-108F-4D20-A71E-3CF329F97212}" destId="{BDBD7220-3F85-45D2-BED6-5BBFBC23EAE3}" srcOrd="0" destOrd="0" presId="urn:microsoft.com/office/officeart/2016/7/layout/HorizontalActionList"/>
+    <dgm:cxn modelId="{711E093C-AD42-45A4-8D40-A2D39702062E}" srcId="{A2322D3A-7AC2-4C5C-9D7E-EAB2313D47D4}" destId="{8FE81FEC-2664-411F-AEB3-065F29F52751}" srcOrd="0" destOrd="0" parTransId="{BCBC007E-0269-421B-9C41-DE26D5C3A822}" sibTransId="{80230EB7-7230-4881-A631-309C07417378}"/>
+    <dgm:cxn modelId="{381FE1CC-8184-4745-8EB3-6DE11655998D}" srcId="{73D947E0-108F-4D20-A71E-3CF329F97212}" destId="{30A490C8-22B4-4D68-875C-0F0DE2FF864D}" srcOrd="0" destOrd="0" parTransId="{035C64B0-4F0C-4FD1-BD23-B1D4C9887CBE}" sibTransId="{45495DA8-8707-41E3-A12B-FA5766269C44}"/>
+    <dgm:cxn modelId="{BF1349D4-34AE-476D-8D7B-F3ABAB74304F}" type="presOf" srcId="{50418D2B-9486-42DE-AFDD-1D31420040FF}" destId="{4FEB85EB-D046-4CDB-8A62-BBCE260C4490}" srcOrd="0" destOrd="0" presId="urn:microsoft.com/office/officeart/2016/7/layout/HorizontalActionList"/>
     <dgm:cxn modelId="{5A5BA622-5DEB-48B9-88D9-C1DE36C711E5}" srcId="{B1AFA1AF-0FF8-45B3-A6D0-0E255A2F637D}" destId="{50418D2B-9486-42DE-AFDD-1D31420040FF}" srcOrd="0" destOrd="0" parTransId="{D5A17F6B-93F5-442B-938A-0F38C281BE88}" sibTransId="{1D87A0A5-8024-4710-846B-D5BFAC785107}"/>
-    <dgm:cxn modelId="{711E093C-AD42-45A4-8D40-A2D39702062E}" srcId="{A2322D3A-7AC2-4C5C-9D7E-EAB2313D47D4}" destId="{8FE81FEC-2664-411F-AEB3-065F29F52751}" srcOrd="0" destOrd="0" parTransId="{BCBC007E-0269-421B-9C41-DE26D5C3A822}" sibTransId="{80230EB7-7230-4881-A631-309C07417378}"/>
-    <dgm:cxn modelId="{77A55366-077C-403B-A9E1-B9C6B5CA3288}" type="presOf" srcId="{73D947E0-108F-4D20-A71E-3CF329F97212}" destId="{BDBD7220-3F85-45D2-BED6-5BBFBC23EAE3}" srcOrd="0" destOrd="0" presId="urn:microsoft.com/office/officeart/2016/7/layout/HorizontalActionList"/>
-    <dgm:cxn modelId="{B7F6ED6E-855A-4A7B-AE18-3BD04546002C}" type="presOf" srcId="{B1AFA1AF-0FF8-45B3-A6D0-0E255A2F637D}" destId="{C4F84DEA-2002-4D32-8E80-70EEE05E345A}" srcOrd="0" destOrd="0" presId="urn:microsoft.com/office/officeart/2016/7/layout/HorizontalActionList"/>
-    <dgm:cxn modelId="{51563A4F-C0EB-47D6-B5BC-47A4E599AD4B}" srcId="{E9682B4F-0217-4B50-923E-C104AA24290F}" destId="{0EC0C300-11E4-45CF-8418-973585107209}" srcOrd="0" destOrd="0" parTransId="{1E4DD98E-100E-46B7-B24A-408BBF69E9FA}" sibTransId="{90FAB5D1-62B3-4FF6-A07D-EE607F529C32}"/>
+    <dgm:cxn modelId="{1D6C8D50-BFEF-4DD0-9A5A-0852119CB590}" type="presOf" srcId="{FB5CF914-C033-420E-9F2C-E6F1BCD0AAB1}" destId="{6B5FE59C-B471-448A-AA7A-B526DCC4D4CA}" srcOrd="0" destOrd="1" presId="urn:microsoft.com/office/officeart/2016/7/layout/HorizontalActionList"/>
+    <dgm:cxn modelId="{825BC9D8-F515-4FBF-8CF8-23CD32968E1D}" type="presOf" srcId="{0DD8915E-DC14-41D6-9BB5-F49E1C265163}" destId="{E4B4F7C4-5024-45F0-9FD7-C5068A1AE6C4}" srcOrd="0" destOrd="0" presId="urn:microsoft.com/office/officeart/2016/7/layout/HorizontalActionList"/>
     <dgm:cxn modelId="{110097B3-0B24-42EE-9C79-845C028B379B}" type="presOf" srcId="{E9682B4F-0217-4B50-923E-C104AA24290F}" destId="{49B7F8FA-D256-41EF-9327-52A3551D9A60}" srcOrd="0" destOrd="0" presId="urn:microsoft.com/office/officeart/2016/7/layout/HorizontalActionList"/>
-    <dgm:cxn modelId="{C54EA6C2-0E6B-42D8-9A4A-4456127A91A8}" type="presOf" srcId="{A2322D3A-7AC2-4C5C-9D7E-EAB2313D47D4}" destId="{59606EB9-9F10-4D12-A33F-A242FDCC0D0F}" srcOrd="0" destOrd="0" presId="urn:microsoft.com/office/officeart/2016/7/layout/HorizontalActionList"/>
-    <dgm:cxn modelId="{E339F9C8-AD35-4E33-9434-788C81500EB2}" type="presOf" srcId="{8FE81FEC-2664-411F-AEB3-065F29F52751}" destId="{C8429E68-36DD-4F6A-A2F4-7CCDADCEFAD1}" srcOrd="0" destOrd="0" presId="urn:microsoft.com/office/officeart/2016/7/layout/HorizontalActionList"/>
-    <dgm:cxn modelId="{6C23D0C9-74B2-4C8B-AB2F-A03B3B0EBE56}" srcId="{0DD8915E-DC14-41D6-9BB5-F49E1C265163}" destId="{E9682B4F-0217-4B50-923E-C104AA24290F}" srcOrd="2" destOrd="0" parTransId="{E0F6C4AF-9BBB-4698-91D7-F9AE3EACBD5D}" sibTransId="{B8632E42-D7EB-4C31-877E-6F1B2801851A}"/>
-    <dgm:cxn modelId="{381FE1CC-8184-4745-8EB3-6DE11655998D}" srcId="{73D947E0-108F-4D20-A71E-3CF329F97212}" destId="{30A490C8-22B4-4D68-875C-0F0DE2FF864D}" srcOrd="0" destOrd="0" parTransId="{035C64B0-4F0C-4FD1-BD23-B1D4C9887CBE}" sibTransId="{45495DA8-8707-41E3-A12B-FA5766269C44}"/>
-    <dgm:cxn modelId="{179FAFCF-F878-464E-A8A6-1185EFA0E380}" srcId="{0DD8915E-DC14-41D6-9BB5-F49E1C265163}" destId="{A2322D3A-7AC2-4C5C-9D7E-EAB2313D47D4}" srcOrd="3" destOrd="0" parTransId="{4A8C15D4-B36F-4764-B4FF-F2AF790D3E17}" sibTransId="{84DE1C3A-3FC7-4DB3-88ED-33F65A71557A}"/>
-    <dgm:cxn modelId="{8CB96BD1-8B01-481A-B525-C5C507C9951C}" type="presOf" srcId="{0EC0C300-11E4-45CF-8418-973585107209}" destId="{6B5FE59C-B471-448A-AA7A-B526DCC4D4CA}" srcOrd="0" destOrd="0" presId="urn:microsoft.com/office/officeart/2016/7/layout/HorizontalActionList"/>
-    <dgm:cxn modelId="{BF1349D4-34AE-476D-8D7B-F3ABAB74304F}" type="presOf" srcId="{50418D2B-9486-42DE-AFDD-1D31420040FF}" destId="{4FEB85EB-D046-4CDB-8A62-BBCE260C4490}" srcOrd="0" destOrd="0" presId="urn:microsoft.com/office/officeart/2016/7/layout/HorizontalActionList"/>
-    <dgm:cxn modelId="{825BC9D8-F515-4FBF-8CF8-23CD32968E1D}" type="presOf" srcId="{0DD8915E-DC14-41D6-9BB5-F49E1C265163}" destId="{E4B4F7C4-5024-45F0-9FD7-C5068A1AE6C4}" srcOrd="0" destOrd="0" presId="urn:microsoft.com/office/officeart/2016/7/layout/HorizontalActionList"/>
     <dgm:cxn modelId="{E9D2B9D9-3B26-471C-AF45-E02D1C258CD3}" type="presParOf" srcId="{E4B4F7C4-5024-45F0-9FD7-C5068A1AE6C4}" destId="{473E2436-1BC1-4A6C-8568-5C38418F52D1}" srcOrd="0" destOrd="0" presId="urn:microsoft.com/office/officeart/2016/7/layout/HorizontalActionList"/>
     <dgm:cxn modelId="{A151C920-5872-4C88-8534-922E9C800B9B}" type="presParOf" srcId="{473E2436-1BC1-4A6C-8568-5C38418F52D1}" destId="{BDBD7220-3F85-45D2-BED6-5BBFBC23EAE3}" srcOrd="0" destOrd="0" presId="urn:microsoft.com/office/officeart/2016/7/layout/HorizontalActionList"/>
     <dgm:cxn modelId="{45373909-AB37-4D9A-936C-DC8447BC111D}" type="presParOf" srcId="{473E2436-1BC1-4A6C-8568-5C38418F52D1}" destId="{22359DD7-1BFB-4900-BAE6-6084F2F57988}" srcOrd="1" destOrd="0" presId="urn:microsoft.com/office/officeart/2016/7/layout/HorizontalActionList"/>
@@ -1638,8 +1776,8 @@
       </dsp:nvSpPr>
       <dsp:spPr>
         <a:xfrm>
-          <a:off x="12565" y="0"/>
-          <a:ext cx="2541775" cy="762532"/>
+          <a:off x="12982" y="0"/>
+          <a:ext cx="2521277" cy="756383"/>
         </a:xfrm>
         <a:prstGeom prst="rect">
           <a:avLst/>
@@ -1669,12 +1807,12 @@
         </a:fontRef>
       </dsp:style>
       <dsp:txBody>
-        <a:bodyPr spcFirstLastPara="0" vert="horz" wrap="square" lIns="200857" tIns="200857" rIns="200857" bIns="200857" numCol="1" spcCol="1270" anchor="ctr" anchorCtr="0">
+        <a:bodyPr spcFirstLastPara="0" vert="horz" wrap="square" lIns="199237" tIns="199237" rIns="199237" bIns="199237" numCol="1" spcCol="1270" anchor="ctr" anchorCtr="0">
           <a:noAutofit/>
         </a:bodyPr>
         <a:lstStyle/>
         <a:p>
-          <a:pPr marL="0" lvl="0" indent="0" algn="ctr" defTabSz="889000" rtl="0">
+          <a:pPr lvl="0" algn="ctr" defTabSz="889000" rtl="0">
             <a:lnSpc>
               <a:spcPct val="90000"/>
             </a:lnSpc>
@@ -1684,7 +1822,6 @@
             <a:spcAft>
               <a:spcPct val="35000"/>
             </a:spcAft>
-            <a:buNone/>
           </a:pPr>
           <a:r>
             <a:rPr lang="fr-FR" sz="2000" kern="1200" dirty="0">
@@ -1700,8 +1837,8 @@
         </a:p>
       </dsp:txBody>
       <dsp:txXfrm>
-        <a:off x="12565" y="0"/>
-        <a:ext cx="2541775" cy="762532"/>
+        <a:off x="12982" y="0"/>
+        <a:ext cx="2521277" cy="756383"/>
       </dsp:txXfrm>
     </dsp:sp>
     <dsp:sp modelId="{22359DD7-1BFB-4900-BAE6-6084F2F57988}">
@@ -1711,8 +1848,8 @@
       </dsp:nvSpPr>
       <dsp:spPr>
         <a:xfrm>
-          <a:off x="12565" y="682942"/>
-          <a:ext cx="2541775" cy="2619605"/>
+          <a:off x="12982" y="767097"/>
+          <a:ext cx="2521277" cy="2492452"/>
         </a:xfrm>
         <a:prstGeom prst="rect">
           <a:avLst/>
@@ -1742,12 +1879,12 @@
         <a:fontRef idx="minor"/>
       </dsp:style>
       <dsp:txBody>
-        <a:bodyPr spcFirstLastPara="0" vert="horz" wrap="square" lIns="251071" tIns="251071" rIns="251071" bIns="251071" numCol="1" spcCol="1270" anchor="t" anchorCtr="0">
+        <a:bodyPr spcFirstLastPara="0" vert="horz" wrap="square" lIns="249046" tIns="249046" rIns="249046" bIns="249046" numCol="1" spcCol="1270" anchor="t" anchorCtr="0">
           <a:noAutofit/>
         </a:bodyPr>
         <a:lstStyle/>
         <a:p>
-          <a:pPr marL="0" lvl="0" indent="0" algn="l" defTabSz="711200">
+          <a:pPr lvl="0" algn="l" defTabSz="711200">
             <a:lnSpc>
               <a:spcPct val="90000"/>
             </a:lnSpc>
@@ -1757,7 +1894,6 @@
             <a:spcAft>
               <a:spcPct val="35000"/>
             </a:spcAft>
-            <a:buNone/>
           </a:pPr>
           <a:r>
             <a:rPr lang="fr-FR" sz="1600" b="0" i="0" kern="1200" dirty="0">
@@ -1789,8 +1925,8 @@
         </a:p>
       </dsp:txBody>
       <dsp:txXfrm>
-        <a:off x="12565" y="682942"/>
-        <a:ext cx="2541775" cy="2619605"/>
+        <a:off x="12982" y="767097"/>
+        <a:ext cx="2521277" cy="2492452"/>
       </dsp:txXfrm>
     </dsp:sp>
     <dsp:sp modelId="{C4F84DEA-2002-4D32-8E80-70EEE05E345A}">
@@ -1800,8 +1936,8 @@
       </dsp:nvSpPr>
       <dsp:spPr>
         <a:xfrm>
-          <a:off x="2662130" y="0"/>
-          <a:ext cx="2541775" cy="762532"/>
+          <a:off x="2682628" y="0"/>
+          <a:ext cx="2521277" cy="756383"/>
         </a:xfrm>
         <a:prstGeom prst="rect">
           <a:avLst/>
@@ -1831,12 +1967,12 @@
         </a:fontRef>
       </dsp:style>
       <dsp:txBody>
-        <a:bodyPr spcFirstLastPara="0" vert="horz" wrap="square" lIns="200857" tIns="200857" rIns="200857" bIns="200857" numCol="1" spcCol="1270" anchor="ctr" anchorCtr="0">
+        <a:bodyPr spcFirstLastPara="0" vert="horz" wrap="square" lIns="199237" tIns="199237" rIns="199237" bIns="199237" numCol="1" spcCol="1270" anchor="ctr" anchorCtr="0">
           <a:noAutofit/>
         </a:bodyPr>
         <a:lstStyle/>
         <a:p>
-          <a:pPr marL="0" lvl="0" indent="0" algn="ctr" defTabSz="889000">
+          <a:pPr lvl="0" algn="ctr" defTabSz="889000">
             <a:lnSpc>
               <a:spcPct val="90000"/>
             </a:lnSpc>
@@ -1846,7 +1982,6 @@
             <a:spcAft>
               <a:spcPct val="35000"/>
             </a:spcAft>
-            <a:buNone/>
           </a:pPr>
           <a:r>
             <a:rPr lang="fr-FR" sz="2000" kern="1200" dirty="0">
@@ -1862,8 +1997,8 @@
         </a:p>
       </dsp:txBody>
       <dsp:txXfrm>
-        <a:off x="2662130" y="0"/>
-        <a:ext cx="2541775" cy="762532"/>
+        <a:off x="2682628" y="0"/>
+        <a:ext cx="2521277" cy="756383"/>
       </dsp:txXfrm>
     </dsp:sp>
     <dsp:sp modelId="{4FEB85EB-D046-4CDB-8A62-BBCE260C4490}">
@@ -1873,8 +2008,8 @@
       </dsp:nvSpPr>
       <dsp:spPr>
         <a:xfrm>
-          <a:off x="2662130" y="787777"/>
-          <a:ext cx="2541775" cy="2535001"/>
+          <a:off x="2642048" y="782262"/>
+          <a:ext cx="2602436" cy="2520047"/>
         </a:xfrm>
         <a:prstGeom prst="rect">
           <a:avLst/>
@@ -1914,12 +2049,12 @@
         <a:fontRef idx="minor"/>
       </dsp:style>
       <dsp:txBody>
-        <a:bodyPr spcFirstLastPara="0" vert="horz" wrap="square" lIns="251071" tIns="251071" rIns="251071" bIns="251071" numCol="1" spcCol="1270" anchor="t" anchorCtr="0">
+        <a:bodyPr spcFirstLastPara="0" vert="horz" wrap="square" lIns="249046" tIns="249046" rIns="249046" bIns="249046" numCol="1" spcCol="1270" anchor="t" anchorCtr="0">
           <a:noAutofit/>
         </a:bodyPr>
         <a:lstStyle/>
         <a:p>
-          <a:pPr marL="0" lvl="0" indent="0" algn="l" defTabSz="711200">
+          <a:pPr lvl="0" algn="l" defTabSz="711200">
             <a:lnSpc>
               <a:spcPct val="90000"/>
             </a:lnSpc>
@@ -1929,10 +2064,9 @@
             <a:spcAft>
               <a:spcPct val="35000"/>
             </a:spcAft>
-            <a:buNone/>
           </a:pPr>
           <a:r>
-            <a:rPr lang="fr-FR" sz="1600" b="0" i="0" kern="1200" dirty="0">
+            <a:rPr lang="fr-FR" sz="1600" b="0" i="0" kern="1200" dirty="0" smtClean="0">
               <a:solidFill>
                 <a:schemeClr val="accent3"/>
               </a:solidFill>
@@ -1942,6 +2076,16 @@
             <a:t>Où</a:t>
           </a:r>
           <a:r>
+            <a:rPr lang="fr-FR" sz="1600" b="0" i="0" kern="1200" baseline="0" dirty="0" smtClean="0">
+              <a:solidFill>
+                <a:schemeClr val="accent3"/>
+              </a:solidFill>
+              <a:latin typeface="Gill Sans Nova Light" panose="020B0302020104020203" pitchFamily="34" charset="0"/>
+              <a:cs typeface="Gill Sans Light" panose="020B0302020104020203" pitchFamily="34" charset="-79"/>
+            </a:rPr>
+            <a:t> </a:t>
+          </a:r>
+          <a:r>
             <a:rPr lang="fr-FR" sz="1600" b="0" i="0" kern="1200" baseline="0" dirty="0">
               <a:solidFill>
                 <a:schemeClr val="accent3"/>
@@ -1949,11 +2093,11 @@
               <a:latin typeface="Gill Sans Nova Light" panose="020B0302020104020203" pitchFamily="34" charset="0"/>
               <a:cs typeface="Gill Sans Light" panose="020B0302020104020203" pitchFamily="34" charset="-79"/>
             </a:rPr>
-            <a:t> trouvez des alliances de qualités et a des bon prix,</a:t>
+            <a:t>trouvez des alliances de qualités et a des bon prix,</a:t>
           </a:r>
         </a:p>
         <a:p>
-          <a:pPr marL="0" lvl="0" indent="0" algn="l" defTabSz="711200">
+          <a:pPr lvl="0" algn="l" defTabSz="711200">
             <a:lnSpc>
               <a:spcPct val="90000"/>
             </a:lnSpc>
@@ -1963,7 +2107,6 @@
             <a:spcAft>
               <a:spcPct val="35000"/>
             </a:spcAft>
-            <a:buNone/>
           </a:pPr>
           <a:r>
             <a:rPr lang="fr-FR" sz="1600" b="0" i="0" kern="1200" baseline="0" dirty="0">
@@ -1976,14 +2119,14 @@
             <a:t>Quelles sont et où sont les </a:t>
           </a:r>
           <a:r>
-            <a:rPr lang="fr-FR" sz="1600" b="0" i="0" kern="1200" baseline="0" dirty="0" err="1">
+            <a:rPr lang="fr-FR" sz="1600" b="0" i="0" kern="1200" baseline="0" dirty="0" smtClean="0">
               <a:solidFill>
                 <a:schemeClr val="accent3"/>
               </a:solidFill>
               <a:latin typeface="Gill Sans Nova Light" panose="020B0302020104020203" pitchFamily="34" charset="0"/>
               <a:cs typeface="Gill Sans Light" panose="020B0302020104020203" pitchFamily="34" charset="-79"/>
             </a:rPr>
-            <a:t>meuilleurs</a:t>
+            <a:t>meilleurs </a:t>
           </a:r>
           <a:r>
             <a:rPr lang="fr-FR" sz="1600" b="0" i="0" kern="1200" baseline="0" dirty="0">
@@ -1993,7 +2136,7 @@
               <a:latin typeface="Gill Sans Nova Light" panose="020B0302020104020203" pitchFamily="34" charset="0"/>
               <a:cs typeface="Gill Sans Light" panose="020B0302020104020203" pitchFamily="34" charset="-79"/>
             </a:rPr>
-            <a:t> boutiques?</a:t>
+            <a:t>boutiques?</a:t>
           </a:r>
           <a:endParaRPr lang="en-US" sz="1600" b="0" i="0" kern="1200" dirty="0">
             <a:solidFill>
@@ -2005,8 +2148,8 @@
         </a:p>
       </dsp:txBody>
       <dsp:txXfrm>
-        <a:off x="2662130" y="787777"/>
-        <a:ext cx="2541775" cy="2535001"/>
+        <a:off x="2642048" y="782262"/>
+        <a:ext cx="2602436" cy="2520047"/>
       </dsp:txXfrm>
     </dsp:sp>
     <dsp:sp modelId="{49B7F8FA-D256-41EF-9327-52A3551D9A60}">
@@ -2016,8 +2159,8 @@
       </dsp:nvSpPr>
       <dsp:spPr>
         <a:xfrm>
-          <a:off x="5311694" y="0"/>
-          <a:ext cx="2541775" cy="762532"/>
+          <a:off x="5352274" y="0"/>
+          <a:ext cx="2521277" cy="756383"/>
         </a:xfrm>
         <a:prstGeom prst="rect">
           <a:avLst/>
@@ -2047,12 +2190,12 @@
         </a:fontRef>
       </dsp:style>
       <dsp:txBody>
-        <a:bodyPr spcFirstLastPara="0" vert="horz" wrap="square" lIns="200857" tIns="200857" rIns="200857" bIns="200857" numCol="1" spcCol="1270" anchor="ctr" anchorCtr="0">
+        <a:bodyPr spcFirstLastPara="0" vert="horz" wrap="square" lIns="199237" tIns="199237" rIns="199237" bIns="199237" numCol="1" spcCol="1270" anchor="ctr" anchorCtr="0">
           <a:noAutofit/>
         </a:bodyPr>
         <a:lstStyle/>
         <a:p>
-          <a:pPr marL="0" lvl="0" indent="0" algn="ctr" defTabSz="889000">
+          <a:pPr lvl="0" algn="ctr" defTabSz="889000">
             <a:lnSpc>
               <a:spcPct val="90000"/>
             </a:lnSpc>
@@ -2062,7 +2205,6 @@
             <a:spcAft>
               <a:spcPct val="35000"/>
             </a:spcAft>
-            <a:buNone/>
           </a:pPr>
           <a:r>
             <a:rPr lang="fr-FR" sz="2000" kern="1200" dirty="0">
@@ -2079,11 +2221,11 @@
             <a:t> </a:t>
           </a:r>
           <a:r>
-            <a:rPr lang="fr-FR" sz="2000" kern="1200" baseline="0" dirty="0" err="1">
+            <a:rPr lang="fr-FR" sz="2000" kern="1200" baseline="0" dirty="0" smtClean="0">
               <a:latin typeface="Baskerville Old Face" panose="02020602080505020303" pitchFamily="18" charset="77"/>
               <a:ea typeface="Baskerville" panose="02020502070401020303" pitchFamily="18" charset="0"/>
             </a:rPr>
-            <a:t>decoration</a:t>
+            <a:t>décoration</a:t>
           </a:r>
           <a:endParaRPr lang="en-US" sz="2000" kern="1200" dirty="0">
             <a:latin typeface="Baskerville Old Face" panose="02020602080505020303" pitchFamily="18" charset="77"/>
@@ -2092,8 +2234,8 @@
         </a:p>
       </dsp:txBody>
       <dsp:txXfrm>
-        <a:off x="5311694" y="0"/>
-        <a:ext cx="2541775" cy="762532"/>
+        <a:off x="5352274" y="0"/>
+        <a:ext cx="2521277" cy="756383"/>
       </dsp:txXfrm>
     </dsp:sp>
     <dsp:sp modelId="{6B5FE59C-B471-448A-AA7A-B526DCC4D4CA}">
@@ -2103,8 +2245,8 @@
       </dsp:nvSpPr>
       <dsp:spPr>
         <a:xfrm>
-          <a:off x="5395797" y="862590"/>
-          <a:ext cx="2453041" cy="2502912"/>
+          <a:off x="5443261" y="735214"/>
+          <a:ext cx="2400657" cy="2738235"/>
         </a:xfrm>
         <a:prstGeom prst="rect">
           <a:avLst/>
@@ -2134,12 +2276,12 @@
         <a:fontRef idx="minor"/>
       </dsp:style>
       <dsp:txBody>
-        <a:bodyPr spcFirstLastPara="0" vert="horz" wrap="square" lIns="246770" tIns="246770" rIns="246770" bIns="246770" numCol="1" spcCol="1270" anchor="t" anchorCtr="0">
+        <a:bodyPr spcFirstLastPara="0" vert="horz" wrap="square" lIns="243135" tIns="243135" rIns="243135" bIns="243135" numCol="1" spcCol="1270" anchor="t" anchorCtr="0">
           <a:noAutofit/>
         </a:bodyPr>
         <a:lstStyle/>
         <a:p>
-          <a:pPr marL="0" lvl="0" indent="0" algn="l" defTabSz="711200">
+          <a:pPr lvl="0" algn="l" defTabSz="711200">
             <a:lnSpc>
               <a:spcPct val="90000"/>
             </a:lnSpc>
@@ -2149,7 +2291,6 @@
             <a:spcAft>
               <a:spcPct val="35000"/>
             </a:spcAft>
-            <a:buNone/>
           </a:pPr>
           <a:r>
             <a:rPr lang="fr-FR" sz="1600" b="0" i="0" kern="1200" dirty="0">
@@ -2159,7 +2300,17 @@
               <a:latin typeface="Gill Sans Nova Light" panose="020B0302020104020203" pitchFamily="34" charset="0"/>
               <a:cs typeface="Gill Sans Light" panose="020B0302020104020203" pitchFamily="34" charset="-79"/>
             </a:rPr>
-            <a:t>Comment trouver un lieu pour le déroulement de ces cérémonies</a:t>
+            <a:t>Comment trouver un lieu pour le déroulement de ces </a:t>
+          </a:r>
+          <a:r>
+            <a:rPr lang="fr-FR" sz="1600" b="0" i="0" kern="1200" dirty="0" smtClean="0">
+              <a:solidFill>
+                <a:schemeClr val="accent3"/>
+              </a:solidFill>
+              <a:latin typeface="Gill Sans Nova Light" panose="020B0302020104020203" pitchFamily="34" charset="0"/>
+              <a:cs typeface="Gill Sans Light" panose="020B0302020104020203" pitchFamily="34" charset="-79"/>
+            </a:rPr>
+            <a:t>cérémonies, et également la bonne déco</a:t>
           </a:r>
           <a:endParaRPr lang="en-US" sz="1600" b="0" i="0" kern="1200" dirty="0">
             <a:solidFill>
@@ -2169,10 +2320,30 @@
             <a:cs typeface="Gill Sans Light" panose="020B0302020104020203" pitchFamily="34" charset="-79"/>
           </a:endParaRPr>
         </a:p>
+        <a:p>
+          <a:pPr lvl="0" algn="l" defTabSz="711200">
+            <a:lnSpc>
+              <a:spcPct val="90000"/>
+            </a:lnSpc>
+            <a:spcBef>
+              <a:spcPct val="0"/>
+            </a:spcBef>
+            <a:spcAft>
+              <a:spcPct val="35000"/>
+            </a:spcAft>
+          </a:pPr>
+          <a:endParaRPr lang="fr-FR" sz="1600" b="0" i="0" kern="1200" dirty="0" smtClean="0">
+            <a:solidFill>
+              <a:schemeClr val="accent3"/>
+            </a:solidFill>
+            <a:latin typeface="Gill Sans Nova Light" panose="020B0302020104020203" pitchFamily="34" charset="0"/>
+            <a:cs typeface="Gill Sans Light" panose="020B0302020104020203" pitchFamily="34" charset="-79"/>
+          </a:endParaRPr>
+        </a:p>
       </dsp:txBody>
       <dsp:txXfrm>
-        <a:off x="5395797" y="862590"/>
-        <a:ext cx="2453041" cy="2502912"/>
+        <a:off x="5443261" y="735214"/>
+        <a:ext cx="2400657" cy="2738235"/>
       </dsp:txXfrm>
     </dsp:sp>
     <dsp:sp modelId="{59606EB9-9F10-4D12-A33F-A242FDCC0D0F}">
@@ -2182,8 +2353,8 @@
       </dsp:nvSpPr>
       <dsp:spPr>
         <a:xfrm>
-          <a:off x="7961258" y="0"/>
-          <a:ext cx="2541775" cy="762532"/>
+          <a:off x="7981340" y="0"/>
+          <a:ext cx="2521277" cy="756383"/>
         </a:xfrm>
         <a:prstGeom prst="rect">
           <a:avLst/>
@@ -2213,12 +2384,12 @@
         </a:fontRef>
       </dsp:style>
       <dsp:txBody>
-        <a:bodyPr spcFirstLastPara="0" vert="horz" wrap="square" lIns="200857" tIns="200857" rIns="200857" bIns="200857" numCol="1" spcCol="1270" anchor="ctr" anchorCtr="0">
+        <a:bodyPr spcFirstLastPara="0" vert="horz" wrap="square" lIns="199237" tIns="199237" rIns="199237" bIns="199237" numCol="1" spcCol="1270" anchor="ctr" anchorCtr="0">
           <a:noAutofit/>
         </a:bodyPr>
         <a:lstStyle/>
         <a:p>
-          <a:pPr marL="0" lvl="0" indent="0" algn="ctr" defTabSz="800100">
+          <a:pPr lvl="0" algn="ctr" defTabSz="800100">
             <a:lnSpc>
               <a:spcPct val="90000"/>
             </a:lnSpc>
@@ -2228,21 +2399,20 @@
             <a:spcAft>
               <a:spcPct val="35000"/>
             </a:spcAft>
-            <a:buNone/>
           </a:pPr>
           <a:r>
-            <a:rPr lang="fr-FR" sz="1800" kern="1200" dirty="0" err="1">
+            <a:rPr lang="en-US" sz="1800" kern="1200" dirty="0" smtClean="0">
               <a:latin typeface="Baskerville Old Face" panose="02020602080505020303" pitchFamily="18" charset="77"/>
               <a:ea typeface="Baskerville" panose="02020502070401020303" pitchFamily="18" charset="0"/>
             </a:rPr>
-            <a:t>Calendrié</a:t>
+            <a:t>Restauration</a:t>
           </a:r>
           <a:r>
-            <a:rPr lang="fr-FR" sz="1800" kern="1200" dirty="0">
+            <a:rPr lang="en-US" sz="1800" kern="1200" baseline="0" dirty="0" smtClean="0">
               <a:latin typeface="Baskerville Old Face" panose="02020602080505020303" pitchFamily="18" charset="77"/>
               <a:ea typeface="Baskerville" panose="02020502070401020303" pitchFamily="18" charset="0"/>
             </a:rPr>
-            <a:t> pour le  bon déroulement</a:t>
+            <a:t> </a:t>
           </a:r>
           <a:endParaRPr lang="en-US" sz="1800" kern="1200" dirty="0">
             <a:latin typeface="Baskerville Old Face" panose="02020602080505020303" pitchFamily="18" charset="77"/>
@@ -2251,8 +2421,8 @@
         </a:p>
       </dsp:txBody>
       <dsp:txXfrm>
-        <a:off x="7961258" y="0"/>
-        <a:ext cx="2541775" cy="762532"/>
+        <a:off x="7981340" y="0"/>
+        <a:ext cx="2521277" cy="756383"/>
       </dsp:txXfrm>
     </dsp:sp>
     <dsp:sp modelId="{C8429E68-36DD-4F6A-A2F4-7CCDADCEFAD1}">
@@ -2262,8 +2432,8 @@
       </dsp:nvSpPr>
       <dsp:spPr>
         <a:xfrm>
-          <a:off x="7975934" y="392802"/>
-          <a:ext cx="2539665" cy="3080647"/>
+          <a:off x="7995901" y="651177"/>
+          <a:ext cx="2519184" cy="2822272"/>
         </a:xfrm>
         <a:prstGeom prst="rect">
           <a:avLst/>
@@ -2293,12 +2463,12 @@
         <a:fontRef idx="minor"/>
       </dsp:style>
       <dsp:txBody>
-        <a:bodyPr spcFirstLastPara="0" vert="horz" wrap="square" lIns="251071" tIns="251071" rIns="251071" bIns="251071" numCol="1" spcCol="1270" anchor="t" anchorCtr="0">
+        <a:bodyPr spcFirstLastPara="0" vert="horz" wrap="square" lIns="249046" tIns="249046" rIns="249046" bIns="249046" numCol="1" spcCol="1270" anchor="t" anchorCtr="0">
           <a:noAutofit/>
         </a:bodyPr>
         <a:lstStyle/>
         <a:p>
-          <a:pPr marL="0" lvl="0" indent="0" algn="l" defTabSz="711200" rtl="0">
+          <a:pPr lvl="0" algn="l" defTabSz="711200" rtl="0">
             <a:lnSpc>
               <a:spcPct val="90000"/>
             </a:lnSpc>
@@ -2308,7 +2478,6 @@
             <a:spcAft>
               <a:spcPct val="35000"/>
             </a:spcAft>
-            <a:buNone/>
           </a:pPr>
           <a:r>
             <a:rPr lang="fr-FR" sz="1600" b="0" i="0" kern="1200" dirty="0">
@@ -2321,14 +2490,14 @@
             <a:t>Comment établir un bon </a:t>
           </a:r>
           <a:r>
-            <a:rPr lang="fr-FR" sz="1600" b="0" i="0" kern="1200" dirty="0" err="1">
+            <a:rPr lang="fr-FR" sz="1600" b="0" i="0" kern="1200" dirty="0" smtClean="0">
               <a:solidFill>
                 <a:schemeClr val="accent3"/>
               </a:solidFill>
               <a:latin typeface="Gill Sans Nova Light" panose="020B0302020104020203" pitchFamily="34" charset="0"/>
               <a:cs typeface="Gill Sans Light" panose="020B0302020104020203" pitchFamily="34" charset="-79"/>
             </a:rPr>
-            <a:t>calendrié</a:t>
+            <a:t>plan </a:t>
           </a:r>
           <a:r>
             <a:rPr lang="fr-FR" sz="1600" b="0" i="0" kern="1200" dirty="0">
@@ -2338,7 +2507,17 @@
               <a:latin typeface="Gill Sans Nova Light" panose="020B0302020104020203" pitchFamily="34" charset="0"/>
               <a:cs typeface="Gill Sans Light" panose="020B0302020104020203" pitchFamily="34" charset="-79"/>
             </a:rPr>
-            <a:t> pour le déroulement des l’évènements</a:t>
+            <a:t>pour le déroulement des </a:t>
+          </a:r>
+          <a:r>
+            <a:rPr lang="fr-FR" sz="1600" b="0" i="0" kern="1200" dirty="0" smtClean="0">
+              <a:solidFill>
+                <a:schemeClr val="accent3"/>
+              </a:solidFill>
+              <a:latin typeface="Gill Sans Nova Light" panose="020B0302020104020203" pitchFamily="34" charset="0"/>
+              <a:cs typeface="Gill Sans Light" panose="020B0302020104020203" pitchFamily="34" charset="-79"/>
+            </a:rPr>
+            <a:t>l’évènements afin de bien gérer la restauration</a:t>
           </a:r>
           <a:endParaRPr lang="en-US" sz="1600" b="0" i="0" kern="1200" dirty="0">
             <a:solidFill>
@@ -2350,8 +2529,8 @@
         </a:p>
       </dsp:txBody>
       <dsp:txXfrm>
-        <a:off x="7975934" y="392802"/>
-        <a:ext cx="2539665" cy="3080647"/>
+        <a:off x="7995901" y="651177"/>
+        <a:ext cx="2519184" cy="2822272"/>
       </dsp:txXfrm>
     </dsp:sp>
   </dsp:spTree>
@@ -3653,7 +3832,7 @@
           <a:p>
             <a:fld id="{62A5AE42-7DC1-8140-9B13-146984FDEF22}" type="datetimeFigureOut">
               <a:rPr lang="en-US" smtClean="0"/>
-              <a:t>11/22/2023</a:t>
+              <a:t>11/29/2023</a:t>
             </a:fld>
             <a:endParaRPr lang="en-US" dirty="0"/>
           </a:p>
@@ -3830,7 +4009,7 @@
           <a:p>
             <a:fld id="{E8F75F72-8950-AF4F-9381-1D26FB547EA1}" type="datetimeFigureOut">
               <a:rPr lang="en-US" smtClean="0"/>
-              <a:t>11/22/2023</a:t>
+              <a:t>11/29/2023</a:t>
             </a:fld>
             <a:endParaRPr lang="en-US" dirty="0"/>
           </a:p>
@@ -13794,7 +13973,15 @@
             </a:r>
             <a:r>
               <a:rPr lang="fr-FR" sz="2400" dirty="0"/>
-              <a:t> PROJET DE CONCEPTION D’UN SITE DE MARIAGE</a:t>
+              <a:t> PROJET DE CONCEPTION D’UN </a:t>
+            </a:r>
+            <a:r>
+              <a:rPr lang="fr-FR" sz="2400" dirty="0" smtClean="0"/>
+              <a:t>SITE  </a:t>
+            </a:r>
+            <a:r>
+              <a:rPr lang="fr-FR" sz="2400" dirty="0"/>
+              <a:t>DE MARIAGE</a:t>
             </a:r>
             <a:endParaRPr lang="en-US" sz="2400" dirty="0"/>
           </a:p>
@@ -13822,6 +14009,13 @@
       </p:transition>
     </mc:Fallback>
   </mc:AlternateContent>
+  <p:timing>
+    <p:tnLst>
+      <p:par>
+        <p:cTn id="1" dur="indefinite" restart="never" nodeType="tmRoot"/>
+      </p:par>
+    </p:tnLst>
+  </p:timing>
 </p:sld>
 </file>
 
@@ -13877,8 +14071,8 @@
         </p:nvSpPr>
         <p:spPr>
           <a:xfrm>
-            <a:off x="5105400" y="3041374"/>
-            <a:ext cx="6728012" cy="3816626"/>
+            <a:off x="0" y="2580171"/>
+            <a:ext cx="12192000" cy="4141304"/>
           </a:xfrm>
         </p:spPr>
         <p:txBody>
@@ -13887,80 +14081,93 @@
           </a:bodyPr>
           <a:lstStyle/>
           <a:p>
-            <a:r>
-              <a:rPr lang="fr-FR" b="1" dirty="0"/>
-              <a:t>Description du projet</a:t>
-            </a:r>
-          </a:p>
-          <a:p>
-            <a:endParaRPr lang="fr-FR" dirty="0"/>
-          </a:p>
-          <a:p>
             <a:pPr marL="0" indent="0">
               <a:buNone/>
             </a:pPr>
-            <a:r>
-              <a:rPr lang="en-US" dirty="0" err="1"/>
-              <a:t>Cette</a:t>
-            </a:r>
-            <a:r>
-              <a:rPr lang="en-US" dirty="0"/>
-              <a:t> </a:t>
-            </a:r>
-            <a:r>
-              <a:rPr lang="en-US" dirty="0" err="1"/>
-              <a:t>plateforme</a:t>
-            </a:r>
-            <a:r>
-              <a:rPr lang="en-US" dirty="0"/>
-              <a:t> </a:t>
-            </a:r>
-            <a:r>
-              <a:rPr lang="en-US" dirty="0" err="1"/>
-              <a:t>est</a:t>
-            </a:r>
-            <a:r>
-              <a:rPr lang="en-US" dirty="0"/>
-              <a:t> mise </a:t>
-            </a:r>
-            <a:r>
-              <a:rPr lang="en-US" dirty="0" err="1"/>
-              <a:t>en</a:t>
-            </a:r>
-            <a:r>
-              <a:rPr lang="en-US" dirty="0"/>
-              <a:t> place pour </a:t>
-            </a:r>
-            <a:r>
-              <a:rPr lang="en-US" dirty="0" err="1"/>
-              <a:t>faciliter</a:t>
-            </a:r>
-            <a:r>
-              <a:rPr lang="en-US" dirty="0"/>
-              <a:t> </a:t>
-            </a:r>
-            <a:r>
-              <a:rPr lang="en-US" dirty="0" err="1"/>
-              <a:t>l’organisation</a:t>
-            </a:r>
-            <a:r>
-              <a:rPr lang="en-US" dirty="0"/>
-              <a:t>  des </a:t>
-            </a:r>
-            <a:r>
-              <a:rPr lang="en-US" dirty="0" err="1"/>
-              <a:t>mariages</a:t>
-            </a:r>
-            <a:r>
-              <a:rPr lang="en-US" dirty="0"/>
-              <a:t>.</a:t>
-            </a:r>
+            <a:endParaRPr lang="fr-FR" b="1" dirty="0"/>
           </a:p>
           <a:p>
             <a:pPr marL="0" indent="0">
               <a:buNone/>
             </a:pPr>
             <a:r>
+              <a:rPr lang="en-US" dirty="0" err="1" smtClean="0"/>
+              <a:t>Cette</a:t>
+            </a:r>
+            <a:r>
+              <a:rPr lang="en-US" dirty="0" smtClean="0"/>
+              <a:t> </a:t>
+            </a:r>
+            <a:r>
+              <a:rPr lang="en-US" dirty="0" err="1" smtClean="0"/>
+              <a:t>platforme</a:t>
+            </a:r>
+            <a:r>
+              <a:rPr lang="en-US" dirty="0" smtClean="0"/>
+              <a:t> </a:t>
+            </a:r>
+            <a:r>
+              <a:rPr lang="en-US" dirty="0" err="1"/>
+              <a:t>est</a:t>
+            </a:r>
+            <a:r>
+              <a:rPr lang="en-US" dirty="0"/>
+              <a:t> </a:t>
+            </a:r>
+            <a:r>
+              <a:rPr lang="en-US" dirty="0" smtClean="0"/>
+              <a:t>un </a:t>
+            </a:r>
+            <a:r>
+              <a:rPr lang="en-US" dirty="0" err="1" smtClean="0"/>
+              <a:t>apport</a:t>
+            </a:r>
+            <a:r>
+              <a:rPr lang="en-US" dirty="0" smtClean="0"/>
+              <a:t> de solution </a:t>
+            </a:r>
+            <a:r>
+              <a:rPr lang="en-US" dirty="0" err="1" smtClean="0"/>
+              <a:t>dans</a:t>
+            </a:r>
+            <a:r>
+              <a:rPr lang="en-US" dirty="0" smtClean="0"/>
+              <a:t> le but</a:t>
+            </a:r>
+            <a:r>
+              <a:rPr lang="en-US" dirty="0" smtClean="0"/>
+              <a:t> </a:t>
+            </a:r>
+            <a:r>
+              <a:rPr lang="en-US" dirty="0" err="1"/>
+              <a:t>faciliter</a:t>
+            </a:r>
+            <a:r>
+              <a:rPr lang="en-US" dirty="0"/>
+              <a:t> </a:t>
+            </a:r>
+            <a:r>
+              <a:rPr lang="en-US" dirty="0" err="1" smtClean="0"/>
+              <a:t>l’organisation</a:t>
+            </a:r>
+            <a:r>
+              <a:rPr lang="en-US" dirty="0" smtClean="0"/>
+              <a:t> des ceremonies  de </a:t>
+            </a:r>
+            <a:r>
+              <a:rPr lang="en-US" dirty="0" err="1"/>
+              <a:t>mariages</a:t>
+            </a:r>
+            <a:r>
+              <a:rPr lang="en-US" dirty="0"/>
+              <a:t>.</a:t>
+            </a:r>
+          </a:p>
+          <a:p>
+            <a:pPr marL="0" indent="0">
+              <a:buNone/>
+            </a:pPr>
+            <a:r>
               <a:rPr lang="en-US" dirty="0"/>
               <a:t>De </a:t>
             </a:r>
@@ -13981,8 +14188,20 @@
               <a:t> </a:t>
             </a:r>
             <a:r>
+              <a:rPr lang="en-US" dirty="0" smtClean="0"/>
+              <a:t>nous </a:t>
+            </a:r>
+            <a:r>
+              <a:rPr lang="en-US" dirty="0" err="1" smtClean="0"/>
+              <a:t>aurons</a:t>
+            </a:r>
+            <a:r>
+              <a:rPr lang="en-US" dirty="0" smtClean="0"/>
+              <a:t> </a:t>
+            </a:r>
+            <a:r>
               <a:rPr lang="en-US" dirty="0" err="1"/>
-              <a:t>vous</a:t>
+              <a:t>tous</a:t>
             </a:r>
             <a:r>
               <a:rPr lang="en-US" dirty="0"/>
@@ -13990,83 +14209,99 @@
             </a:r>
             <a:r>
               <a:rPr lang="en-US" dirty="0" err="1"/>
-              <a:t>aurais</a:t>
+              <a:t>ce</a:t>
             </a:r>
             <a:r>
               <a:rPr lang="en-US" dirty="0"/>
               <a:t> </a:t>
             </a:r>
             <a:r>
+              <a:rPr lang="en-US" dirty="0" err="1" smtClean="0"/>
+              <a:t>qu’il</a:t>
+            </a:r>
+            <a:r>
+              <a:rPr lang="en-US" dirty="0" smtClean="0"/>
+              <a:t> </a:t>
+            </a:r>
+            <a:r>
+              <a:rPr lang="en-US" dirty="0" err="1" smtClean="0"/>
+              <a:t>vous</a:t>
+            </a:r>
+            <a:r>
+              <a:rPr lang="en-US" dirty="0" smtClean="0"/>
+              <a:t> </a:t>
+            </a:r>
+            <a:r>
+              <a:rPr lang="en-US" dirty="0"/>
+              <a:t>faut sur </a:t>
+            </a:r>
+            <a:r>
               <a:rPr lang="en-US" dirty="0" err="1"/>
-              <a:t>tous</a:t>
+              <a:t>ce</a:t>
             </a:r>
             <a:r>
               <a:rPr lang="en-US" dirty="0"/>
               <a:t> </a:t>
             </a:r>
             <a:r>
-              <a:rPr lang="en-US" dirty="0" err="1"/>
-              <a:t>ce</a:t>
+              <a:rPr lang="en-US" dirty="0" err="1" smtClean="0"/>
+              <a:t>plateform</a:t>
+            </a:r>
+            <a:r>
+              <a:rPr lang="en-US" dirty="0" smtClean="0"/>
+              <a:t> </a:t>
+            </a:r>
+            <a:r>
+              <a:rPr lang="en-US" dirty="0" smtClean="0"/>
+              <a:t>pour </a:t>
+            </a:r>
+            <a:r>
+              <a:rPr lang="en-US" dirty="0" err="1" smtClean="0"/>
+              <a:t>organiser</a:t>
+            </a:r>
+            <a:r>
+              <a:rPr lang="en-US" dirty="0" smtClean="0"/>
+              <a:t> </a:t>
+            </a:r>
+            <a:r>
+              <a:rPr lang="en-US" dirty="0" smtClean="0"/>
+              <a:t>un</a:t>
+            </a:r>
+            <a:r>
+              <a:rPr lang="en-US" dirty="0" smtClean="0"/>
+              <a:t> </a:t>
+            </a:r>
+            <a:r>
+              <a:rPr lang="en-US" dirty="0" smtClean="0"/>
+              <a:t>marriage </a:t>
+            </a:r>
+            <a:r>
+              <a:rPr lang="en-US" dirty="0" smtClean="0"/>
+              <a:t> grace a </a:t>
+            </a:r>
+            <a:r>
+              <a:rPr lang="en-US" dirty="0" err="1" smtClean="0"/>
+              <a:t>une</a:t>
+            </a:r>
+            <a:r>
+              <a:rPr lang="en-US" dirty="0" smtClean="0"/>
+              <a:t> </a:t>
+            </a:r>
+            <a:r>
+              <a:rPr lang="en-US" dirty="0" err="1" smtClean="0"/>
+              <a:t>assitance</a:t>
+            </a:r>
+            <a:r>
+              <a:rPr lang="en-US" dirty="0" smtClean="0"/>
+              <a:t> </a:t>
+            </a:r>
+            <a:r>
+              <a:rPr lang="en-US" dirty="0" smtClean="0"/>
+              <a:t> </a:t>
             </a:r>
             <a:r>
               <a:rPr lang="en-US" dirty="0"/>
-              <a:t> </a:t>
-            </a:r>
-            <a:r>
-              <a:rPr lang="en-US" dirty="0" err="1"/>
-              <a:t>qu’il</a:t>
-            </a:r>
-            <a:r>
-              <a:rPr lang="en-US" dirty="0"/>
-              <a:t> faut sur </a:t>
-            </a:r>
-            <a:r>
-              <a:rPr lang="en-US" dirty="0" err="1"/>
-              <a:t>ce</a:t>
-            </a:r>
-            <a:r>
-              <a:rPr lang="en-US" dirty="0"/>
-              <a:t> site pour organizer </a:t>
-            </a:r>
-            <a:r>
-              <a:rPr lang="en-US" dirty="0" err="1"/>
-              <a:t>votre</a:t>
-            </a:r>
-            <a:r>
-              <a:rPr lang="en-US" dirty="0"/>
-              <a:t> </a:t>
-            </a:r>
-            <a:r>
-              <a:rPr lang="en-US" dirty="0" err="1"/>
-              <a:t>mariage.une</a:t>
-            </a:r>
-            <a:r>
-              <a:rPr lang="en-US" dirty="0"/>
-              <a:t> equipe </a:t>
-            </a:r>
-            <a:r>
-              <a:rPr lang="en-US" dirty="0" err="1"/>
-              <a:t>speciale</a:t>
-            </a:r>
-            <a:r>
-              <a:rPr lang="en-US" dirty="0"/>
-              <a:t> sera </a:t>
-            </a:r>
-            <a:r>
-              <a:rPr lang="en-US" dirty="0" err="1"/>
-              <a:t>en</a:t>
-            </a:r>
-            <a:r>
-              <a:rPr lang="en-US" dirty="0"/>
-              <a:t> </a:t>
-            </a:r>
-            <a:r>
-              <a:rPr lang="en-US" dirty="0" err="1"/>
-              <a:t>ligne</a:t>
-            </a:r>
-            <a:r>
-              <a:rPr lang="en-US" dirty="0"/>
-              <a:t> pour </a:t>
+              <a:t>pour </a:t>
             </a:r>
             <a:r>
               <a:rPr lang="en-US" dirty="0" err="1"/>
@@ -14177,245 +14412,6 @@
               <a:t>10</a:t>
             </a:fld>
             <a:endParaRPr lang="en-US" dirty="0"/>
-          </a:p>
-        </p:txBody>
-      </p:sp>
-      <p:sp>
-        <p:nvSpPr>
-          <p:cNvPr id="7" name="Espace réservé du contenu 2"/>
-          <p:cNvSpPr txBox="1">
-            <a:spLocks/>
-          </p:cNvSpPr>
-          <p:nvPr/>
-        </p:nvSpPr>
-        <p:spPr>
-          <a:xfrm>
-            <a:off x="990600" y="3041374"/>
-            <a:ext cx="3505200" cy="3575834"/>
-          </a:xfrm>
-          <a:prstGeom prst="rect">
-            <a:avLst/>
-          </a:prstGeom>
-        </p:spPr>
-        <p:txBody>
-          <a:bodyPr vert="horz" lIns="91440" tIns="45720" rIns="91440" bIns="45720" rtlCol="0">
-            <a:normAutofit/>
-          </a:bodyPr>
-          <a:lstStyle>
-            <a:lvl1pPr marL="228600" indent="-228600" algn="l" defTabSz="914400" rtl="0" eaLnBrk="1" latinLnBrk="0" hangingPunct="1">
-              <a:lnSpc>
-                <a:spcPct val="90000"/>
-              </a:lnSpc>
-              <a:spcBef>
-                <a:spcPts val="1000"/>
-              </a:spcBef>
-              <a:buClr>
-                <a:srgbClr val="73292A"/>
-              </a:buClr>
-              <a:buFont typeface="Arial" panose="020B0604020202020204" pitchFamily="34" charset="0"/>
-              <a:buChar char="•"/>
-              <a:defRPr sz="2800" kern="1200">
-                <a:solidFill>
-                  <a:schemeClr val="accent3"/>
-                </a:solidFill>
-                <a:latin typeface="Gill Sans Nova Light" panose="020F0302020204030204" pitchFamily="34" charset="0"/>
-                <a:ea typeface="+mn-ea"/>
-                <a:cs typeface="Gill Sans Nova Light" panose="020F0302020204030204" pitchFamily="34" charset="0"/>
-              </a:defRPr>
-            </a:lvl1pPr>
-            <a:lvl2pPr marL="685800" indent="-228600" algn="l" defTabSz="914400" rtl="0" eaLnBrk="1" latinLnBrk="0" hangingPunct="1">
-              <a:lnSpc>
-                <a:spcPct val="90000"/>
-              </a:lnSpc>
-              <a:spcBef>
-                <a:spcPts val="500"/>
-              </a:spcBef>
-              <a:buClr>
-                <a:srgbClr val="73292A"/>
-              </a:buClr>
-              <a:buFont typeface="Arial" panose="020B0604020202020204" pitchFamily="34" charset="0"/>
-              <a:buChar char="•"/>
-              <a:defRPr sz="2400" kern="1200">
-                <a:solidFill>
-                  <a:schemeClr val="accent3"/>
-                </a:solidFill>
-                <a:latin typeface="Gill Sans Nova Light" panose="020F0302020204030204" pitchFamily="34" charset="0"/>
-                <a:ea typeface="+mn-ea"/>
-                <a:cs typeface="Gill Sans Nova Light" panose="020F0302020204030204" pitchFamily="34" charset="0"/>
-              </a:defRPr>
-            </a:lvl2pPr>
-            <a:lvl3pPr marL="1143000" indent="-228600" algn="l" defTabSz="914400" rtl="0" eaLnBrk="1" latinLnBrk="0" hangingPunct="1">
-              <a:lnSpc>
-                <a:spcPct val="90000"/>
-              </a:lnSpc>
-              <a:spcBef>
-                <a:spcPts val="500"/>
-              </a:spcBef>
-              <a:buClr>
-                <a:srgbClr val="73292A"/>
-              </a:buClr>
-              <a:buFont typeface="Arial" panose="020B0604020202020204" pitchFamily="34" charset="0"/>
-              <a:buChar char="•"/>
-              <a:defRPr sz="2000" kern="1200">
-                <a:solidFill>
-                  <a:schemeClr val="accent3"/>
-                </a:solidFill>
-                <a:latin typeface="Gill Sans Nova Light" panose="020F0302020204030204" pitchFamily="34" charset="0"/>
-                <a:ea typeface="+mn-ea"/>
-                <a:cs typeface="Gill Sans Nova Light" panose="020F0302020204030204" pitchFamily="34" charset="0"/>
-              </a:defRPr>
-            </a:lvl3pPr>
-            <a:lvl4pPr marL="1600200" indent="-228600" algn="l" defTabSz="914400" rtl="0" eaLnBrk="1" latinLnBrk="0" hangingPunct="1">
-              <a:lnSpc>
-                <a:spcPct val="90000"/>
-              </a:lnSpc>
-              <a:spcBef>
-                <a:spcPts val="500"/>
-              </a:spcBef>
-              <a:buClr>
-                <a:srgbClr val="73292A"/>
-              </a:buClr>
-              <a:buFont typeface="Arial" panose="020B0604020202020204" pitchFamily="34" charset="0"/>
-              <a:buChar char="•"/>
-              <a:defRPr sz="1800" kern="1200">
-                <a:solidFill>
-                  <a:schemeClr val="accent3"/>
-                </a:solidFill>
-                <a:latin typeface="Gill Sans Nova Light" panose="020F0302020204030204" pitchFamily="34" charset="0"/>
-                <a:ea typeface="+mn-ea"/>
-                <a:cs typeface="Gill Sans Nova Light" panose="020F0302020204030204" pitchFamily="34" charset="0"/>
-              </a:defRPr>
-            </a:lvl4pPr>
-            <a:lvl5pPr marL="2057400" indent="-228600" algn="l" defTabSz="914400" rtl="0" eaLnBrk="1" latinLnBrk="0" hangingPunct="1">
-              <a:lnSpc>
-                <a:spcPct val="90000"/>
-              </a:lnSpc>
-              <a:spcBef>
-                <a:spcPts val="500"/>
-              </a:spcBef>
-              <a:buClr>
-                <a:srgbClr val="73292A"/>
-              </a:buClr>
-              <a:buFont typeface="Arial" panose="020B0604020202020204" pitchFamily="34" charset="0"/>
-              <a:buChar char="•"/>
-              <a:defRPr sz="1800" kern="1200">
-                <a:solidFill>
-                  <a:schemeClr val="accent3"/>
-                </a:solidFill>
-                <a:latin typeface="Gill Sans Nova Light" panose="020F0302020204030204" pitchFamily="34" charset="0"/>
-                <a:ea typeface="+mn-ea"/>
-                <a:cs typeface="Gill Sans Nova Light" panose="020F0302020204030204" pitchFamily="34" charset="0"/>
-              </a:defRPr>
-            </a:lvl5pPr>
-            <a:lvl6pPr marL="2514600" indent="-228600" algn="l" defTabSz="914400" rtl="0" eaLnBrk="1" latinLnBrk="0" hangingPunct="1">
-              <a:lnSpc>
-                <a:spcPct val="90000"/>
-              </a:lnSpc>
-              <a:spcBef>
-                <a:spcPts val="500"/>
-              </a:spcBef>
-              <a:buFont typeface="Arial" panose="020B0604020202020204" pitchFamily="34" charset="0"/>
-              <a:buChar char="•"/>
-              <a:defRPr sz="1800" kern="1200">
-                <a:solidFill>
-                  <a:schemeClr val="tx1"/>
-                </a:solidFill>
-                <a:latin typeface="+mn-lt"/>
-                <a:ea typeface="+mn-ea"/>
-                <a:cs typeface="+mn-cs"/>
-              </a:defRPr>
-            </a:lvl6pPr>
-            <a:lvl7pPr marL="2971800" indent="-228600" algn="l" defTabSz="914400" rtl="0" eaLnBrk="1" latinLnBrk="0" hangingPunct="1">
-              <a:lnSpc>
-                <a:spcPct val="90000"/>
-              </a:lnSpc>
-              <a:spcBef>
-                <a:spcPts val="500"/>
-              </a:spcBef>
-              <a:buFont typeface="Arial" panose="020B0604020202020204" pitchFamily="34" charset="0"/>
-              <a:buChar char="•"/>
-              <a:defRPr sz="1800" kern="1200">
-                <a:solidFill>
-                  <a:schemeClr val="tx1"/>
-                </a:solidFill>
-                <a:latin typeface="+mn-lt"/>
-                <a:ea typeface="+mn-ea"/>
-                <a:cs typeface="+mn-cs"/>
-              </a:defRPr>
-            </a:lvl7pPr>
-            <a:lvl8pPr marL="3429000" indent="-228600" algn="l" defTabSz="914400" rtl="0" eaLnBrk="1" latinLnBrk="0" hangingPunct="1">
-              <a:lnSpc>
-                <a:spcPct val="90000"/>
-              </a:lnSpc>
-              <a:spcBef>
-                <a:spcPts val="500"/>
-              </a:spcBef>
-              <a:buFont typeface="Arial" panose="020B0604020202020204" pitchFamily="34" charset="0"/>
-              <a:buChar char="•"/>
-              <a:defRPr sz="1800" kern="1200">
-                <a:solidFill>
-                  <a:schemeClr val="tx1"/>
-                </a:solidFill>
-                <a:latin typeface="+mn-lt"/>
-                <a:ea typeface="+mn-ea"/>
-                <a:cs typeface="+mn-cs"/>
-              </a:defRPr>
-            </a:lvl8pPr>
-            <a:lvl9pPr marL="3886200" indent="-228600" algn="l" defTabSz="914400" rtl="0" eaLnBrk="1" latinLnBrk="0" hangingPunct="1">
-              <a:lnSpc>
-                <a:spcPct val="90000"/>
-              </a:lnSpc>
-              <a:spcBef>
-                <a:spcPts val="500"/>
-              </a:spcBef>
-              <a:buFont typeface="Arial" panose="020B0604020202020204" pitchFamily="34" charset="0"/>
-              <a:buChar char="•"/>
-              <a:defRPr sz="1800" kern="1200">
-                <a:solidFill>
-                  <a:schemeClr val="tx1"/>
-                </a:solidFill>
-                <a:latin typeface="+mn-lt"/>
-                <a:ea typeface="+mn-ea"/>
-                <a:cs typeface="+mn-cs"/>
-              </a:defRPr>
-            </a:lvl9pPr>
-          </a:lstStyle>
-          <a:p>
-            <a:r>
-              <a:rPr lang="fr-FR" dirty="0"/>
-              <a:t>Nom du projet</a:t>
-            </a:r>
-          </a:p>
-          <a:p>
-            <a:endParaRPr lang="fr-FR" dirty="0"/>
-          </a:p>
-          <a:p>
-            <a:pPr marL="0" indent="0" algn="ctr">
-              <a:buNone/>
-            </a:pPr>
-            <a:endParaRPr lang="fr-FR" dirty="0">
-              <a:solidFill>
-                <a:srgbClr val="FF0000"/>
-              </a:solidFill>
-            </a:endParaRPr>
-          </a:p>
-          <a:p>
-            <a:pPr marL="0" indent="0" algn="ctr">
-              <a:buNone/>
-            </a:pPr>
-            <a:r>
-              <a:rPr lang="fr-FR" dirty="0">
-                <a:solidFill>
-                  <a:srgbClr val="FF0000"/>
-                </a:solidFill>
-              </a:rPr>
-              <a:t>Heureux mariage</a:t>
-            </a:r>
-            <a:endParaRPr lang="en-US" dirty="0">
-              <a:solidFill>
-                <a:srgbClr val="FF0000"/>
-              </a:solidFill>
-            </a:endParaRPr>
           </a:p>
         </p:txBody>
       </p:sp>
@@ -14429,18 +14425,16 @@
   <p:clrMapOvr>
     <a:masterClrMapping/>
   </p:clrMapOvr>
-  <mc:AlternateContent xmlns:mc="http://schemas.openxmlformats.org/markup-compatibility/2006" xmlns:p14="http://schemas.microsoft.com/office/powerpoint/2010/main">
-    <mc:Choice Requires="p14">
-      <p:transition spd="slow" p14:dur="3400">
-        <p14:reveal/>
-      </p:transition>
-    </mc:Choice>
-    <mc:Fallback xmlns="">
-      <p:transition spd="slow">
-        <p:fade/>
-      </p:transition>
-    </mc:Fallback>
-  </mc:AlternateContent>
+  <p:transition spd="slow">
+    <p:push dir="u"/>
+  </p:transition>
+  <p:timing>
+    <p:tnLst>
+      <p:par>
+        <p:cTn id="1" dur="indefinite" restart="never" nodeType="tmRoot"/>
+      </p:par>
+    </p:tnLst>
+  </p:timing>
 </p:sld>
 </file>
 
@@ -14494,18 +14488,16 @@
   <p:clrMapOvr>
     <a:masterClrMapping/>
   </p:clrMapOvr>
-  <mc:AlternateContent xmlns:mc="http://schemas.openxmlformats.org/markup-compatibility/2006" xmlns:p14="http://schemas.microsoft.com/office/powerpoint/2010/main">
-    <mc:Choice Requires="p14">
-      <p:transition spd="slow" p14:dur="3400">
-        <p14:reveal/>
-      </p:transition>
-    </mc:Choice>
-    <mc:Fallback xmlns="">
-      <p:transition spd="slow">
-        <p:fade/>
-      </p:transition>
-    </mc:Fallback>
-  </mc:AlternateContent>
+  <p:transition spd="slow">
+    <p:push dir="u"/>
+  </p:transition>
+  <p:timing>
+    <p:tnLst>
+      <p:par>
+        <p:cTn id="1" dur="indefinite" restart="never" nodeType="tmRoot"/>
+      </p:par>
+    </p:tnLst>
+  </p:timing>
 </p:sld>
 </file>
 
@@ -14548,7 +14540,39 @@
           <a:p>
             <a:r>
               <a:rPr lang="fr-FR" dirty="0"/>
-              <a:t>Ce projet cible les couples qui visent à ce marié et qui cherche à organisé un mariage épanouissant.</a:t>
+              <a:t>Ce projet cible les </a:t>
+            </a:r>
+            <a:r>
+              <a:rPr lang="fr-FR" dirty="0" smtClean="0"/>
+              <a:t>couples qui sont en vois de </a:t>
+            </a:r>
+            <a:r>
+              <a:rPr lang="fr-FR" dirty="0"/>
+              <a:t>ce marié et qui </a:t>
+            </a:r>
+            <a:r>
+              <a:rPr lang="fr-FR" dirty="0" smtClean="0"/>
+              <a:t>désir  </a:t>
+            </a:r>
+            <a:r>
+              <a:rPr lang="fr-FR" dirty="0"/>
+              <a:t>organisé </a:t>
+            </a:r>
+            <a:r>
+              <a:rPr lang="fr-FR" dirty="0" smtClean="0"/>
+              <a:t> une </a:t>
+            </a:r>
+            <a:r>
+              <a:rPr lang="fr-FR" dirty="0" smtClean="0"/>
+              <a:t>cérémonie </a:t>
+            </a:r>
+            <a:r>
+              <a:rPr lang="fr-FR" dirty="0" smtClean="0"/>
+              <a:t>de </a:t>
+            </a:r>
+            <a:r>
+              <a:rPr lang="fr-FR" dirty="0"/>
+              <a:t>mariage épanouissant.</a:t>
             </a:r>
             <a:endParaRPr lang="en-US" dirty="0"/>
           </a:p>
@@ -14612,18 +14636,16 @@
   <p:clrMapOvr>
     <a:masterClrMapping/>
   </p:clrMapOvr>
-  <mc:AlternateContent xmlns:mc="http://schemas.openxmlformats.org/markup-compatibility/2006" xmlns:p14="http://schemas.microsoft.com/office/powerpoint/2010/main">
-    <mc:Choice Requires="p14">
-      <p:transition spd="slow" p14:dur="3400">
-        <p14:reveal/>
-      </p:transition>
-    </mc:Choice>
-    <mc:Fallback xmlns="">
-      <p:transition spd="slow">
-        <p:fade/>
-      </p:transition>
-    </mc:Fallback>
-  </mc:AlternateContent>
+  <p:transition spd="slow">
+    <p:push dir="u"/>
+  </p:transition>
+  <p:timing>
+    <p:tnLst>
+      <p:par>
+        <p:cTn id="1" dur="indefinite" restart="never" nodeType="tmRoot"/>
+      </p:par>
+    </p:tnLst>
+  </p:timing>
 </p:sld>
 </file>
 
@@ -14684,18 +14706,16 @@
   <p:clrMapOvr>
     <a:masterClrMapping/>
   </p:clrMapOvr>
-  <mc:AlternateContent xmlns:mc="http://schemas.openxmlformats.org/markup-compatibility/2006" xmlns:p14="http://schemas.microsoft.com/office/powerpoint/2010/main">
-    <mc:Choice Requires="p14">
-      <p:transition spd="slow" p14:dur="3400">
-        <p14:reveal/>
-      </p:transition>
-    </mc:Choice>
-    <mc:Fallback xmlns="">
-      <p:transition spd="slow">
-        <p:fade/>
-      </p:transition>
-    </mc:Fallback>
-  </mc:AlternateContent>
+  <p:transition spd="slow">
+    <p:push dir="u"/>
+  </p:transition>
+  <p:timing>
+    <p:tnLst>
+      <p:par>
+        <p:cTn id="1" dur="indefinite" restart="never" nodeType="tmRoot"/>
+      </p:par>
+    </p:tnLst>
+  </p:timing>
 </p:sld>
 </file>
 
@@ -14734,7 +14754,7 @@
         </p:spPr>
         <p:txBody>
           <a:bodyPr>
-            <a:normAutofit fontScale="90000"/>
+            <a:normAutofit/>
           </a:bodyPr>
           <a:lstStyle/>
           <a:p>
@@ -14768,12 +14788,46 @@
           </a:bodyPr>
           <a:lstStyle/>
           <a:p>
-            <a:endParaRPr lang="fr-FR" sz="3600" dirty="0"/>
-          </a:p>
-          <a:p>
+            <a:pPr algn="l"/>
+            <a:r>
+              <a:rPr lang="fr-FR" sz="3600" dirty="0" smtClean="0"/>
+              <a:t>Cette </a:t>
+            </a:r>
             <a:r>
               <a:rPr lang="fr-FR" sz="3600" dirty="0"/>
-              <a:t>Cette plateforme a pour objectif de facilités l’organisation d’un bon mariage </a:t>
+              <a:t>plateforme a pour </a:t>
+            </a:r>
+            <a:r>
+              <a:rPr lang="fr-FR" sz="3600" dirty="0" smtClean="0"/>
+              <a:t>objectif </a:t>
+            </a:r>
+            <a:r>
+              <a:rPr lang="fr-FR" sz="3600" dirty="0" smtClean="0"/>
+              <a:t>de premièrement éliminer le stress face a l’organisation et de </a:t>
+            </a:r>
+            <a:r>
+              <a:rPr lang="fr-FR" sz="3600" dirty="0"/>
+              <a:t>facilités l’organisation d’un </a:t>
+            </a:r>
+            <a:r>
+              <a:rPr lang="fr-FR" sz="3600" smtClean="0"/>
+              <a:t>bon </a:t>
+            </a:r>
+            <a:r>
+              <a:rPr lang="fr-FR" sz="3600" smtClean="0"/>
+              <a:t>cérémonie </a:t>
+            </a:r>
+            <a:r>
+              <a:rPr lang="fr-FR" sz="3600" dirty="0" smtClean="0"/>
+              <a:t>de </a:t>
+            </a:r>
+            <a:r>
+              <a:rPr lang="fr-FR" sz="3600"/>
+              <a:t>mariage </a:t>
+            </a:r>
+            <a:r>
+              <a:rPr lang="fr-FR" sz="3600" smtClean="0"/>
+              <a:t>.</a:t>
             </a:r>
             <a:endParaRPr lang="en-US" sz="3600" dirty="0"/>
           </a:p>
@@ -14836,18 +14890,16 @@
   <p:clrMapOvr>
     <a:masterClrMapping/>
   </p:clrMapOvr>
-  <mc:AlternateContent xmlns:mc="http://schemas.openxmlformats.org/markup-compatibility/2006" xmlns:p14="http://schemas.microsoft.com/office/powerpoint/2010/main">
-    <mc:Choice Requires="p14">
-      <p:transition spd="slow" p14:dur="3400">
-        <p14:reveal/>
-      </p:transition>
-    </mc:Choice>
-    <mc:Fallback xmlns="">
-      <p:transition spd="slow">
-        <p:fade/>
-      </p:transition>
-    </mc:Fallback>
-  </mc:AlternateContent>
+  <p:transition spd="slow">
+    <p:push dir="u"/>
+  </p:transition>
+  <p:timing>
+    <p:tnLst>
+      <p:par>
+        <p:cTn id="1" dur="indefinite" restart="never" nodeType="tmRoot"/>
+      </p:par>
+    </p:tnLst>
+  </p:timing>
 </p:sld>
 </file>
 
@@ -14933,8 +14985,23 @@
             </a:pPr>
             <a:r>
               <a:rPr lang="fr-FR" dirty="0"/>
-              <a:t>Mettre en contact avec les agents commerciaux</a:t>
-            </a:r>
+              <a:t>Mettre en contact avec les agents </a:t>
+            </a:r>
+            <a:r>
+              <a:rPr lang="fr-FR" dirty="0" smtClean="0"/>
+              <a:t>commerciaux</a:t>
+            </a:r>
+          </a:p>
+          <a:p>
+            <a:pPr marL="342900" indent="-342900" algn="l">
+              <a:buFont typeface="Wingdings" panose="05000000000000000000" pitchFamily="2" charset="2"/>
+              <a:buChar char="Ø"/>
+            </a:pPr>
+            <a:r>
+              <a:rPr lang="fr-FR" dirty="0" smtClean="0"/>
+              <a:t>Organiser en fonction du budget en main</a:t>
+            </a:r>
+            <a:endParaRPr lang="fr-FR" dirty="0"/>
           </a:p>
           <a:p>
             <a:pPr marL="342900" indent="-342900" algn="l">
@@ -15006,18 +15073,16 @@
   <p:clrMapOvr>
     <a:masterClrMapping/>
   </p:clrMapOvr>
-  <mc:AlternateContent xmlns:mc="http://schemas.openxmlformats.org/markup-compatibility/2006" xmlns:p14="http://schemas.microsoft.com/office/powerpoint/2010/main">
-    <mc:Choice Requires="p14">
-      <p:transition spd="slow" p14:dur="3400">
-        <p14:reveal/>
-      </p:transition>
-    </mc:Choice>
-    <mc:Fallback xmlns="">
-      <p:transition spd="slow">
-        <p:fade/>
-      </p:transition>
-    </mc:Fallback>
-  </mc:AlternateContent>
+  <p:transition spd="slow">
+    <p:push dir="u"/>
+  </p:transition>
+  <p:timing>
+    <p:tnLst>
+      <p:par>
+        <p:cTn id="1" dur="indefinite" restart="never" nodeType="tmRoot"/>
+      </p:par>
+    </p:tnLst>
+  </p:timing>
 </p:sld>
 </file>
 
@@ -15071,6 +15136,12 @@
                 <a:latin typeface="Baskerville Old Face" panose="02020602080505020303" pitchFamily="18" charset="0"/>
               </a:rPr>
               <a:t>projet</a:t>
+            </a:r>
+            <a:r>
+              <a:rPr lang="en-US" b="1" dirty="0">
+                <a:latin typeface="Baskerville Old Face" panose="02020602080505020303" pitchFamily="18" charset="0"/>
+              </a:rPr>
+              <a:t/>
             </a:r>
             <a:br>
               <a:rPr lang="en-US" b="1" dirty="0">
@@ -15103,6 +15174,13 @@
       </p:transition>
     </mc:Fallback>
   </mc:AlternateContent>
+  <p:timing>
+    <p:tnLst>
+      <p:par>
+        <p:cTn id="1" dur="indefinite" restart="never" nodeType="tmRoot"/>
+      </p:par>
+    </p:tnLst>
+  </p:timing>
 </p:sld>
 </file>
 
@@ -15239,18 +15317,16 @@
   <p:clrMapOvr>
     <a:masterClrMapping/>
   </p:clrMapOvr>
-  <mc:AlternateContent xmlns:mc="http://schemas.openxmlformats.org/markup-compatibility/2006" xmlns:p14="http://schemas.microsoft.com/office/powerpoint/2010/main">
-    <mc:Choice Requires="p14">
-      <p:transition spd="slow" p14:dur="3400">
-        <p14:reveal/>
-      </p:transition>
-    </mc:Choice>
-    <mc:Fallback xmlns="">
-      <p:transition spd="slow">
-        <p:fade/>
-      </p:transition>
-    </mc:Fallback>
-  </mc:AlternateContent>
+  <p:transition spd="slow">
+    <p:wipe/>
+  </p:transition>
+  <p:timing>
+    <p:tnLst>
+      <p:par>
+        <p:cTn id="1" dur="indefinite" restart="never" nodeType="tmRoot"/>
+      </p:par>
+    </p:tnLst>
+  </p:timing>
 </p:sld>
 </file>
 
@@ -15304,18 +15380,16 @@
   <p:clrMapOvr>
     <a:masterClrMapping/>
   </p:clrMapOvr>
-  <mc:AlternateContent xmlns:mc="http://schemas.openxmlformats.org/markup-compatibility/2006" xmlns:p14="http://schemas.microsoft.com/office/powerpoint/2010/main">
-    <mc:Choice Requires="p14">
-      <p:transition spd="slow" p14:dur="3400">
-        <p14:reveal/>
-      </p:transition>
-    </mc:Choice>
-    <mc:Fallback xmlns="">
-      <p:transition spd="slow">
-        <p:fade/>
-      </p:transition>
-    </mc:Fallback>
-  </mc:AlternateContent>
+  <p:transition spd="slow">
+    <p:wipe/>
+  </p:transition>
+  <p:timing>
+    <p:tnLst>
+      <p:par>
+        <p:cTn id="1" dur="indefinite" restart="never" nodeType="tmRoot"/>
+      </p:par>
+    </p:tnLst>
+  </p:timing>
 </p:sld>
 </file>
 
@@ -15338,34 +15412,6 @@
       </p:grpSpPr>
       <p:sp>
         <p:nvSpPr>
-          <p:cNvPr id="2" name="Titre 1"/>
-          <p:cNvSpPr>
-            <a:spLocks noGrp="1"/>
-          </p:cNvSpPr>
-          <p:nvPr>
-            <p:ph type="title"/>
-          </p:nvPr>
-        </p:nvSpPr>
-        <p:spPr>
-          <a:xfrm>
-            <a:off x="1748028" y="1292087"/>
-            <a:ext cx="8695944" cy="834887"/>
-          </a:xfrm>
-        </p:spPr>
-        <p:txBody>
-          <a:bodyPr/>
-          <a:lstStyle/>
-          <a:p>
-            <a:r>
-              <a:rPr lang="fr-FR" dirty="0"/>
-              <a:t>Comme technologies nous utiliserons:</a:t>
-            </a:r>
-            <a:endParaRPr lang="en-US" dirty="0"/>
-          </a:p>
-        </p:txBody>
-      </p:sp>
-      <p:sp>
-        <p:nvSpPr>
           <p:cNvPr id="3" name="Espace réservé du contenu 2"/>
           <p:cNvSpPr>
             <a:spLocks noGrp="1"/>
@@ -15376,8 +15422,8 @@
         </p:nvSpPr>
         <p:spPr>
           <a:xfrm>
-            <a:off x="1678454" y="2405270"/>
-            <a:ext cx="2664946" cy="2879613"/>
+            <a:off x="1678454" y="1351722"/>
+            <a:ext cx="4242686" cy="3933161"/>
           </a:xfrm>
         </p:spPr>
         <p:txBody>
@@ -15398,23 +15444,56 @@
               <a:buChar char="v"/>
             </a:pPr>
             <a:r>
+              <a:rPr lang="fr-FR" sz="4000" dirty="0" smtClean="0">
+                <a:solidFill>
+                  <a:srgbClr val="FF0000"/>
+                </a:solidFill>
+              </a:rPr>
+              <a:t>HTML</a:t>
+            </a:r>
+            <a:endParaRPr lang="fr-FR" dirty="0" smtClean="0"/>
+          </a:p>
+          <a:p>
+            <a:pPr algn="l"/>
+            <a:endParaRPr lang="fr-FR" dirty="0" smtClean="0"/>
+          </a:p>
+          <a:p>
+            <a:pPr algn="l"/>
+            <a:r>
+              <a:rPr lang="fr-FR" dirty="0" smtClean="0"/>
+              <a:t>Le </a:t>
+            </a:r>
+            <a:r>
               <a:rPr lang="fr-FR" dirty="0"/>
-              <a:t>Html</a:t>
-            </a:r>
-          </a:p>
-          <a:p>
-            <a:pPr algn="l"/>
-            <a:endParaRPr lang="fr-FR" dirty="0"/>
+              <a:t>HyperText </a:t>
+            </a:r>
+            <a:r>
+              <a:rPr lang="fr-FR" dirty="0" err="1"/>
+              <a:t>Markup</a:t>
+            </a:r>
+            <a:r>
+              <a:rPr lang="fr-FR" dirty="0"/>
+              <a:t> </a:t>
+            </a:r>
+            <a:r>
+              <a:rPr lang="fr-FR" dirty="0" err="1" smtClean="0"/>
+              <a:t>Language</a:t>
+            </a:r>
+            <a:r>
+              <a:rPr lang="fr-FR" dirty="0" smtClean="0"/>
+              <a:t>, généralement </a:t>
+            </a:r>
+            <a:r>
+              <a:rPr lang="fr-FR" dirty="0"/>
+              <a:t>abrégé HTML ou, dans sa dernière version, HTML5, est le langage de balisage conçu pour représenter les pages web.</a:t>
+            </a:r>
+            <a:endParaRPr lang="fr-FR" dirty="0" smtClean="0"/>
           </a:p>
           <a:p>
             <a:pPr marL="457200" indent="-457200" algn="l">
               <a:buFont typeface="Wingdings" panose="05000000000000000000" pitchFamily="2" charset="2"/>
               <a:buChar char="v"/>
             </a:pPr>
-            <a:r>
-              <a:rPr lang="fr-FR" dirty="0" err="1"/>
-              <a:t>Css</a:t>
-            </a:r>
             <a:endParaRPr lang="fr-FR" dirty="0"/>
           </a:p>
           <a:p>
@@ -15422,14 +15501,7 @@
             <a:endParaRPr lang="fr-FR" dirty="0"/>
           </a:p>
           <a:p>
-            <a:pPr marL="457200" indent="-457200" algn="l">
-              <a:buFont typeface="Wingdings" panose="05000000000000000000" pitchFamily="2" charset="2"/>
-              <a:buChar char="v"/>
-            </a:pPr>
-            <a:r>
-              <a:rPr lang="fr-FR" dirty="0" err="1"/>
-              <a:t>Java-script</a:t>
-            </a:r>
+            <a:pPr algn="l"/>
             <a:endParaRPr lang="fr-FR" dirty="0"/>
           </a:p>
         </p:txBody>
@@ -15491,8 +15563,8 @@
         </p:nvSpPr>
         <p:spPr>
           <a:xfrm>
-            <a:off x="7573617" y="2405271"/>
-            <a:ext cx="3001618" cy="2879612"/>
+            <a:off x="6215270" y="1351722"/>
+            <a:ext cx="4359965" cy="3933161"/>
           </a:xfrm>
           <a:prstGeom prst="rect">
             <a:avLst/>
@@ -15685,8 +15757,13 @@
             <a:pPr algn="l"/>
             <a:r>
               <a:rPr lang="fr-FR" dirty="0"/>
-              <a:t>Pour le back-end         </a:t>
-            </a:r>
+              <a:t>Pour le back-end    </a:t>
+            </a:r>
+            <a:r>
+              <a:rPr lang="fr-FR" dirty="0" smtClean="0"/>
+              <a:t>     </a:t>
+            </a:r>
+            <a:endParaRPr lang="fr-FR" dirty="0"/>
           </a:p>
           <a:p>
             <a:pPr marL="457200" indent="-457200" algn="l">
@@ -15694,10 +15771,18 @@
               <a:buChar char="v"/>
             </a:pPr>
             <a:r>
-              <a:rPr lang="fr-FR" dirty="0" err="1"/>
-              <a:t>Php</a:t>
-            </a:r>
-            <a:endParaRPr lang="fr-FR" dirty="0"/>
+              <a:rPr lang="fr-FR" sz="4800" dirty="0" smtClean="0">
+                <a:solidFill>
+                  <a:srgbClr val="FF0000"/>
+                </a:solidFill>
+              </a:rPr>
+              <a:t>PHP</a:t>
+            </a:r>
+            <a:endParaRPr lang="fr-FR" sz="4800" dirty="0">
+              <a:solidFill>
+                <a:srgbClr val="FF0000"/>
+              </a:solidFill>
+            </a:endParaRPr>
           </a:p>
           <a:p>
             <a:pPr algn="l"/>
@@ -15705,21 +15790,38 @@
           </a:p>
           <a:p>
             <a:pPr algn="l"/>
+            <a:r>
+              <a:rPr lang="fr-FR" dirty="0" err="1"/>
+              <a:t>Hypertext</a:t>
+            </a:r>
+            <a:r>
+              <a:rPr lang="fr-FR" dirty="0"/>
+              <a:t> </a:t>
+            </a:r>
+            <a:r>
+              <a:rPr lang="fr-FR" dirty="0" err="1"/>
+              <a:t>Preprocessor</a:t>
+            </a:r>
+            <a:r>
+              <a:rPr lang="fr-FR" dirty="0"/>
+              <a:t>, plus connu sous son sigle PHP, est </a:t>
+            </a:r>
+            <a:r>
+              <a:rPr lang="fr-FR" dirty="0" smtClean="0"/>
+              <a:t>un </a:t>
+            </a:r>
+            <a:r>
+              <a:rPr lang="fr-FR" dirty="0"/>
+              <a:t>langage de programmation libre, principalement utilisé pour produire des pages Web dynamiques via un serveur </a:t>
+            </a:r>
+            <a:r>
+              <a:rPr lang="fr-FR" dirty="0" smtClean="0"/>
+              <a:t>web.</a:t>
+            </a:r>
             <a:endParaRPr lang="fr-FR" dirty="0"/>
           </a:p>
           <a:p>
             <a:pPr algn="l"/>
-            <a:endParaRPr lang="fr-FR" dirty="0"/>
-          </a:p>
-          <a:p>
-            <a:pPr marL="457200" indent="-457200" algn="l">
-              <a:buFont typeface="Wingdings" panose="05000000000000000000" pitchFamily="2" charset="2"/>
-              <a:buChar char="v"/>
-            </a:pPr>
-            <a:r>
-              <a:rPr lang="fr-FR" dirty="0" err="1"/>
-              <a:t>Laravel</a:t>
-            </a:r>
             <a:endParaRPr lang="fr-FR" dirty="0"/>
           </a:p>
           <a:p>
@@ -15750,7 +15852,7 @@
         </p:blipFill>
         <p:spPr>
           <a:xfrm>
-            <a:off x="3529852" y="2845576"/>
+            <a:off x="4113680" y="1816553"/>
             <a:ext cx="813547" cy="629329"/>
           </a:xfrm>
           <a:prstGeom prst="rect">
@@ -15760,10 +15862,10 @@
       </p:pic>
       <p:pic>
         <p:nvPicPr>
-          <p:cNvPr id="12" name="Image 11">
-            <a:extLst>
-              <a:ext uri="{FF2B5EF4-FFF2-40B4-BE49-F238E27FC236}">
-                <a16:creationId xmlns:a16="http://schemas.microsoft.com/office/drawing/2014/main" id="{9D35AABD-C738-C79E-C21D-B01C525DE804}"/>
+          <p:cNvPr id="16" name="Image 15">
+            <a:extLst>
+              <a:ext uri="{FF2B5EF4-FFF2-40B4-BE49-F238E27FC236}">
+                <a16:creationId xmlns:a16="http://schemas.microsoft.com/office/drawing/2014/main" id="{EF00D09C-C7B1-C6BC-12E8-3A1708807C33}"/>
               </a:ext>
             </a:extLst>
           </p:cNvPr>
@@ -15780,98 +15882,8 @@
         </p:blipFill>
         <p:spPr>
           <a:xfrm>
-            <a:off x="3529852" y="3638747"/>
-            <a:ext cx="852857" cy="631160"/>
-          </a:xfrm>
-          <a:prstGeom prst="rect">
-            <a:avLst/>
-          </a:prstGeom>
-        </p:spPr>
-      </p:pic>
-      <p:pic>
-        <p:nvPicPr>
-          <p:cNvPr id="14" name="Image 13">
-            <a:extLst>
-              <a:ext uri="{FF2B5EF4-FFF2-40B4-BE49-F238E27FC236}">
-                <a16:creationId xmlns:a16="http://schemas.microsoft.com/office/drawing/2014/main" id="{4A0658CC-518D-7BAD-1D70-AD7C2F641641}"/>
-              </a:ext>
-            </a:extLst>
-          </p:cNvPr>
-          <p:cNvPicPr>
-            <a:picLocks noChangeAspect="1"/>
-          </p:cNvPicPr>
-          <p:nvPr/>
-        </p:nvPicPr>
-        <p:blipFill>
-          <a:blip r:embed="rId4"/>
-          <a:stretch>
-            <a:fillRect/>
-          </a:stretch>
-        </p:blipFill>
-        <p:spPr>
-          <a:xfrm>
-            <a:off x="3590362" y="4433748"/>
-            <a:ext cx="753037" cy="729115"/>
-          </a:xfrm>
-          <a:prstGeom prst="rect">
-            <a:avLst/>
-          </a:prstGeom>
-        </p:spPr>
-      </p:pic>
-      <p:pic>
-        <p:nvPicPr>
-          <p:cNvPr id="16" name="Image 15">
-            <a:extLst>
-              <a:ext uri="{FF2B5EF4-FFF2-40B4-BE49-F238E27FC236}">
-                <a16:creationId xmlns:a16="http://schemas.microsoft.com/office/drawing/2014/main" id="{EF00D09C-C7B1-C6BC-12E8-3A1708807C33}"/>
-              </a:ext>
-            </a:extLst>
-          </p:cNvPr>
-          <p:cNvPicPr>
-            <a:picLocks noChangeAspect="1"/>
-          </p:cNvPicPr>
-          <p:nvPr/>
-        </p:nvPicPr>
-        <p:blipFill>
-          <a:blip r:embed="rId5"/>
-          <a:stretch>
-            <a:fillRect/>
-          </a:stretch>
-        </p:blipFill>
-        <p:spPr>
-          <a:xfrm>
-            <a:off x="9332258" y="2840479"/>
+            <a:off x="8395252" y="1736620"/>
             <a:ext cx="1111713" cy="789193"/>
-          </a:xfrm>
-          <a:prstGeom prst="rect">
-            <a:avLst/>
-          </a:prstGeom>
-        </p:spPr>
-      </p:pic>
-      <p:pic>
-        <p:nvPicPr>
-          <p:cNvPr id="18" name="Image 17">
-            <a:extLst>
-              <a:ext uri="{FF2B5EF4-FFF2-40B4-BE49-F238E27FC236}">
-                <a16:creationId xmlns:a16="http://schemas.microsoft.com/office/drawing/2014/main" id="{41AB7670-3A96-0446-7DEA-9FCC424D4A79}"/>
-              </a:ext>
-            </a:extLst>
-          </p:cNvPr>
-          <p:cNvPicPr>
-            <a:picLocks noChangeAspect="1"/>
-          </p:cNvPicPr>
-          <p:nvPr/>
-        </p:nvPicPr>
-        <p:blipFill>
-          <a:blip r:embed="rId6"/>
-          <a:stretch>
-            <a:fillRect/>
-          </a:stretch>
-        </p:blipFill>
-        <p:spPr>
-          <a:xfrm>
-            <a:off x="9208008" y="4064881"/>
-            <a:ext cx="1235964" cy="1097982"/>
           </a:xfrm>
           <a:prstGeom prst="rect">
             <a:avLst/>
@@ -15888,18 +15900,16 @@
   <p:clrMapOvr>
     <a:masterClrMapping/>
   </p:clrMapOvr>
-  <mc:AlternateContent xmlns:mc="http://schemas.openxmlformats.org/markup-compatibility/2006" xmlns:p14="http://schemas.microsoft.com/office/powerpoint/2010/main">
-    <mc:Choice Requires="p14">
-      <p:transition spd="slow" p14:dur="3400">
-        <p14:reveal/>
-      </p:transition>
-    </mc:Choice>
-    <mc:Fallback xmlns="">
-      <p:transition spd="slow">
-        <p:fade/>
-      </p:transition>
-    </mc:Fallback>
-  </mc:AlternateContent>
+  <p:transition spd="slow">
+    <p:wipe/>
+  </p:transition>
+  <p:timing>
+    <p:tnLst>
+      <p:par>
+        <p:cTn id="1" dur="indefinite" restart="never" nodeType="tmRoot"/>
+      </p:par>
+    </p:tnLst>
+  </p:timing>
 </p:sld>
 </file>
 
@@ -16053,10 +16063,16 @@
           <a:p>
             <a:pPr algn="ctr"/>
             <a:r>
+              <a:rPr lang="fr-FR" sz="2800" dirty="0" smtClean="0">
+                <a:latin typeface="Baskerville Old Face" panose="02020602080505020303" pitchFamily="18" charset="0"/>
+              </a:rPr>
+              <a:t>Plateforme pour l’organisation </a:t>
+            </a:r>
+            <a:r>
               <a:rPr lang="fr-FR" sz="2800" dirty="0">
                 <a:latin typeface="Baskerville Old Face" panose="02020602080505020303" pitchFamily="18" charset="0"/>
               </a:rPr>
-              <a:t>Plateforme d’organisation des mariages</a:t>
+              <a:t>des mariages</a:t>
             </a:r>
             <a:endParaRPr lang="en-US" sz="2800" dirty="0">
               <a:latin typeface="Baskerville Old Face" panose="02020602080505020303" pitchFamily="18" charset="0"/>
@@ -16139,22 +16155,944 @@
   <p:clrMapOvr>
     <a:masterClrMapping/>
   </p:clrMapOvr>
-  <mc:AlternateContent xmlns:mc="http://schemas.openxmlformats.org/markup-compatibility/2006" xmlns:p14="http://schemas.microsoft.com/office/powerpoint/2010/main">
-    <mc:Choice Requires="p14">
-      <p:transition spd="slow" p14:dur="3400">
-        <p14:reveal/>
-      </p:transition>
-    </mc:Choice>
-    <mc:Fallback xmlns="">
-      <p:transition spd="slow">
-        <p:fade/>
-      </p:transition>
-    </mc:Fallback>
-  </mc:AlternateContent>
+  <p:transition spd="slow">
+    <p:push dir="u"/>
+  </p:transition>
+  <p:timing>
+    <p:tnLst>
+      <p:par>
+        <p:cTn id="1" dur="indefinite" restart="never" nodeType="tmRoot"/>
+      </p:par>
+    </p:tnLst>
+  </p:timing>
 </p:sld>
 </file>
 
 <file path=ppt/slides/slide20.xml><?xml version="1.0" encoding="utf-8"?>
+<p:sld xmlns:a="http://schemas.openxmlformats.org/drawingml/2006/main" xmlns:r="http://schemas.openxmlformats.org/officeDocument/2006/relationships" xmlns:p="http://schemas.openxmlformats.org/presentationml/2006/main">
+  <p:cSld>
+    <p:spTree>
+      <p:nvGrpSpPr>
+        <p:cNvPr id="1" name=""/>
+        <p:cNvGrpSpPr/>
+        <p:nvPr/>
+      </p:nvGrpSpPr>
+      <p:grpSpPr>
+        <a:xfrm>
+          <a:off x="0" y="0"/>
+          <a:ext cx="0" cy="0"/>
+          <a:chOff x="0" y="0"/>
+          <a:chExt cx="0" cy="0"/>
+        </a:xfrm>
+      </p:grpSpPr>
+      <p:sp>
+        <p:nvSpPr>
+          <p:cNvPr id="3" name="Espace réservé du contenu 2"/>
+          <p:cNvSpPr>
+            <a:spLocks noGrp="1"/>
+          </p:cNvSpPr>
+          <p:nvPr>
+            <p:ph idx="1"/>
+          </p:nvPr>
+        </p:nvSpPr>
+        <p:spPr>
+          <a:xfrm>
+            <a:off x="1640421" y="1311966"/>
+            <a:ext cx="4150779" cy="3909391"/>
+          </a:xfrm>
+        </p:spPr>
+        <p:txBody>
+          <a:bodyPr>
+            <a:normAutofit/>
+          </a:bodyPr>
+          <a:lstStyle/>
+          <a:p>
+            <a:pPr marL="342900" indent="-342900" algn="l">
+              <a:buFont typeface="Wingdings" panose="05000000000000000000" pitchFamily="2" charset="2"/>
+              <a:buChar char="v"/>
+            </a:pPr>
+            <a:r>
+              <a:rPr lang="fr-FR" sz="3600" dirty="0" smtClean="0">
+                <a:solidFill>
+                  <a:srgbClr val="FF0000"/>
+                </a:solidFill>
+              </a:rPr>
+              <a:t>CSS </a:t>
+            </a:r>
+          </a:p>
+          <a:p>
+            <a:pPr algn="l"/>
+            <a:endParaRPr lang="fr-FR" sz="3600" dirty="0">
+              <a:solidFill>
+                <a:srgbClr val="FF0000"/>
+              </a:solidFill>
+            </a:endParaRPr>
+          </a:p>
+          <a:p>
+            <a:pPr algn="l"/>
+            <a:r>
+              <a:rPr lang="fr-FR" dirty="0"/>
+              <a:t>Les feuilles de style en cascade, généralement appelées CSS de l'anglais </a:t>
+            </a:r>
+            <a:r>
+              <a:rPr lang="fr-FR" dirty="0" err="1"/>
+              <a:t>Cascading</a:t>
+            </a:r>
+            <a:r>
+              <a:rPr lang="fr-FR" dirty="0"/>
+              <a:t> Style </a:t>
+            </a:r>
+            <a:r>
+              <a:rPr lang="fr-FR" dirty="0" err="1"/>
+              <a:t>Sheets</a:t>
+            </a:r>
+            <a:r>
+              <a:rPr lang="fr-FR" dirty="0"/>
+              <a:t>, forment un langage informatique qui décrit la présentation des documents HTML et XML. </a:t>
+            </a:r>
+            <a:endParaRPr lang="fr-FR" sz="3600" dirty="0">
+              <a:solidFill>
+                <a:srgbClr val="FF0000"/>
+              </a:solidFill>
+            </a:endParaRPr>
+          </a:p>
+        </p:txBody>
+      </p:sp>
+      <p:sp>
+        <p:nvSpPr>
+          <p:cNvPr id="4" name="Espace réservé du pied de page 3"/>
+          <p:cNvSpPr>
+            <a:spLocks noGrp="1"/>
+          </p:cNvSpPr>
+          <p:nvPr>
+            <p:ph type="ftr" sz="quarter" idx="10"/>
+          </p:nvPr>
+        </p:nvSpPr>
+        <p:spPr/>
+        <p:txBody>
+          <a:bodyPr/>
+          <a:lstStyle/>
+          <a:p>
+            <a:r>
+              <a:rPr lang="en-US" smtClean="0"/>
+              <a:t>Presentation title</a:t>
+            </a:r>
+            <a:endParaRPr lang="en-US" dirty="0"/>
+          </a:p>
+        </p:txBody>
+      </p:sp>
+      <p:sp>
+        <p:nvSpPr>
+          <p:cNvPr id="5" name="Espace réservé du numéro de diapositive 4"/>
+          <p:cNvSpPr>
+            <a:spLocks noGrp="1"/>
+          </p:cNvSpPr>
+          <p:nvPr>
+            <p:ph type="sldNum" sz="quarter" idx="11"/>
+          </p:nvPr>
+        </p:nvSpPr>
+        <p:spPr/>
+        <p:txBody>
+          <a:bodyPr/>
+          <a:lstStyle/>
+          <a:p>
+            <a:fld id="{294A09A9-5501-47C1-A89A-A340965A2BE2}" type="slidenum">
+              <a:rPr lang="en-US" smtClean="0"/>
+              <a:pPr/>
+              <a:t>20</a:t>
+            </a:fld>
+            <a:endParaRPr lang="en-US" dirty="0"/>
+          </a:p>
+        </p:txBody>
+      </p:sp>
+      <p:pic>
+        <p:nvPicPr>
+          <p:cNvPr id="6" name="Image 5"/>
+          <p:cNvPicPr>
+            <a:picLocks noChangeAspect="1"/>
+          </p:cNvPicPr>
+          <p:nvPr/>
+        </p:nvPicPr>
+        <p:blipFill>
+          <a:blip r:embed="rId2"/>
+          <a:stretch>
+            <a:fillRect/>
+          </a:stretch>
+        </p:blipFill>
+        <p:spPr>
+          <a:xfrm>
+            <a:off x="3489886" y="1311966"/>
+            <a:ext cx="853514" cy="634039"/>
+          </a:xfrm>
+          <a:prstGeom prst="rect">
+            <a:avLst/>
+          </a:prstGeom>
+        </p:spPr>
+      </p:pic>
+      <p:pic>
+        <p:nvPicPr>
+          <p:cNvPr id="8" name="Image 7"/>
+          <p:cNvPicPr>
+            <a:picLocks noChangeAspect="1"/>
+          </p:cNvPicPr>
+          <p:nvPr/>
+        </p:nvPicPr>
+        <p:blipFill>
+          <a:blip r:embed="rId3"/>
+          <a:stretch>
+            <a:fillRect/>
+          </a:stretch>
+        </p:blipFill>
+        <p:spPr>
+          <a:xfrm>
+            <a:off x="8342242" y="1185037"/>
+            <a:ext cx="1402055" cy="1285460"/>
+          </a:xfrm>
+          <a:prstGeom prst="rect">
+            <a:avLst/>
+          </a:prstGeom>
+        </p:spPr>
+      </p:pic>
+      <p:sp>
+        <p:nvSpPr>
+          <p:cNvPr id="9" name="Espace réservé du contenu 2"/>
+          <p:cNvSpPr txBox="1">
+            <a:spLocks/>
+          </p:cNvSpPr>
+          <p:nvPr/>
+        </p:nvSpPr>
+        <p:spPr>
+          <a:xfrm>
+            <a:off x="6122503" y="1404731"/>
+            <a:ext cx="4439479" cy="3816626"/>
+          </a:xfrm>
+          <a:prstGeom prst="rect">
+            <a:avLst/>
+          </a:prstGeom>
+        </p:spPr>
+        <p:txBody>
+          <a:bodyPr vert="horz" lIns="91440" tIns="45720" rIns="91440" bIns="45720" rtlCol="0">
+            <a:normAutofit/>
+          </a:bodyPr>
+          <a:lstStyle>
+            <a:lvl1pPr marL="0" indent="0" algn="ctr" defTabSz="914400" rtl="0" eaLnBrk="1" latinLnBrk="0" hangingPunct="1">
+              <a:lnSpc>
+                <a:spcPct val="100000"/>
+              </a:lnSpc>
+              <a:spcBef>
+                <a:spcPts val="1000"/>
+              </a:spcBef>
+              <a:buClr>
+                <a:srgbClr val="73292A"/>
+              </a:buClr>
+              <a:buFont typeface="Arial" panose="020B0604020202020204" pitchFamily="34" charset="0"/>
+              <a:buNone/>
+              <a:defRPr sz="2000" kern="1200">
+                <a:solidFill>
+                  <a:schemeClr val="accent3"/>
+                </a:solidFill>
+                <a:latin typeface="Gill Sans Nova Light" panose="020F0302020204030204" pitchFamily="34" charset="0"/>
+                <a:ea typeface="+mn-ea"/>
+                <a:cs typeface="Gill Sans Nova Light" panose="020F0302020204030204" pitchFamily="34" charset="0"/>
+              </a:defRPr>
+            </a:lvl1pPr>
+            <a:lvl2pPr marL="685800" indent="-228600" algn="ctr" defTabSz="914400" rtl="0" eaLnBrk="1" latinLnBrk="0" hangingPunct="1">
+              <a:lnSpc>
+                <a:spcPct val="100000"/>
+              </a:lnSpc>
+              <a:spcBef>
+                <a:spcPts val="500"/>
+              </a:spcBef>
+              <a:buClr>
+                <a:srgbClr val="73292A"/>
+              </a:buClr>
+              <a:buFont typeface="Arial" panose="020B0604020202020204" pitchFamily="34" charset="0"/>
+              <a:buChar char="•"/>
+              <a:defRPr sz="1800" kern="1200">
+                <a:solidFill>
+                  <a:schemeClr val="accent3"/>
+                </a:solidFill>
+                <a:latin typeface="Gill Sans Nova Light" panose="020F0302020204030204" pitchFamily="34" charset="0"/>
+                <a:ea typeface="+mn-ea"/>
+                <a:cs typeface="Gill Sans Nova Light" panose="020F0302020204030204" pitchFamily="34" charset="0"/>
+              </a:defRPr>
+            </a:lvl2pPr>
+            <a:lvl3pPr marL="1143000" indent="-228600" algn="ctr" defTabSz="914400" rtl="0" eaLnBrk="1" latinLnBrk="0" hangingPunct="1">
+              <a:lnSpc>
+                <a:spcPct val="90000"/>
+              </a:lnSpc>
+              <a:spcBef>
+                <a:spcPts val="500"/>
+              </a:spcBef>
+              <a:buClr>
+                <a:srgbClr val="73292A"/>
+              </a:buClr>
+              <a:buFont typeface="Arial" panose="020B0604020202020204" pitchFamily="34" charset="0"/>
+              <a:buChar char="•"/>
+              <a:defRPr sz="1600" kern="1200">
+                <a:solidFill>
+                  <a:schemeClr val="accent3"/>
+                </a:solidFill>
+                <a:latin typeface="Gill Sans Nova Light" panose="020F0302020204030204" pitchFamily="34" charset="0"/>
+                <a:ea typeface="+mn-ea"/>
+                <a:cs typeface="Gill Sans Nova Light" panose="020F0302020204030204" pitchFamily="34" charset="0"/>
+              </a:defRPr>
+            </a:lvl3pPr>
+            <a:lvl4pPr marL="1600200" indent="-228600" algn="ctr" defTabSz="914400" rtl="0" eaLnBrk="1" latinLnBrk="0" hangingPunct="1">
+              <a:lnSpc>
+                <a:spcPct val="90000"/>
+              </a:lnSpc>
+              <a:spcBef>
+                <a:spcPts val="500"/>
+              </a:spcBef>
+              <a:buClr>
+                <a:srgbClr val="73292A"/>
+              </a:buClr>
+              <a:buFont typeface="Arial" panose="020B0604020202020204" pitchFamily="34" charset="0"/>
+              <a:buChar char="•"/>
+              <a:defRPr sz="1400" kern="1200">
+                <a:solidFill>
+                  <a:schemeClr val="accent3"/>
+                </a:solidFill>
+                <a:latin typeface="Gill Sans Nova Light" panose="020F0302020204030204" pitchFamily="34" charset="0"/>
+                <a:ea typeface="+mn-ea"/>
+                <a:cs typeface="Gill Sans Nova Light" panose="020F0302020204030204" pitchFamily="34" charset="0"/>
+              </a:defRPr>
+            </a:lvl4pPr>
+            <a:lvl5pPr marL="2057400" indent="-228600" algn="ctr" defTabSz="914400" rtl="0" eaLnBrk="1" latinLnBrk="0" hangingPunct="1">
+              <a:lnSpc>
+                <a:spcPct val="90000"/>
+              </a:lnSpc>
+              <a:spcBef>
+                <a:spcPts val="500"/>
+              </a:spcBef>
+              <a:buClr>
+                <a:srgbClr val="73292A"/>
+              </a:buClr>
+              <a:buFont typeface="Arial" panose="020B0604020202020204" pitchFamily="34" charset="0"/>
+              <a:buChar char="•"/>
+              <a:defRPr sz="1400" kern="1200">
+                <a:solidFill>
+                  <a:schemeClr val="accent3"/>
+                </a:solidFill>
+                <a:latin typeface="Gill Sans Nova Light" panose="020F0302020204030204" pitchFamily="34" charset="0"/>
+                <a:ea typeface="+mn-ea"/>
+                <a:cs typeface="Gill Sans Nova Light" panose="020F0302020204030204" pitchFamily="34" charset="0"/>
+              </a:defRPr>
+            </a:lvl5pPr>
+            <a:lvl6pPr marL="2514600" indent="-228600" algn="l" defTabSz="914400" rtl="0" eaLnBrk="1" latinLnBrk="0" hangingPunct="1">
+              <a:lnSpc>
+                <a:spcPct val="90000"/>
+              </a:lnSpc>
+              <a:spcBef>
+                <a:spcPts val="500"/>
+              </a:spcBef>
+              <a:buFont typeface="Arial" panose="020B0604020202020204" pitchFamily="34" charset="0"/>
+              <a:buChar char="•"/>
+              <a:defRPr sz="1800" kern="1200">
+                <a:solidFill>
+                  <a:schemeClr val="tx1"/>
+                </a:solidFill>
+                <a:latin typeface="+mn-lt"/>
+                <a:ea typeface="+mn-ea"/>
+                <a:cs typeface="+mn-cs"/>
+              </a:defRPr>
+            </a:lvl6pPr>
+            <a:lvl7pPr marL="2971800" indent="-228600" algn="l" defTabSz="914400" rtl="0" eaLnBrk="1" latinLnBrk="0" hangingPunct="1">
+              <a:lnSpc>
+                <a:spcPct val="90000"/>
+              </a:lnSpc>
+              <a:spcBef>
+                <a:spcPts val="500"/>
+              </a:spcBef>
+              <a:buFont typeface="Arial" panose="020B0604020202020204" pitchFamily="34" charset="0"/>
+              <a:buChar char="•"/>
+              <a:defRPr sz="1800" kern="1200">
+                <a:solidFill>
+                  <a:schemeClr val="tx1"/>
+                </a:solidFill>
+                <a:latin typeface="+mn-lt"/>
+                <a:ea typeface="+mn-ea"/>
+                <a:cs typeface="+mn-cs"/>
+              </a:defRPr>
+            </a:lvl7pPr>
+            <a:lvl8pPr marL="3429000" indent="-228600" algn="l" defTabSz="914400" rtl="0" eaLnBrk="1" latinLnBrk="0" hangingPunct="1">
+              <a:lnSpc>
+                <a:spcPct val="90000"/>
+              </a:lnSpc>
+              <a:spcBef>
+                <a:spcPts val="500"/>
+              </a:spcBef>
+              <a:buFont typeface="Arial" panose="020B0604020202020204" pitchFamily="34" charset="0"/>
+              <a:buChar char="•"/>
+              <a:defRPr sz="1800" kern="1200">
+                <a:solidFill>
+                  <a:schemeClr val="tx1"/>
+                </a:solidFill>
+                <a:latin typeface="+mn-lt"/>
+                <a:ea typeface="+mn-ea"/>
+                <a:cs typeface="+mn-cs"/>
+              </a:defRPr>
+            </a:lvl8pPr>
+            <a:lvl9pPr marL="3886200" indent="-228600" algn="l" defTabSz="914400" rtl="0" eaLnBrk="1" latinLnBrk="0" hangingPunct="1">
+              <a:lnSpc>
+                <a:spcPct val="90000"/>
+              </a:lnSpc>
+              <a:spcBef>
+                <a:spcPts val="500"/>
+              </a:spcBef>
+              <a:buFont typeface="Arial" panose="020B0604020202020204" pitchFamily="34" charset="0"/>
+              <a:buChar char="•"/>
+              <a:defRPr sz="1800" kern="1200">
+                <a:solidFill>
+                  <a:schemeClr val="tx1"/>
+                </a:solidFill>
+                <a:latin typeface="+mn-lt"/>
+                <a:ea typeface="+mn-ea"/>
+                <a:cs typeface="+mn-cs"/>
+              </a:defRPr>
+            </a:lvl9pPr>
+          </a:lstStyle>
+          <a:p>
+            <a:pPr marL="342900" indent="-342900" algn="l">
+              <a:buFont typeface="Wingdings" panose="05000000000000000000" pitchFamily="2" charset="2"/>
+              <a:buChar char="v"/>
+            </a:pPr>
+            <a:r>
+              <a:rPr lang="fr-FR" sz="4000" dirty="0" err="1" smtClean="0">
+                <a:solidFill>
+                  <a:srgbClr val="FF0000"/>
+                </a:solidFill>
+              </a:rPr>
+              <a:t>Larevel</a:t>
+            </a:r>
+            <a:r>
+              <a:rPr lang="fr-FR" sz="3600" dirty="0" smtClean="0">
+                <a:solidFill>
+                  <a:srgbClr val="FF0000"/>
+                </a:solidFill>
+              </a:rPr>
+              <a:t> </a:t>
+            </a:r>
+          </a:p>
+          <a:p>
+            <a:pPr algn="l"/>
+            <a:endParaRPr lang="fr-FR" dirty="0" smtClean="0"/>
+          </a:p>
+          <a:p>
+            <a:pPr algn="l"/>
+            <a:r>
+              <a:rPr lang="fr-FR" dirty="0" err="1" smtClean="0"/>
+              <a:t>Laravel</a:t>
+            </a:r>
+            <a:r>
+              <a:rPr lang="fr-FR" dirty="0" smtClean="0"/>
+              <a:t> </a:t>
+            </a:r>
+            <a:r>
+              <a:rPr lang="fr-FR" dirty="0"/>
+              <a:t>est un </a:t>
+            </a:r>
+            <a:r>
+              <a:rPr lang="fr-FR" dirty="0" err="1"/>
+              <a:t>framework</a:t>
+            </a:r>
+            <a:r>
+              <a:rPr lang="fr-FR" dirty="0"/>
+              <a:t> web open-source écrit en PHP respectant le principe modèle-vue-contrôleur et entièrement développé en programmation orientée objet.</a:t>
+            </a:r>
+            <a:endParaRPr lang="fr-FR" sz="3600" dirty="0" smtClean="0">
+              <a:solidFill>
+                <a:srgbClr val="FF0000"/>
+              </a:solidFill>
+            </a:endParaRPr>
+          </a:p>
+        </p:txBody>
+      </p:sp>
+    </p:spTree>
+    <p:extLst>
+      <p:ext uri="{BB962C8B-B14F-4D97-AF65-F5344CB8AC3E}">
+        <p14:creationId xmlns:p14="http://schemas.microsoft.com/office/powerpoint/2010/main" val="689366446"/>
+      </p:ext>
+    </p:extLst>
+  </p:cSld>
+  <p:clrMapOvr>
+    <a:masterClrMapping/>
+  </p:clrMapOvr>
+  <p:timing>
+    <p:tnLst>
+      <p:par>
+        <p:cTn id="1" dur="indefinite" restart="never" nodeType="tmRoot"/>
+      </p:par>
+    </p:tnLst>
+  </p:timing>
+</p:sld>
+</file>
+
+<file path=ppt/slides/slide21.xml><?xml version="1.0" encoding="utf-8"?>
+<p:sld xmlns:a="http://schemas.openxmlformats.org/drawingml/2006/main" xmlns:r="http://schemas.openxmlformats.org/officeDocument/2006/relationships" xmlns:p="http://schemas.openxmlformats.org/presentationml/2006/main">
+  <p:cSld>
+    <p:spTree>
+      <p:nvGrpSpPr>
+        <p:cNvPr id="1" name=""/>
+        <p:cNvGrpSpPr/>
+        <p:nvPr/>
+      </p:nvGrpSpPr>
+      <p:grpSpPr>
+        <a:xfrm>
+          <a:off x="0" y="0"/>
+          <a:ext cx="0" cy="0"/>
+          <a:chOff x="0" y="0"/>
+          <a:chExt cx="0" cy="0"/>
+        </a:xfrm>
+      </p:grpSpPr>
+      <p:sp>
+        <p:nvSpPr>
+          <p:cNvPr id="3" name="Espace réservé du contenu 2"/>
+          <p:cNvSpPr>
+            <a:spLocks noGrp="1"/>
+          </p:cNvSpPr>
+          <p:nvPr>
+            <p:ph idx="1"/>
+          </p:nvPr>
+        </p:nvSpPr>
+        <p:spPr>
+          <a:xfrm>
+            <a:off x="1603512" y="1311966"/>
+            <a:ext cx="4187687" cy="3922644"/>
+          </a:xfrm>
+        </p:spPr>
+        <p:txBody>
+          <a:bodyPr>
+            <a:normAutofit/>
+          </a:bodyPr>
+          <a:lstStyle/>
+          <a:p>
+            <a:pPr marL="342900" indent="-342900" algn="l">
+              <a:buFont typeface="Wingdings" panose="05000000000000000000" pitchFamily="2" charset="2"/>
+              <a:buChar char="v"/>
+            </a:pPr>
+            <a:r>
+              <a:rPr lang="fr-FR" sz="4000" dirty="0" err="1" smtClean="0">
+                <a:solidFill>
+                  <a:srgbClr val="FF0000"/>
+                </a:solidFill>
+              </a:rPr>
+              <a:t>Javascript</a:t>
+            </a:r>
+            <a:endParaRPr lang="fr-FR" sz="4000" dirty="0" smtClean="0">
+              <a:solidFill>
+                <a:srgbClr val="FF0000"/>
+              </a:solidFill>
+            </a:endParaRPr>
+          </a:p>
+          <a:p>
+            <a:pPr algn="l"/>
+            <a:endParaRPr lang="fr-FR" sz="4000" dirty="0" smtClean="0">
+              <a:solidFill>
+                <a:srgbClr val="FF0000"/>
+              </a:solidFill>
+            </a:endParaRPr>
+          </a:p>
+          <a:p>
+            <a:pPr algn="l"/>
+            <a:r>
+              <a:rPr lang="fr-FR" dirty="0"/>
+              <a:t>JavaScript est un langage de programmation de scripts </a:t>
+            </a:r>
+            <a:r>
+              <a:rPr lang="fr-FR" dirty="0" smtClean="0"/>
+              <a:t>,c’est </a:t>
+            </a:r>
+            <a:r>
+              <a:rPr lang="fr-FR" dirty="0"/>
+              <a:t>une partie essentielle des applications web. Avec les langages HTML et CSS, JavaScript est au cœur des langages utilisés par les développeurs web.</a:t>
+            </a:r>
+            <a:endParaRPr lang="fr-FR" sz="4000" dirty="0" smtClean="0">
+              <a:solidFill>
+                <a:srgbClr val="FF0000"/>
+              </a:solidFill>
+            </a:endParaRPr>
+          </a:p>
+          <a:p>
+            <a:pPr algn="l"/>
+            <a:endParaRPr lang="fr-FR" sz="4000" dirty="0">
+              <a:solidFill>
+                <a:srgbClr val="FF0000"/>
+              </a:solidFill>
+            </a:endParaRPr>
+          </a:p>
+        </p:txBody>
+      </p:sp>
+      <p:sp>
+        <p:nvSpPr>
+          <p:cNvPr id="4" name="Espace réservé du pied de page 3"/>
+          <p:cNvSpPr>
+            <a:spLocks noGrp="1"/>
+          </p:cNvSpPr>
+          <p:nvPr>
+            <p:ph type="ftr" sz="quarter" idx="10"/>
+          </p:nvPr>
+        </p:nvSpPr>
+        <p:spPr/>
+        <p:txBody>
+          <a:bodyPr/>
+          <a:lstStyle/>
+          <a:p>
+            <a:r>
+              <a:rPr lang="en-US" smtClean="0"/>
+              <a:t>Presentation title</a:t>
+            </a:r>
+            <a:endParaRPr lang="en-US" dirty="0"/>
+          </a:p>
+        </p:txBody>
+      </p:sp>
+      <p:sp>
+        <p:nvSpPr>
+          <p:cNvPr id="5" name="Espace réservé du numéro de diapositive 4"/>
+          <p:cNvSpPr>
+            <a:spLocks noGrp="1"/>
+          </p:cNvSpPr>
+          <p:nvPr>
+            <p:ph type="sldNum" sz="quarter" idx="11"/>
+          </p:nvPr>
+        </p:nvSpPr>
+        <p:spPr/>
+        <p:txBody>
+          <a:bodyPr/>
+          <a:lstStyle/>
+          <a:p>
+            <a:fld id="{294A09A9-5501-47C1-A89A-A340965A2BE2}" type="slidenum">
+              <a:rPr lang="en-US" smtClean="0"/>
+              <a:pPr/>
+              <a:t>21</a:t>
+            </a:fld>
+            <a:endParaRPr lang="en-US" dirty="0"/>
+          </a:p>
+        </p:txBody>
+      </p:sp>
+      <p:pic>
+        <p:nvPicPr>
+          <p:cNvPr id="6" name="Image 5"/>
+          <p:cNvPicPr>
+            <a:picLocks noChangeAspect="1"/>
+          </p:cNvPicPr>
+          <p:nvPr/>
+        </p:nvPicPr>
+        <p:blipFill>
+          <a:blip r:embed="rId2"/>
+          <a:stretch>
+            <a:fillRect/>
+          </a:stretch>
+        </p:blipFill>
+        <p:spPr>
+          <a:xfrm>
+            <a:off x="2678334" y="2089929"/>
+            <a:ext cx="755970" cy="626767"/>
+          </a:xfrm>
+          <a:prstGeom prst="rect">
+            <a:avLst/>
+          </a:prstGeom>
+        </p:spPr>
+      </p:pic>
+      <p:sp>
+        <p:nvSpPr>
+          <p:cNvPr id="8" name="Espace réservé du contenu 2"/>
+          <p:cNvSpPr txBox="1">
+            <a:spLocks/>
+          </p:cNvSpPr>
+          <p:nvPr/>
+        </p:nvSpPr>
+        <p:spPr>
+          <a:xfrm>
+            <a:off x="6162261" y="1419938"/>
+            <a:ext cx="4426226" cy="3814672"/>
+          </a:xfrm>
+          <a:prstGeom prst="rect">
+            <a:avLst/>
+          </a:prstGeom>
+        </p:spPr>
+        <p:txBody>
+          <a:bodyPr vert="horz" lIns="91440" tIns="45720" rIns="91440" bIns="45720" rtlCol="0">
+            <a:normAutofit/>
+          </a:bodyPr>
+          <a:lstStyle>
+            <a:lvl1pPr marL="0" indent="0" algn="ctr" defTabSz="914400" rtl="0" eaLnBrk="1" latinLnBrk="0" hangingPunct="1">
+              <a:lnSpc>
+                <a:spcPct val="100000"/>
+              </a:lnSpc>
+              <a:spcBef>
+                <a:spcPts val="1000"/>
+              </a:spcBef>
+              <a:buClr>
+                <a:srgbClr val="73292A"/>
+              </a:buClr>
+              <a:buFont typeface="Arial" panose="020B0604020202020204" pitchFamily="34" charset="0"/>
+              <a:buNone/>
+              <a:defRPr sz="2000" kern="1200">
+                <a:solidFill>
+                  <a:schemeClr val="accent3"/>
+                </a:solidFill>
+                <a:latin typeface="Gill Sans Nova Light" panose="020F0302020204030204" pitchFamily="34" charset="0"/>
+                <a:ea typeface="+mn-ea"/>
+                <a:cs typeface="Gill Sans Nova Light" panose="020F0302020204030204" pitchFamily="34" charset="0"/>
+              </a:defRPr>
+            </a:lvl1pPr>
+            <a:lvl2pPr marL="685800" indent="-228600" algn="ctr" defTabSz="914400" rtl="0" eaLnBrk="1" latinLnBrk="0" hangingPunct="1">
+              <a:lnSpc>
+                <a:spcPct val="100000"/>
+              </a:lnSpc>
+              <a:spcBef>
+                <a:spcPts val="500"/>
+              </a:spcBef>
+              <a:buClr>
+                <a:srgbClr val="73292A"/>
+              </a:buClr>
+              <a:buFont typeface="Arial" panose="020B0604020202020204" pitchFamily="34" charset="0"/>
+              <a:buChar char="•"/>
+              <a:defRPr sz="1800" kern="1200">
+                <a:solidFill>
+                  <a:schemeClr val="accent3"/>
+                </a:solidFill>
+                <a:latin typeface="Gill Sans Nova Light" panose="020F0302020204030204" pitchFamily="34" charset="0"/>
+                <a:ea typeface="+mn-ea"/>
+                <a:cs typeface="Gill Sans Nova Light" panose="020F0302020204030204" pitchFamily="34" charset="0"/>
+              </a:defRPr>
+            </a:lvl2pPr>
+            <a:lvl3pPr marL="1143000" indent="-228600" algn="ctr" defTabSz="914400" rtl="0" eaLnBrk="1" latinLnBrk="0" hangingPunct="1">
+              <a:lnSpc>
+                <a:spcPct val="90000"/>
+              </a:lnSpc>
+              <a:spcBef>
+                <a:spcPts val="500"/>
+              </a:spcBef>
+              <a:buClr>
+                <a:srgbClr val="73292A"/>
+              </a:buClr>
+              <a:buFont typeface="Arial" panose="020B0604020202020204" pitchFamily="34" charset="0"/>
+              <a:buChar char="•"/>
+              <a:defRPr sz="1600" kern="1200">
+                <a:solidFill>
+                  <a:schemeClr val="accent3"/>
+                </a:solidFill>
+                <a:latin typeface="Gill Sans Nova Light" panose="020F0302020204030204" pitchFamily="34" charset="0"/>
+                <a:ea typeface="+mn-ea"/>
+                <a:cs typeface="Gill Sans Nova Light" panose="020F0302020204030204" pitchFamily="34" charset="0"/>
+              </a:defRPr>
+            </a:lvl3pPr>
+            <a:lvl4pPr marL="1600200" indent="-228600" algn="ctr" defTabSz="914400" rtl="0" eaLnBrk="1" latinLnBrk="0" hangingPunct="1">
+              <a:lnSpc>
+                <a:spcPct val="90000"/>
+              </a:lnSpc>
+              <a:spcBef>
+                <a:spcPts val="500"/>
+              </a:spcBef>
+              <a:buClr>
+                <a:srgbClr val="73292A"/>
+              </a:buClr>
+              <a:buFont typeface="Arial" panose="020B0604020202020204" pitchFamily="34" charset="0"/>
+              <a:buChar char="•"/>
+              <a:defRPr sz="1400" kern="1200">
+                <a:solidFill>
+                  <a:schemeClr val="accent3"/>
+                </a:solidFill>
+                <a:latin typeface="Gill Sans Nova Light" panose="020F0302020204030204" pitchFamily="34" charset="0"/>
+                <a:ea typeface="+mn-ea"/>
+                <a:cs typeface="Gill Sans Nova Light" panose="020F0302020204030204" pitchFamily="34" charset="0"/>
+              </a:defRPr>
+            </a:lvl4pPr>
+            <a:lvl5pPr marL="2057400" indent="-228600" algn="ctr" defTabSz="914400" rtl="0" eaLnBrk="1" latinLnBrk="0" hangingPunct="1">
+              <a:lnSpc>
+                <a:spcPct val="90000"/>
+              </a:lnSpc>
+              <a:spcBef>
+                <a:spcPts val="500"/>
+              </a:spcBef>
+              <a:buClr>
+                <a:srgbClr val="73292A"/>
+              </a:buClr>
+              <a:buFont typeface="Arial" panose="020B0604020202020204" pitchFamily="34" charset="0"/>
+              <a:buChar char="•"/>
+              <a:defRPr sz="1400" kern="1200">
+                <a:solidFill>
+                  <a:schemeClr val="accent3"/>
+                </a:solidFill>
+                <a:latin typeface="Gill Sans Nova Light" panose="020F0302020204030204" pitchFamily="34" charset="0"/>
+                <a:ea typeface="+mn-ea"/>
+                <a:cs typeface="Gill Sans Nova Light" panose="020F0302020204030204" pitchFamily="34" charset="0"/>
+              </a:defRPr>
+            </a:lvl5pPr>
+            <a:lvl6pPr marL="2514600" indent="-228600" algn="l" defTabSz="914400" rtl="0" eaLnBrk="1" latinLnBrk="0" hangingPunct="1">
+              <a:lnSpc>
+                <a:spcPct val="90000"/>
+              </a:lnSpc>
+              <a:spcBef>
+                <a:spcPts val="500"/>
+              </a:spcBef>
+              <a:buFont typeface="Arial" panose="020B0604020202020204" pitchFamily="34" charset="0"/>
+              <a:buChar char="•"/>
+              <a:defRPr sz="1800" kern="1200">
+                <a:solidFill>
+                  <a:schemeClr val="tx1"/>
+                </a:solidFill>
+                <a:latin typeface="+mn-lt"/>
+                <a:ea typeface="+mn-ea"/>
+                <a:cs typeface="+mn-cs"/>
+              </a:defRPr>
+            </a:lvl6pPr>
+            <a:lvl7pPr marL="2971800" indent="-228600" algn="l" defTabSz="914400" rtl="0" eaLnBrk="1" latinLnBrk="0" hangingPunct="1">
+              <a:lnSpc>
+                <a:spcPct val="90000"/>
+              </a:lnSpc>
+              <a:spcBef>
+                <a:spcPts val="500"/>
+              </a:spcBef>
+              <a:buFont typeface="Arial" panose="020B0604020202020204" pitchFamily="34" charset="0"/>
+              <a:buChar char="•"/>
+              <a:defRPr sz="1800" kern="1200">
+                <a:solidFill>
+                  <a:schemeClr val="tx1"/>
+                </a:solidFill>
+                <a:latin typeface="+mn-lt"/>
+                <a:ea typeface="+mn-ea"/>
+                <a:cs typeface="+mn-cs"/>
+              </a:defRPr>
+            </a:lvl7pPr>
+            <a:lvl8pPr marL="3429000" indent="-228600" algn="l" defTabSz="914400" rtl="0" eaLnBrk="1" latinLnBrk="0" hangingPunct="1">
+              <a:lnSpc>
+                <a:spcPct val="90000"/>
+              </a:lnSpc>
+              <a:spcBef>
+                <a:spcPts val="500"/>
+              </a:spcBef>
+              <a:buFont typeface="Arial" panose="020B0604020202020204" pitchFamily="34" charset="0"/>
+              <a:buChar char="•"/>
+              <a:defRPr sz="1800" kern="1200">
+                <a:solidFill>
+                  <a:schemeClr val="tx1"/>
+                </a:solidFill>
+                <a:latin typeface="+mn-lt"/>
+                <a:ea typeface="+mn-ea"/>
+                <a:cs typeface="+mn-cs"/>
+              </a:defRPr>
+            </a:lvl8pPr>
+            <a:lvl9pPr marL="3886200" indent="-228600" algn="l" defTabSz="914400" rtl="0" eaLnBrk="1" latinLnBrk="0" hangingPunct="1">
+              <a:lnSpc>
+                <a:spcPct val="90000"/>
+              </a:lnSpc>
+              <a:spcBef>
+                <a:spcPts val="500"/>
+              </a:spcBef>
+              <a:buFont typeface="Arial" panose="020B0604020202020204" pitchFamily="34" charset="0"/>
+              <a:buChar char="•"/>
+              <a:defRPr sz="1800" kern="1200">
+                <a:solidFill>
+                  <a:schemeClr val="tx1"/>
+                </a:solidFill>
+                <a:latin typeface="+mn-lt"/>
+                <a:ea typeface="+mn-ea"/>
+                <a:cs typeface="+mn-cs"/>
+              </a:defRPr>
+            </a:lvl9pPr>
+          </a:lstStyle>
+          <a:p>
+            <a:pPr algn="l"/>
+            <a:r>
+              <a:rPr lang="fr-FR" sz="4000" dirty="0" smtClean="0">
+                <a:solidFill>
+                  <a:srgbClr val="00B050"/>
+                </a:solidFill>
+              </a:rPr>
+              <a:t>Et aussi </a:t>
+            </a:r>
+            <a:r>
+              <a:rPr lang="fr-FR" sz="4000" dirty="0" smtClean="0">
+                <a:solidFill>
+                  <a:srgbClr val="C00000"/>
+                </a:solidFill>
+              </a:rPr>
+              <a:t>GIT</a:t>
+            </a:r>
+          </a:p>
+          <a:p>
+            <a:pPr algn="l"/>
+            <a:endParaRPr lang="fr-FR" sz="4000" dirty="0" smtClean="0">
+              <a:solidFill>
+                <a:srgbClr val="C00000"/>
+              </a:solidFill>
+            </a:endParaRPr>
+          </a:p>
+          <a:p>
+            <a:pPr algn="l"/>
+            <a:r>
+              <a:rPr lang="fr-FR" dirty="0" smtClean="0"/>
+              <a:t>Git </a:t>
+            </a:r>
+            <a:r>
+              <a:rPr lang="fr-FR" dirty="0"/>
+              <a:t>est un logiciel de gestion de versions décentralisé. </a:t>
+            </a:r>
+            <a:endParaRPr lang="fr-FR" dirty="0" smtClean="0"/>
+          </a:p>
+          <a:p>
+            <a:pPr algn="l"/>
+            <a:r>
+              <a:rPr lang="fr-FR" dirty="0"/>
+              <a:t> Il s'agit d'un outil de développement qui aide une équipe de développeurs à gérer les changements apportés au code source au fil du temps.</a:t>
+            </a:r>
+            <a:endParaRPr lang="fr-FR" sz="4000" dirty="0" smtClean="0">
+              <a:solidFill>
+                <a:srgbClr val="FF0000"/>
+              </a:solidFill>
+            </a:endParaRPr>
+          </a:p>
+        </p:txBody>
+      </p:sp>
+      <p:pic>
+        <p:nvPicPr>
+          <p:cNvPr id="9" name="Image 8"/>
+          <p:cNvPicPr>
+            <a:picLocks noChangeAspect="1"/>
+          </p:cNvPicPr>
+          <p:nvPr/>
+        </p:nvPicPr>
+        <p:blipFill>
+          <a:blip r:embed="rId3"/>
+          <a:stretch>
+            <a:fillRect/>
+          </a:stretch>
+        </p:blipFill>
+        <p:spPr>
+          <a:xfrm>
+            <a:off x="6844875" y="2089929"/>
+            <a:ext cx="1015655" cy="759288"/>
+          </a:xfrm>
+          <a:prstGeom prst="rect">
+            <a:avLst/>
+          </a:prstGeom>
+        </p:spPr>
+      </p:pic>
+    </p:spTree>
+    <p:extLst>
+      <p:ext uri="{BB962C8B-B14F-4D97-AF65-F5344CB8AC3E}">
+        <p14:creationId xmlns:p14="http://schemas.microsoft.com/office/powerpoint/2010/main" val="4202168325"/>
+      </p:ext>
+    </p:extLst>
+  </p:cSld>
+  <p:clrMapOvr>
+    <a:masterClrMapping/>
+  </p:clrMapOvr>
+  <p:timing>
+    <p:tnLst>
+      <p:par>
+        <p:cTn id="1" dur="indefinite" restart="never" nodeType="tmRoot"/>
+      </p:par>
+    </p:tnLst>
+  </p:timing>
+</p:sld>
+</file>
+
+<file path=ppt/slides/slide22.xml><?xml version="1.0" encoding="utf-8"?>
 <p:sld xmlns:a="http://schemas.openxmlformats.org/drawingml/2006/main" xmlns:r="http://schemas.openxmlformats.org/officeDocument/2006/relationships" xmlns:p="http://schemas.openxmlformats.org/presentationml/2006/main">
   <p:cSld>
     <p:spTree>
@@ -16216,386 +17154,13 @@
       </p:transition>
     </mc:Fallback>
   </mc:AlternateContent>
-</p:sld>
-</file>
-
-<file path=ppt/slides/slide21.xml><?xml version="1.0" encoding="utf-8"?>
-<p:sld xmlns:a="http://schemas.openxmlformats.org/drawingml/2006/main" xmlns:r="http://schemas.openxmlformats.org/officeDocument/2006/relationships" xmlns:p="http://schemas.openxmlformats.org/presentationml/2006/main">
-  <p:cSld>
-    <p:spTree>
-      <p:nvGrpSpPr>
-        <p:cNvPr id="1" name=""/>
-        <p:cNvGrpSpPr/>
-        <p:nvPr/>
-      </p:nvGrpSpPr>
-      <p:grpSpPr>
-        <a:xfrm>
-          <a:off x="0" y="0"/>
-          <a:ext cx="0" cy="0"/>
-          <a:chOff x="0" y="0"/>
-          <a:chExt cx="0" cy="0"/>
-        </a:xfrm>
-      </p:grpSpPr>
-      <p:sp>
-        <p:nvSpPr>
-          <p:cNvPr id="2" name="Titre 1"/>
-          <p:cNvSpPr>
-            <a:spLocks noGrp="1"/>
-          </p:cNvSpPr>
-          <p:nvPr>
-            <p:ph type="title"/>
-          </p:nvPr>
-        </p:nvSpPr>
-        <p:spPr>
-          <a:xfrm>
-            <a:off x="1748028" y="1389888"/>
-            <a:ext cx="8695944" cy="492700"/>
-          </a:xfrm>
-        </p:spPr>
-        <p:txBody>
-          <a:bodyPr>
-            <a:normAutofit fontScale="90000"/>
-          </a:bodyPr>
-          <a:lstStyle/>
-          <a:p>
-            <a:r>
-              <a:rPr lang="fr-FR" dirty="0"/>
-              <a:t>Les </a:t>
-            </a:r>
-            <a:r>
-              <a:rPr lang="fr-FR" dirty="0" err="1"/>
-              <a:t>fontionnalités</a:t>
-            </a:r>
-            <a:endParaRPr lang="en-US" dirty="0"/>
-          </a:p>
-        </p:txBody>
-      </p:sp>
-      <p:sp>
-        <p:nvSpPr>
-          <p:cNvPr id="3" name="Espace réservé du contenu 2"/>
-          <p:cNvSpPr>
-            <a:spLocks noGrp="1"/>
-          </p:cNvSpPr>
-          <p:nvPr>
-            <p:ph idx="1"/>
-          </p:nvPr>
-        </p:nvSpPr>
-        <p:spPr>
-          <a:xfrm>
-            <a:off x="1613647" y="2043954"/>
-            <a:ext cx="8942294" cy="3146612"/>
-          </a:xfrm>
-        </p:spPr>
-        <p:txBody>
-          <a:bodyPr>
-            <a:normAutofit/>
-          </a:bodyPr>
-          <a:lstStyle/>
-          <a:p>
-            <a:pPr marL="342900" indent="-342900" algn="l">
-              <a:buFont typeface="Wingdings" panose="05000000000000000000" pitchFamily="2" charset="2"/>
-              <a:buChar char="Ø"/>
-            </a:pPr>
-            <a:endParaRPr lang="fr-FR" dirty="0"/>
-          </a:p>
-          <a:p>
-            <a:pPr marL="342900" indent="-342900" algn="l">
-              <a:buFont typeface="Wingdings" panose="05000000000000000000" pitchFamily="2" charset="2"/>
-              <a:buChar char="Ø"/>
-            </a:pPr>
-            <a:r>
-              <a:rPr lang="fr-FR" sz="2200" b="1" dirty="0"/>
-              <a:t>Gestion des utilisateurs</a:t>
-            </a:r>
-          </a:p>
-          <a:p>
-            <a:pPr marL="342900" indent="-342900" algn="l">
-              <a:buFont typeface="Wingdings" panose="05000000000000000000" pitchFamily="2" charset="2"/>
-              <a:buChar char="Ø"/>
-            </a:pPr>
-            <a:r>
-              <a:rPr lang="fr-FR" sz="2200" b="1" dirty="0" err="1"/>
-              <a:t>Possibillitée</a:t>
-            </a:r>
-            <a:r>
-              <a:rPr lang="fr-FR" sz="2200" b="1" dirty="0"/>
-              <a:t> d’</a:t>
-            </a:r>
-            <a:r>
-              <a:rPr lang="fr-FR" sz="2200" b="1" dirty="0" err="1"/>
-              <a:t>éffectuer</a:t>
-            </a:r>
-            <a:r>
-              <a:rPr lang="fr-FR" sz="2200" b="1" dirty="0"/>
-              <a:t> une demande en ligne</a:t>
-            </a:r>
-          </a:p>
-          <a:p>
-            <a:pPr marL="342900" indent="-342900" algn="l">
-              <a:buFont typeface="Wingdings" panose="05000000000000000000" pitchFamily="2" charset="2"/>
-              <a:buChar char="Ø"/>
-            </a:pPr>
-            <a:r>
-              <a:rPr lang="fr-FR" sz="2200" b="1" dirty="0" err="1"/>
-              <a:t>Possibillitée</a:t>
-            </a:r>
-            <a:r>
-              <a:rPr lang="fr-FR" sz="2200" b="1" dirty="0"/>
-              <a:t> d’</a:t>
-            </a:r>
-            <a:r>
-              <a:rPr lang="fr-FR" sz="2200" b="1" dirty="0" err="1"/>
-              <a:t>éffectuer</a:t>
-            </a:r>
-            <a:r>
-              <a:rPr lang="fr-FR" sz="2200" b="1" dirty="0"/>
-              <a:t> un achat en ligne</a:t>
-            </a:r>
-          </a:p>
-          <a:p>
-            <a:pPr marL="342900" indent="-342900" algn="l">
-              <a:buFont typeface="Wingdings" panose="05000000000000000000" pitchFamily="2" charset="2"/>
-              <a:buChar char="Ø"/>
-            </a:pPr>
-            <a:r>
-              <a:rPr lang="fr-FR" sz="2200" b="1" dirty="0"/>
-              <a:t> Laisser un commentaire</a:t>
-            </a:r>
-          </a:p>
-          <a:p>
-            <a:pPr marL="342900" indent="-342900" algn="l">
-              <a:buFont typeface="Wingdings" panose="05000000000000000000" pitchFamily="2" charset="2"/>
-              <a:buChar char="Ø"/>
-            </a:pPr>
-            <a:r>
-              <a:rPr lang="fr-FR" dirty="0"/>
-              <a:t>…</a:t>
-            </a:r>
-            <a:endParaRPr lang="en-US" dirty="0"/>
-          </a:p>
-          <a:p>
-            <a:pPr marL="342900" indent="-342900" algn="l">
-              <a:buFont typeface="Wingdings" panose="05000000000000000000" pitchFamily="2" charset="2"/>
-              <a:buChar char="Ø"/>
-            </a:pPr>
-            <a:endParaRPr lang="en-US" dirty="0"/>
-          </a:p>
-          <a:p>
-            <a:pPr marL="342900" indent="-342900" algn="l">
-              <a:buFont typeface="Wingdings" panose="05000000000000000000" pitchFamily="2" charset="2"/>
-              <a:buChar char="Ø"/>
-            </a:pPr>
-            <a:endParaRPr lang="en-US" dirty="0"/>
-          </a:p>
-          <a:p>
-            <a:pPr marL="342900" indent="-342900" algn="l">
-              <a:buFont typeface="Wingdings" panose="05000000000000000000" pitchFamily="2" charset="2"/>
-              <a:buChar char="Ø"/>
-            </a:pPr>
-            <a:endParaRPr lang="en-US" dirty="0"/>
-          </a:p>
-        </p:txBody>
-      </p:sp>
-      <p:sp>
-        <p:nvSpPr>
-          <p:cNvPr id="4" name="Espace réservé du pied de page 3"/>
-          <p:cNvSpPr>
-            <a:spLocks noGrp="1"/>
-          </p:cNvSpPr>
-          <p:nvPr>
-            <p:ph type="ftr" sz="quarter" idx="10"/>
-          </p:nvPr>
-        </p:nvSpPr>
-        <p:spPr/>
-        <p:txBody>
-          <a:bodyPr/>
-          <a:lstStyle/>
-          <a:p>
-            <a:r>
-              <a:rPr lang="en-US"/>
-              <a:t>Presentation title</a:t>
-            </a:r>
-            <a:endParaRPr lang="en-US" dirty="0"/>
-          </a:p>
-        </p:txBody>
-      </p:sp>
-      <p:sp>
-        <p:nvSpPr>
-          <p:cNvPr id="5" name="Espace réservé du numéro de diapositive 4"/>
-          <p:cNvSpPr>
-            <a:spLocks noGrp="1"/>
-          </p:cNvSpPr>
-          <p:nvPr>
-            <p:ph type="sldNum" sz="quarter" idx="11"/>
-          </p:nvPr>
-        </p:nvSpPr>
-        <p:spPr/>
-        <p:txBody>
-          <a:bodyPr/>
-          <a:lstStyle/>
-          <a:p>
-            <a:fld id="{294A09A9-5501-47C1-A89A-A340965A2BE2}" type="slidenum">
-              <a:rPr lang="en-US" smtClean="0"/>
-              <a:pPr/>
-              <a:t>21</a:t>
-            </a:fld>
-            <a:endParaRPr lang="en-US" dirty="0"/>
-          </a:p>
-        </p:txBody>
-      </p:sp>
-    </p:spTree>
-    <p:extLst>
-      <p:ext uri="{BB962C8B-B14F-4D97-AF65-F5344CB8AC3E}">
-        <p14:creationId xmlns:p14="http://schemas.microsoft.com/office/powerpoint/2010/main" val="2640541138"/>
-      </p:ext>
-    </p:extLst>
-  </p:cSld>
-  <p:clrMapOvr>
-    <a:masterClrMapping/>
-  </p:clrMapOvr>
-  <mc:AlternateContent xmlns:mc="http://schemas.openxmlformats.org/markup-compatibility/2006" xmlns:p14="http://schemas.microsoft.com/office/powerpoint/2010/main">
-    <mc:Choice Requires="p14">
-      <p:transition spd="slow" p14:dur="3400">
-        <p14:reveal/>
-      </p:transition>
-    </mc:Choice>
-    <mc:Fallback xmlns="">
-      <p:transition spd="slow">
-        <p:fade/>
-      </p:transition>
-    </mc:Fallback>
-  </mc:AlternateContent>
-</p:sld>
-</file>
-
-<file path=ppt/slides/slide22.xml><?xml version="1.0" encoding="utf-8"?>
-<p:sld xmlns:a="http://schemas.openxmlformats.org/drawingml/2006/main" xmlns:r="http://schemas.openxmlformats.org/officeDocument/2006/relationships" xmlns:p="http://schemas.openxmlformats.org/presentationml/2006/main">
-  <p:cSld>
-    <p:spTree>
-      <p:nvGrpSpPr>
-        <p:cNvPr id="1" name=""/>
-        <p:cNvGrpSpPr/>
-        <p:nvPr/>
-      </p:nvGrpSpPr>
-      <p:grpSpPr>
-        <a:xfrm>
-          <a:off x="0" y="0"/>
-          <a:ext cx="0" cy="0"/>
-          <a:chOff x="0" y="0"/>
-          <a:chExt cx="0" cy="0"/>
-        </a:xfrm>
-      </p:grpSpPr>
-      <p:sp>
-        <p:nvSpPr>
-          <p:cNvPr id="2" name="Titre 1"/>
-          <p:cNvSpPr>
-            <a:spLocks noGrp="1"/>
-          </p:cNvSpPr>
-          <p:nvPr>
-            <p:ph type="title"/>
-          </p:nvPr>
-        </p:nvSpPr>
-        <p:spPr/>
-        <p:txBody>
-          <a:bodyPr/>
-          <a:lstStyle/>
-          <a:p>
-            <a:r>
-              <a:rPr lang="fr-FR" dirty="0"/>
-              <a:t>Démonstration </a:t>
-            </a:r>
-            <a:endParaRPr lang="en-US" dirty="0"/>
-          </a:p>
-        </p:txBody>
-      </p:sp>
-      <p:sp>
-        <p:nvSpPr>
-          <p:cNvPr id="3" name="Espace réservé du contenu 2"/>
-          <p:cNvSpPr>
-            <a:spLocks noGrp="1"/>
-          </p:cNvSpPr>
-          <p:nvPr>
-            <p:ph idx="1"/>
-          </p:nvPr>
-        </p:nvSpPr>
-        <p:spPr/>
-        <p:txBody>
-          <a:bodyPr/>
-          <a:lstStyle/>
-          <a:p>
-            <a:endParaRPr lang="en-US"/>
-          </a:p>
-        </p:txBody>
-      </p:sp>
-      <p:sp>
-        <p:nvSpPr>
-          <p:cNvPr id="4" name="Espace réservé du pied de page 3"/>
-          <p:cNvSpPr>
-            <a:spLocks noGrp="1"/>
-          </p:cNvSpPr>
-          <p:nvPr>
-            <p:ph type="ftr" sz="quarter" idx="10"/>
-          </p:nvPr>
-        </p:nvSpPr>
-        <p:spPr/>
-        <p:txBody>
-          <a:bodyPr/>
-          <a:lstStyle/>
-          <a:p>
-            <a:r>
-              <a:rPr lang="en-US"/>
-              <a:t>Presentation title</a:t>
-            </a:r>
-            <a:endParaRPr lang="en-US" dirty="0"/>
-          </a:p>
-        </p:txBody>
-      </p:sp>
-      <p:sp>
-        <p:nvSpPr>
-          <p:cNvPr id="5" name="Espace réservé du numéro de diapositive 4"/>
-          <p:cNvSpPr>
-            <a:spLocks noGrp="1"/>
-          </p:cNvSpPr>
-          <p:nvPr>
-            <p:ph type="sldNum" sz="quarter" idx="11"/>
-          </p:nvPr>
-        </p:nvSpPr>
-        <p:spPr/>
-        <p:txBody>
-          <a:bodyPr/>
-          <a:lstStyle/>
-          <a:p>
-            <a:fld id="{294A09A9-5501-47C1-A89A-A340965A2BE2}" type="slidenum">
-              <a:rPr lang="en-US" smtClean="0"/>
-              <a:pPr/>
-              <a:t>22</a:t>
-            </a:fld>
-            <a:endParaRPr lang="en-US" dirty="0"/>
-          </a:p>
-        </p:txBody>
-      </p:sp>
-    </p:spTree>
-    <p:extLst>
-      <p:ext uri="{BB962C8B-B14F-4D97-AF65-F5344CB8AC3E}">
-        <p14:creationId xmlns:p14="http://schemas.microsoft.com/office/powerpoint/2010/main" val="414224639"/>
-      </p:ext>
-    </p:extLst>
-  </p:cSld>
-  <p:clrMapOvr>
-    <a:masterClrMapping/>
-  </p:clrMapOvr>
-  <mc:AlternateContent xmlns:mc="http://schemas.openxmlformats.org/markup-compatibility/2006" xmlns:p14="http://schemas.microsoft.com/office/powerpoint/2010/main">
-    <mc:Choice Requires="p14">
-      <p:transition spd="slow" p14:dur="3400">
-        <p14:reveal/>
-      </p:transition>
-    </mc:Choice>
-    <mc:Fallback xmlns="">
-      <p:transition spd="slow">
-        <p:fade/>
-      </p:transition>
-    </mc:Fallback>
-  </mc:AlternateContent>
+  <p:timing>
+    <p:tnLst>
+      <p:par>
+        <p:cTn id="1" dur="indefinite" restart="never" nodeType="tmRoot"/>
+      </p:par>
+    </p:tnLst>
+  </p:timing>
 </p:sld>
 </file>
 
@@ -16618,13 +17183,7 @@
       </p:grpSpPr>
       <p:sp>
         <p:nvSpPr>
-          <p:cNvPr id="2" name="Titre 1">
-            <a:extLst>
-              <a:ext uri="{FF2B5EF4-FFF2-40B4-BE49-F238E27FC236}">
-                <a16:creationId xmlns:a16="http://schemas.microsoft.com/office/drawing/2014/main" id="{50911D75-BF6A-1F25-B9FD-72E01F857D15}"/>
-              </a:ext>
-            </a:extLst>
-          </p:cNvPr>
+          <p:cNvPr id="2" name="Titre 1"/>
           <p:cNvSpPr>
             <a:spLocks noGrp="1"/>
           </p:cNvSpPr>
@@ -16632,41 +17191,396 @@
             <p:ph type="title"/>
           </p:nvPr>
         </p:nvSpPr>
+        <p:spPr>
+          <a:xfrm>
+            <a:off x="1748028" y="1389888"/>
+            <a:ext cx="8695944" cy="492700"/>
+          </a:xfrm>
+        </p:spPr>
+        <p:txBody>
+          <a:bodyPr>
+            <a:normAutofit fontScale="90000"/>
+          </a:bodyPr>
+          <a:lstStyle/>
+          <a:p>
+            <a:r>
+              <a:rPr lang="fr-FR" dirty="0"/>
+              <a:t>Les </a:t>
+            </a:r>
+            <a:r>
+              <a:rPr lang="fr-FR" dirty="0" err="1"/>
+              <a:t>fontionnalités</a:t>
+            </a:r>
+            <a:endParaRPr lang="en-US" dirty="0"/>
+          </a:p>
+        </p:txBody>
+      </p:sp>
+      <p:sp>
+        <p:nvSpPr>
+          <p:cNvPr id="3" name="Espace réservé du contenu 2"/>
+          <p:cNvSpPr>
+            <a:spLocks noGrp="1"/>
+          </p:cNvSpPr>
+          <p:nvPr>
+            <p:ph idx="1"/>
+          </p:nvPr>
+        </p:nvSpPr>
+        <p:spPr>
+          <a:xfrm>
+            <a:off x="1613647" y="2043954"/>
+            <a:ext cx="8942294" cy="3146612"/>
+          </a:xfrm>
+        </p:spPr>
+        <p:txBody>
+          <a:bodyPr>
+            <a:normAutofit/>
+          </a:bodyPr>
+          <a:lstStyle/>
+          <a:p>
+            <a:pPr marL="342900" indent="-342900" algn="l">
+              <a:buFont typeface="Wingdings" panose="05000000000000000000" pitchFamily="2" charset="2"/>
+              <a:buChar char="Ø"/>
+            </a:pPr>
+            <a:endParaRPr lang="fr-FR" dirty="0"/>
+          </a:p>
+          <a:p>
+            <a:pPr marL="342900" indent="-342900" algn="l">
+              <a:buFont typeface="Wingdings" panose="05000000000000000000" pitchFamily="2" charset="2"/>
+              <a:buChar char="Ø"/>
+            </a:pPr>
+            <a:r>
+              <a:rPr lang="fr-FR" sz="2200" b="1" dirty="0"/>
+              <a:t>Gestion des utilisateurs</a:t>
+            </a:r>
+          </a:p>
+          <a:p>
+            <a:pPr marL="342900" indent="-342900" algn="l">
+              <a:buFont typeface="Wingdings" panose="05000000000000000000" pitchFamily="2" charset="2"/>
+              <a:buChar char="Ø"/>
+            </a:pPr>
+            <a:r>
+              <a:rPr lang="fr-FR" sz="2200" b="1" dirty="0" err="1"/>
+              <a:t>Possibillitée</a:t>
+            </a:r>
+            <a:r>
+              <a:rPr lang="fr-FR" sz="2200" b="1" dirty="0"/>
+              <a:t> d’</a:t>
+            </a:r>
+            <a:r>
+              <a:rPr lang="fr-FR" sz="2200" b="1" dirty="0" err="1"/>
+              <a:t>éffectuer</a:t>
+            </a:r>
+            <a:r>
+              <a:rPr lang="fr-FR" sz="2200" b="1" dirty="0"/>
+              <a:t> une demande en ligne</a:t>
+            </a:r>
+          </a:p>
+          <a:p>
+            <a:pPr marL="342900" indent="-342900" algn="l">
+              <a:buFont typeface="Wingdings" panose="05000000000000000000" pitchFamily="2" charset="2"/>
+              <a:buChar char="Ø"/>
+            </a:pPr>
+            <a:r>
+              <a:rPr lang="fr-FR" sz="2200" b="1" dirty="0" err="1"/>
+              <a:t>Possibillitée</a:t>
+            </a:r>
+            <a:r>
+              <a:rPr lang="fr-FR" sz="2200" b="1" dirty="0"/>
+              <a:t> d’</a:t>
+            </a:r>
+            <a:r>
+              <a:rPr lang="fr-FR" sz="2200" b="1" dirty="0" err="1"/>
+              <a:t>éffectuer</a:t>
+            </a:r>
+            <a:r>
+              <a:rPr lang="fr-FR" sz="2200" b="1" dirty="0"/>
+              <a:t> un achat en ligne</a:t>
+            </a:r>
+          </a:p>
+          <a:p>
+            <a:pPr marL="342900" indent="-342900" algn="l">
+              <a:buFont typeface="Wingdings" panose="05000000000000000000" pitchFamily="2" charset="2"/>
+              <a:buChar char="Ø"/>
+            </a:pPr>
+            <a:r>
+              <a:rPr lang="fr-FR" sz="2200" b="1" dirty="0"/>
+              <a:t> Laisser </a:t>
+            </a:r>
+            <a:r>
+              <a:rPr lang="fr-FR" sz="2200" b="1" dirty="0" smtClean="0"/>
+              <a:t>des commentaires</a:t>
+            </a:r>
+            <a:endParaRPr lang="fr-FR" sz="2200" b="1" dirty="0"/>
+          </a:p>
+          <a:p>
+            <a:pPr marL="342900" indent="-342900" algn="l">
+              <a:buFont typeface="Wingdings" panose="05000000000000000000" pitchFamily="2" charset="2"/>
+              <a:buChar char="Ø"/>
+            </a:pPr>
+            <a:r>
+              <a:rPr lang="fr-FR" dirty="0"/>
+              <a:t>…</a:t>
+            </a:r>
+            <a:endParaRPr lang="en-US" dirty="0"/>
+          </a:p>
+          <a:p>
+            <a:pPr marL="342900" indent="-342900" algn="l">
+              <a:buFont typeface="Wingdings" panose="05000000000000000000" pitchFamily="2" charset="2"/>
+              <a:buChar char="Ø"/>
+            </a:pPr>
+            <a:endParaRPr lang="en-US" dirty="0"/>
+          </a:p>
+          <a:p>
+            <a:pPr marL="342900" indent="-342900" algn="l">
+              <a:buFont typeface="Wingdings" panose="05000000000000000000" pitchFamily="2" charset="2"/>
+              <a:buChar char="Ø"/>
+            </a:pPr>
+            <a:endParaRPr lang="en-US" dirty="0"/>
+          </a:p>
+          <a:p>
+            <a:pPr marL="342900" indent="-342900" algn="l">
+              <a:buFont typeface="Wingdings" panose="05000000000000000000" pitchFamily="2" charset="2"/>
+              <a:buChar char="Ø"/>
+            </a:pPr>
+            <a:endParaRPr lang="en-US" dirty="0"/>
+          </a:p>
+        </p:txBody>
+      </p:sp>
+      <p:sp>
+        <p:nvSpPr>
+          <p:cNvPr id="4" name="Espace réservé du pied de page 3"/>
+          <p:cNvSpPr>
+            <a:spLocks noGrp="1"/>
+          </p:cNvSpPr>
+          <p:nvPr>
+            <p:ph type="ftr" sz="quarter" idx="10"/>
+          </p:nvPr>
+        </p:nvSpPr>
         <p:spPr/>
         <p:txBody>
           <a:bodyPr/>
           <a:lstStyle/>
           <a:p>
             <a:r>
+              <a:rPr lang="en-US"/>
+              <a:t>Presentation title</a:t>
+            </a:r>
+            <a:endParaRPr lang="en-US" dirty="0"/>
+          </a:p>
+        </p:txBody>
+      </p:sp>
+      <p:sp>
+        <p:nvSpPr>
+          <p:cNvPr id="5" name="Espace réservé du numéro de diapositive 4"/>
+          <p:cNvSpPr>
+            <a:spLocks noGrp="1"/>
+          </p:cNvSpPr>
+          <p:nvPr>
+            <p:ph type="sldNum" sz="quarter" idx="11"/>
+          </p:nvPr>
+        </p:nvSpPr>
+        <p:spPr/>
+        <p:txBody>
+          <a:bodyPr/>
+          <a:lstStyle/>
+          <a:p>
+            <a:fld id="{294A09A9-5501-47C1-A89A-A340965A2BE2}" type="slidenum">
+              <a:rPr lang="en-US" smtClean="0"/>
+              <a:pPr/>
+              <a:t>23</a:t>
+            </a:fld>
+            <a:endParaRPr lang="en-US" dirty="0"/>
+          </a:p>
+        </p:txBody>
+      </p:sp>
+    </p:spTree>
+    <p:extLst>
+      <p:ext uri="{BB962C8B-B14F-4D97-AF65-F5344CB8AC3E}">
+        <p14:creationId xmlns:p14="http://schemas.microsoft.com/office/powerpoint/2010/main" val="2640541138"/>
+      </p:ext>
+    </p:extLst>
+  </p:cSld>
+  <p:clrMapOvr>
+    <a:masterClrMapping/>
+  </p:clrMapOvr>
+  <p:transition spd="slow">
+    <p:wipe/>
+  </p:transition>
+  <p:timing>
+    <p:tnLst>
+      <p:par>
+        <p:cTn id="1" dur="indefinite" restart="never" nodeType="tmRoot"/>
+      </p:par>
+    </p:tnLst>
+  </p:timing>
+</p:sld>
+</file>
+
+<file path=ppt/slides/slide24.xml><?xml version="1.0" encoding="utf-8"?>
+<p:sld xmlns:a="http://schemas.openxmlformats.org/drawingml/2006/main" xmlns:r="http://schemas.openxmlformats.org/officeDocument/2006/relationships" xmlns:p="http://schemas.openxmlformats.org/presentationml/2006/main">
+  <p:cSld>
+    <p:spTree>
+      <p:nvGrpSpPr>
+        <p:cNvPr id="1" name=""/>
+        <p:cNvGrpSpPr/>
+        <p:nvPr/>
+      </p:nvGrpSpPr>
+      <p:grpSpPr>
+        <a:xfrm>
+          <a:off x="0" y="0"/>
+          <a:ext cx="0" cy="0"/>
+          <a:chOff x="0" y="0"/>
+          <a:chExt cx="0" cy="0"/>
+        </a:xfrm>
+      </p:grpSpPr>
+      <p:sp>
+        <p:nvSpPr>
+          <p:cNvPr id="2" name="Titre 1"/>
+          <p:cNvSpPr>
+            <a:spLocks noGrp="1"/>
+          </p:cNvSpPr>
+          <p:nvPr>
+            <p:ph type="title"/>
+          </p:nvPr>
+        </p:nvSpPr>
+        <p:spPr>
+          <a:xfrm>
+            <a:off x="1748028" y="1389887"/>
+            <a:ext cx="8695944" cy="3751955"/>
+          </a:xfrm>
+        </p:spPr>
+        <p:txBody>
+          <a:bodyPr/>
+          <a:lstStyle/>
+          <a:p>
+            <a:r>
+              <a:rPr lang="fr-FR" dirty="0"/>
+              <a:t>Démonstration </a:t>
+            </a:r>
+            <a:endParaRPr lang="en-US" dirty="0"/>
+          </a:p>
+        </p:txBody>
+      </p:sp>
+      <p:sp>
+        <p:nvSpPr>
+          <p:cNvPr id="4" name="Espace réservé du pied de page 3"/>
+          <p:cNvSpPr>
+            <a:spLocks noGrp="1"/>
+          </p:cNvSpPr>
+          <p:nvPr>
+            <p:ph type="ftr" sz="quarter" idx="10"/>
+          </p:nvPr>
+        </p:nvSpPr>
+        <p:spPr/>
+        <p:txBody>
+          <a:bodyPr/>
+          <a:lstStyle/>
+          <a:p>
+            <a:r>
+              <a:rPr lang="en-US"/>
+              <a:t>Presentation title</a:t>
+            </a:r>
+            <a:endParaRPr lang="en-US" dirty="0"/>
+          </a:p>
+        </p:txBody>
+      </p:sp>
+      <p:sp>
+        <p:nvSpPr>
+          <p:cNvPr id="5" name="Espace réservé du numéro de diapositive 4"/>
+          <p:cNvSpPr>
+            <a:spLocks noGrp="1"/>
+          </p:cNvSpPr>
+          <p:nvPr>
+            <p:ph type="sldNum" sz="quarter" idx="11"/>
+          </p:nvPr>
+        </p:nvSpPr>
+        <p:spPr/>
+        <p:txBody>
+          <a:bodyPr/>
+          <a:lstStyle/>
+          <a:p>
+            <a:fld id="{294A09A9-5501-47C1-A89A-A340965A2BE2}" type="slidenum">
+              <a:rPr lang="en-US" smtClean="0"/>
+              <a:pPr/>
+              <a:t>24</a:t>
+            </a:fld>
+            <a:endParaRPr lang="en-US" dirty="0"/>
+          </a:p>
+        </p:txBody>
+      </p:sp>
+    </p:spTree>
+    <p:extLst>
+      <p:ext uri="{BB962C8B-B14F-4D97-AF65-F5344CB8AC3E}">
+        <p14:creationId xmlns:p14="http://schemas.microsoft.com/office/powerpoint/2010/main" val="414224639"/>
+      </p:ext>
+    </p:extLst>
+  </p:cSld>
+  <p:clrMapOvr>
+    <a:masterClrMapping/>
+  </p:clrMapOvr>
+  <p:transition spd="slow">
+    <p:wipe/>
+  </p:transition>
+  <p:timing>
+    <p:tnLst>
+      <p:par>
+        <p:cTn id="1" dur="indefinite" restart="never" nodeType="tmRoot"/>
+      </p:par>
+    </p:tnLst>
+  </p:timing>
+</p:sld>
+</file>
+
+<file path=ppt/slides/slide25.xml><?xml version="1.0" encoding="utf-8"?>
+<p:sld xmlns:a="http://schemas.openxmlformats.org/drawingml/2006/main" xmlns:r="http://schemas.openxmlformats.org/officeDocument/2006/relationships" xmlns:p="http://schemas.openxmlformats.org/presentationml/2006/main">
+  <p:cSld>
+    <p:spTree>
+      <p:nvGrpSpPr>
+        <p:cNvPr id="1" name=""/>
+        <p:cNvGrpSpPr/>
+        <p:nvPr/>
+      </p:nvGrpSpPr>
+      <p:grpSpPr>
+        <a:xfrm>
+          <a:off x="0" y="0"/>
+          <a:ext cx="0" cy="0"/>
+          <a:chOff x="0" y="0"/>
+          <a:chExt cx="0" cy="0"/>
+        </a:xfrm>
+      </p:grpSpPr>
+      <p:sp>
+        <p:nvSpPr>
+          <p:cNvPr id="2" name="Titre 1">
+            <a:extLst>
+              <a:ext uri="{FF2B5EF4-FFF2-40B4-BE49-F238E27FC236}">
+                <a16:creationId xmlns:a16="http://schemas.microsoft.com/office/drawing/2014/main" id="{50911D75-BF6A-1F25-B9FD-72E01F857D15}"/>
+              </a:ext>
+            </a:extLst>
+          </p:cNvPr>
+          <p:cNvSpPr>
+            <a:spLocks noGrp="1"/>
+          </p:cNvSpPr>
+          <p:nvPr>
+            <p:ph type="title"/>
+          </p:nvPr>
+        </p:nvSpPr>
+        <p:spPr>
+          <a:xfrm>
+            <a:off x="1153668" y="4200938"/>
+            <a:ext cx="9884664" cy="768627"/>
+          </a:xfrm>
+        </p:spPr>
+        <p:txBody>
+          <a:bodyPr>
+            <a:normAutofit/>
+          </a:bodyPr>
+          <a:lstStyle/>
+          <a:p>
+            <a:r>
               <a:rPr lang="fr-FR" dirty="0"/>
               <a:t>Model  économique</a:t>
             </a:r>
             <a:endParaRPr lang="en-US" dirty="0"/>
-          </a:p>
-        </p:txBody>
-      </p:sp>
-      <p:sp>
-        <p:nvSpPr>
-          <p:cNvPr id="3" name="Espace réservé du texte 2">
-            <a:extLst>
-              <a:ext uri="{FF2B5EF4-FFF2-40B4-BE49-F238E27FC236}">
-                <a16:creationId xmlns:a16="http://schemas.microsoft.com/office/drawing/2014/main" id="{FF0F010A-1B34-CF1C-1CDB-D32C5590606B}"/>
-              </a:ext>
-            </a:extLst>
-          </p:cNvPr>
-          <p:cNvSpPr>
-            <a:spLocks noGrp="1"/>
-          </p:cNvSpPr>
-          <p:nvPr>
-            <p:ph type="body" idx="1"/>
-          </p:nvPr>
-        </p:nvSpPr>
-        <p:spPr/>
-        <p:txBody>
-          <a:bodyPr/>
-          <a:lstStyle/>
-          <a:p>
-            <a:endParaRPr lang="en-US"/>
           </a:p>
         </p:txBody>
       </p:sp>
@@ -16692,10 +17606,17 @@
       </p:transition>
     </mc:Fallback>
   </mc:AlternateContent>
+  <p:timing>
+    <p:tnLst>
+      <p:par>
+        <p:cTn id="1" dur="indefinite" restart="never" nodeType="tmRoot"/>
+      </p:par>
+    </p:tnLst>
+  </p:timing>
 </p:sld>
 </file>
 
-<file path=ppt/slides/slide24.xml><?xml version="1.0" encoding="utf-8"?>
+<file path=ppt/slides/slide26.xml><?xml version="1.0" encoding="utf-8"?>
 <p:sld xmlns:a="http://schemas.openxmlformats.org/drawingml/2006/main" xmlns:r="http://schemas.openxmlformats.org/officeDocument/2006/relationships" xmlns:p="http://schemas.openxmlformats.org/presentationml/2006/main">
   <p:cSld>
     <p:spTree>
@@ -16735,7 +17656,9 @@
           </a:xfrm>
         </p:spPr>
         <p:txBody>
-          <a:bodyPr/>
+          <a:bodyPr>
+            <a:normAutofit lnSpcReduction="10000"/>
+          </a:bodyPr>
           <a:lstStyle/>
           <a:p>
             <a:pPr algn="just"/>
@@ -16746,12 +17669,27 @@
             <a:endParaRPr lang="fr-FR" dirty="0"/>
           </a:p>
           <a:p>
+            <a:pPr marL="342900" indent="-342900" algn="l">
+              <a:buFont typeface="Wingdings" panose="05000000000000000000" pitchFamily="2" charset="2"/>
+              <a:buChar char="Ø"/>
+            </a:pPr>
             <a:r>
               <a:rPr lang="fr-FR" b="1" dirty="0"/>
-              <a:t>Revenu en pourcentage avec les différentes boutiques,</a:t>
-            </a:r>
-          </a:p>
-          <a:p>
+              <a:t>Revenu en pourcentage avec les différentes boutiques</a:t>
+            </a:r>
+            <a:r>
+              <a:rPr lang="fr-FR" b="1" dirty="0" smtClean="0"/>
+              <a:t>,</a:t>
+            </a:r>
+          </a:p>
+          <a:p>
+            <a:endParaRPr lang="fr-FR" b="1" dirty="0" smtClean="0"/>
+          </a:p>
+          <a:p>
+            <a:pPr marL="342900" indent="-342900" algn="l">
+              <a:buFont typeface="Wingdings" panose="05000000000000000000" pitchFamily="2" charset="2"/>
+              <a:buChar char="Ø"/>
+            </a:pPr>
             <a:r>
               <a:rPr lang="fr-FR" b="1" dirty="0"/>
               <a:t>Revenu en pourcentage avec les différentes </a:t>
@@ -16762,21 +17700,58 @@
             </a:r>
             <a:r>
               <a:rPr lang="fr-FR" b="1" dirty="0"/>
-              <a:t> service,</a:t>
-            </a:r>
-          </a:p>
-          <a:p>
+              <a:t> </a:t>
+            </a:r>
+            <a:r>
+              <a:rPr lang="fr-FR" b="1" dirty="0" smtClean="0"/>
+              <a:t>service,</a:t>
+            </a:r>
+          </a:p>
+          <a:p>
+            <a:endParaRPr lang="fr-FR" b="1" dirty="0" smtClean="0"/>
+          </a:p>
+          <a:p>
+            <a:pPr marL="342900" indent="-342900" algn="l">
+              <a:buFont typeface="Wingdings" panose="05000000000000000000" pitchFamily="2" charset="2"/>
+              <a:buChar char="Ø"/>
+            </a:pPr>
+            <a:r>
+              <a:rPr lang="fr-FR" b="1" dirty="0" smtClean="0"/>
+              <a:t>Revenu </a:t>
+            </a:r>
             <a:r>
               <a:rPr lang="fr-FR" b="1" dirty="0"/>
-              <a:t>Revenu en pourcentage avec les agences de paiement,</a:t>
-            </a:r>
-          </a:p>
-          <a:p>
+              <a:t>en pourcentage avec les agences de </a:t>
+            </a:r>
+            <a:r>
+              <a:rPr lang="fr-FR" b="1" dirty="0" smtClean="0"/>
+              <a:t>paiement,</a:t>
+            </a:r>
+          </a:p>
+          <a:p>
+            <a:endParaRPr lang="fr-FR" b="1" dirty="0" smtClean="0"/>
+          </a:p>
+          <a:p>
+            <a:pPr marL="342900" indent="-342900" algn="l">
+              <a:buFont typeface="Wingdings" panose="05000000000000000000" pitchFamily="2" charset="2"/>
+              <a:buChar char="Ø"/>
+            </a:pPr>
+            <a:r>
+              <a:rPr lang="fr-FR" b="1" dirty="0" smtClean="0"/>
+              <a:t>Pourcentage </a:t>
+            </a:r>
             <a:r>
               <a:rPr lang="fr-FR" b="1" dirty="0"/>
-              <a:t>Pourcentage sur .</a:t>
+              <a:t>sur …</a:t>
             </a:r>
             <a:endParaRPr lang="en-US" b="1" dirty="0"/>
+          </a:p>
+          <a:p>
+            <a:pPr marL="342900" indent="-342900">
+              <a:buFont typeface="Wingdings" panose="05000000000000000000" pitchFamily="2" charset="2"/>
+              <a:buChar char="Ø"/>
+            </a:pPr>
+            <a:endParaRPr lang="fr-FR" b="1" dirty="0"/>
           </a:p>
         </p:txBody>
       </p:sp>
@@ -16833,7 +17808,7 @@
             <a:fld id="{294A09A9-5501-47C1-A89A-A340965A2BE2}" type="slidenum">
               <a:rPr lang="en-US" smtClean="0"/>
               <a:pPr/>
-              <a:t>24</a:t>
+              <a:t>26</a:t>
             </a:fld>
             <a:endParaRPr lang="en-US" dirty="0"/>
           </a:p>
@@ -16849,22 +17824,20 @@
   <p:clrMapOvr>
     <a:masterClrMapping/>
   </p:clrMapOvr>
-  <mc:AlternateContent xmlns:mc="http://schemas.openxmlformats.org/markup-compatibility/2006" xmlns:p14="http://schemas.microsoft.com/office/powerpoint/2010/main">
-    <mc:Choice Requires="p14">
-      <p:transition spd="slow" p14:dur="3400">
-        <p14:reveal/>
-      </p:transition>
-    </mc:Choice>
-    <mc:Fallback xmlns="">
-      <p:transition spd="slow">
-        <p:fade/>
-      </p:transition>
-    </mc:Fallback>
-  </mc:AlternateContent>
+  <p:transition spd="slow">
+    <p:wipe/>
+  </p:transition>
+  <p:timing>
+    <p:tnLst>
+      <p:par>
+        <p:cTn id="1" dur="indefinite" restart="never" nodeType="tmRoot"/>
+      </p:par>
+    </p:tnLst>
+  </p:timing>
 </p:sld>
 </file>
 
-<file path=ppt/slides/slide25.xml><?xml version="1.0" encoding="utf-8"?>
+<file path=ppt/slides/slide27.xml><?xml version="1.0" encoding="utf-8"?>
 <p:sld xmlns:a="http://schemas.openxmlformats.org/drawingml/2006/main" xmlns:r="http://schemas.openxmlformats.org/officeDocument/2006/relationships" xmlns:p="http://schemas.openxmlformats.org/presentationml/2006/main">
   <p:cSld>
     <p:spTree>
@@ -17009,6 +17982,13 @@
       </p:transition>
     </mc:Fallback>
   </mc:AlternateContent>
+  <p:timing>
+    <p:tnLst>
+      <p:par>
+        <p:cTn id="1" dur="indefinite" restart="never" nodeType="tmRoot"/>
+      </p:par>
+    </p:tnLst>
+  </p:timing>
 </p:sld>
 </file>
 
@@ -17342,18 +18322,16 @@
   <p:clrMapOvr>
     <a:masterClrMapping/>
   </p:clrMapOvr>
-  <mc:AlternateContent xmlns:mc="http://schemas.openxmlformats.org/markup-compatibility/2006" xmlns:p14="http://schemas.microsoft.com/office/powerpoint/2010/main">
-    <mc:Choice Requires="p14">
-      <p:transition spd="slow" p14:dur="3400">
-        <p14:reveal/>
-      </p:transition>
-    </mc:Choice>
-    <mc:Fallback xmlns="">
-      <p:transition spd="slow">
-        <p:fade/>
-      </p:transition>
-    </mc:Fallback>
-  </mc:AlternateContent>
+  <p:transition spd="slow">
+    <p:push dir="u"/>
+  </p:transition>
+  <p:timing>
+    <p:tnLst>
+      <p:par>
+        <p:cTn id="1" dur="indefinite" restart="never" nodeType="tmRoot"/>
+      </p:par>
+    </p:tnLst>
+  </p:timing>
 </p:sld>
 </file>
 
@@ -17901,18 +18879,16 @@
   <p:clrMapOvr>
     <a:masterClrMapping/>
   </p:clrMapOvr>
-  <mc:AlternateContent xmlns:mc="http://schemas.openxmlformats.org/markup-compatibility/2006" xmlns:p14="http://schemas.microsoft.com/office/powerpoint/2010/main">
-    <mc:Choice Requires="p14">
-      <p:transition spd="slow" p14:dur="3400">
-        <p14:reveal/>
-      </p:transition>
-    </mc:Choice>
-    <mc:Fallback xmlns="">
-      <p:transition spd="slow">
-        <p:fade/>
-      </p:transition>
-    </mc:Fallback>
-  </mc:AlternateContent>
+  <p:transition spd="slow">
+    <p:push dir="u"/>
+  </p:transition>
+  <p:timing>
+    <p:tnLst>
+      <p:par>
+        <p:cTn id="1" dur="indefinite" restart="never" nodeType="tmRoot"/>
+      </p:par>
+    </p:tnLst>
+  </p:timing>
 </p:sld>
 </file>
 
@@ -17975,6 +18951,13 @@
                 <a:cs typeface="Gill Sans Light" panose="020B0302020104020203" pitchFamily="34" charset="-79"/>
               </a:rPr>
               <a:t>projet</a:t>
+            </a:r>
+            <a:r>
+              <a:rPr lang="en-US" b="1" dirty="0">
+                <a:latin typeface="Georgia" panose="02040502050405020303" pitchFamily="18" charset="0"/>
+                <a:cs typeface="Gill Sans Light" panose="020B0302020104020203" pitchFamily="34" charset="-79"/>
+              </a:rPr>
+              <a:t/>
             </a:r>
             <a:br>
               <a:rPr lang="en-US" b="1" dirty="0">
@@ -18008,6 +18991,13 @@
       </p:transition>
     </mc:Fallback>
   </mc:AlternateContent>
+  <p:timing>
+    <p:tnLst>
+      <p:par>
+        <p:cTn id="1" dur="indefinite" restart="never" nodeType="tmRoot"/>
+      </p:par>
+    </p:tnLst>
+  </p:timing>
 </p:sld>
 </file>
 
@@ -18052,7 +19042,7 @@
         </p:spPr>
         <p:txBody>
           <a:bodyPr>
-            <a:normAutofit fontScale="90000"/>
+            <a:normAutofit/>
           </a:bodyPr>
           <a:lstStyle/>
           <a:p>
@@ -18061,7 +19051,7 @@
               <a:t>C</a:t>
             </a:r>
             <a:r>
-              <a:rPr lang="en-US" dirty="0" err="1"/>
+              <a:rPr lang="en-US" dirty="0" err="1" smtClean="0"/>
               <a:t>ontext</a:t>
             </a:r>
             <a:endParaRPr lang="en-US" dirty="0"/>
@@ -18091,7 +19081,9 @@
           </a:xfrm>
         </p:spPr>
         <p:txBody>
-          <a:bodyPr/>
+          <a:bodyPr>
+            <a:normAutofit/>
+          </a:bodyPr>
           <a:lstStyle/>
           <a:p>
             <a:pPr algn="just"/>
@@ -18104,14 +19096,35 @@
             <a:pPr algn="just"/>
             <a:r>
               <a:rPr lang="fr-FR" dirty="0"/>
-              <a:t>Bien évidement pour organiser un évènement réussi dans le but de d’unir deux personnes par le lien du mariage n’est pas une chose simple.</a:t>
-            </a:r>
+              <a:t>Bien évidement pour organiser un évènement réussi dans le but de d’unir deux personnes par le lien du mariage </a:t>
+            </a:r>
+            <a:r>
+              <a:rPr lang="fr-FR" dirty="0" smtClean="0"/>
+              <a:t>est  une source de réflexion.</a:t>
+            </a:r>
+            <a:endParaRPr lang="fr-FR" dirty="0"/>
           </a:p>
           <a:p>
             <a:pPr algn="just"/>
             <a:r>
               <a:rPr lang="fr-FR" dirty="0"/>
-              <a:t>C’est donc dans ce contexte que avons mis en place une plateforme dans le but faciliter l’organisation de ces évènements historique.</a:t>
+              <a:t>C’est donc dans ce </a:t>
+            </a:r>
+            <a:r>
+              <a:rPr lang="fr-FR" dirty="0" smtClean="0"/>
+              <a:t>sens que nous avons jugé nécessaire la mise </a:t>
+            </a:r>
+            <a:r>
+              <a:rPr lang="fr-FR" dirty="0"/>
+              <a:t>en place </a:t>
+            </a:r>
+            <a:r>
+              <a:rPr lang="fr-FR" dirty="0" smtClean="0"/>
+              <a:t>d’une </a:t>
+            </a:r>
+            <a:r>
+              <a:rPr lang="fr-FR" dirty="0"/>
+              <a:t>plateforme dans le but faciliter l’organisation de ces évènements historique.</a:t>
             </a:r>
             <a:endParaRPr lang="en-US" dirty="0"/>
           </a:p>
@@ -18186,18 +19199,16 @@
   <p:clrMapOvr>
     <a:masterClrMapping/>
   </p:clrMapOvr>
-  <mc:AlternateContent xmlns:mc="http://schemas.openxmlformats.org/markup-compatibility/2006" xmlns:p14="http://schemas.microsoft.com/office/powerpoint/2010/main">
-    <mc:Choice Requires="p14">
-      <p:transition spd="slow" p14:dur="3400">
-        <p14:reveal/>
-      </p:transition>
-    </mc:Choice>
-    <mc:Fallback xmlns="">
-      <p:transition spd="slow">
-        <p:fade/>
-      </p:transition>
-    </mc:Fallback>
-  </mc:AlternateContent>
+  <p:transition spd="slow">
+    <p:push dir="u"/>
+  </p:transition>
+  <p:timing>
+    <p:tnLst>
+      <p:par>
+        <p:cTn id="1" dur="indefinite" restart="never" nodeType="tmRoot"/>
+      </p:par>
+    </p:tnLst>
+  </p:timing>
 </p:sld>
 </file>
 
@@ -18274,18 +19285,16 @@
   <p:clrMapOvr>
     <a:masterClrMapping/>
   </p:clrMapOvr>
-  <mc:AlternateContent xmlns:mc="http://schemas.openxmlformats.org/markup-compatibility/2006" xmlns:p14="http://schemas.microsoft.com/office/powerpoint/2010/main">
-    <mc:Choice Requires="p14">
-      <p:transition spd="slow" p14:dur="3400">
-        <p14:reveal/>
-      </p:transition>
-    </mc:Choice>
-    <mc:Fallback xmlns="">
-      <p:transition spd="slow">
-        <p:fade/>
-      </p:transition>
-    </mc:Fallback>
-  </mc:AlternateContent>
+  <p:transition spd="slow">
+    <p:push dir="u"/>
+  </p:transition>
+  <p:timing>
+    <p:tnLst>
+      <p:par>
+        <p:cTn id="1" dur="indefinite" restart="never" nodeType="tmRoot"/>
+      </p:par>
+    </p:tnLst>
+  </p:timing>
 </p:sld>
 </file>
 
@@ -18324,8 +19333,8 @@
         </p:nvSpPr>
         <p:spPr>
           <a:xfrm>
-            <a:off x="1096859" y="2438400"/>
-            <a:ext cx="9905757" cy="2550160"/>
+            <a:off x="1096859" y="2040835"/>
+            <a:ext cx="9905757" cy="2947725"/>
           </a:xfrm>
         </p:spPr>
         <p:txBody>
@@ -18337,11 +19346,23 @@
             <a:pPr algn="l"/>
             <a:r>
               <a:rPr lang="fr-FR" sz="3200" dirty="0"/>
-              <a:t>Nous remarquons de nos jours que beaucoup de personnes se stress face a l ’approche de cette évènement aussi important de leur vie.</a:t>
+              <a:t>Nous remarquons de nos jours que beaucoup de personnes se stress face a l </a:t>
+            </a:r>
+            <a:r>
+              <a:rPr lang="fr-FR" sz="3200" dirty="0" smtClean="0"/>
+              <a:t>’organisation </a:t>
+            </a:r>
+            <a:r>
+              <a:rPr lang="fr-FR" sz="3200" dirty="0"/>
+              <a:t>de cette évènement aussi important de leur vie.</a:t>
             </a:r>
             <a:br>
               <a:rPr lang="fr-FR" sz="3200" dirty="0"/>
             </a:br>
+            <a:r>
+              <a:rPr lang="fr-FR" sz="3200" dirty="0"/>
+              <a:t/>
+            </a:r>
             <a:br>
               <a:rPr lang="fr-FR" sz="3200" dirty="0"/>
             </a:br>
@@ -18355,7 +19376,15 @@
             </a:r>
             <a:r>
               <a:rPr lang="fr-FR" sz="3200" dirty="0"/>
-              <a:t> a faire de bon choix</a:t>
+              <a:t> a faire de bon </a:t>
+            </a:r>
+            <a:r>
+              <a:rPr lang="fr-FR" sz="3200" dirty="0" smtClean="0"/>
+              <a:t>choix pour la bonne tenu de cette évènement </a:t>
+            </a:r>
+            <a:r>
+              <a:rPr lang="fr-FR" sz="3200" dirty="0" smtClean="0"/>
+              <a:t>comme:</a:t>
             </a:r>
             <a:endParaRPr lang="en-US" sz="3200" dirty="0"/>
           </a:p>
@@ -18437,18 +19466,16 @@
   <p:clrMapOvr>
     <a:masterClrMapping/>
   </p:clrMapOvr>
-  <mc:AlternateContent xmlns:mc="http://schemas.openxmlformats.org/markup-compatibility/2006" xmlns:p14="http://schemas.microsoft.com/office/powerpoint/2010/main">
-    <mc:Choice Requires="p14">
-      <p:transition spd="slow" p14:dur="3400">
-        <p14:reveal/>
-      </p:transition>
-    </mc:Choice>
-    <mc:Fallback xmlns="">
-      <p:transition spd="slow">
-        <p:fade/>
-      </p:transition>
-    </mc:Fallback>
-  </mc:AlternateContent>
+  <p:transition spd="slow">
+    <p:push dir="u"/>
+  </p:transition>
+  <p:timing>
+    <p:tnLst>
+      <p:par>
+        <p:cTn id="1" dur="indefinite" restart="never" nodeType="tmRoot"/>
+      </p:par>
+    </p:tnLst>
+  </p:timing>
 </p:sld>
 </file>
 
@@ -18553,13 +19580,13 @@
             <p:ph idx="1"/>
             <p:extLst>
               <p:ext uri="{D42A27DB-BD31-4B8C-83A1-F6EECF244321}">
-                <p14:modId xmlns:p14="http://schemas.microsoft.com/office/powerpoint/2010/main" val="1200167944"/>
+                <p14:modId xmlns:p14="http://schemas.microsoft.com/office/powerpoint/2010/main" val="1681526703"/>
               </p:ext>
             </p:extLst>
           </p:nvPr>
         </p:nvGraphicFramePr>
         <p:xfrm>
-          <a:off x="838200" y="2990850"/>
+          <a:off x="930965" y="3047516"/>
           <a:ext cx="10515600" cy="3473450"/>
         </p:xfrm>
         <a:graphic>
@@ -18584,8 +19611,16 @@
           <a:lstStyle/>
           <a:p>
             <a:r>
-              <a:rPr lang="fr-FR" dirty="0"/>
-              <a:t>Où trouver et comment faire un bon choix?</a:t>
+              <a:rPr lang="en-US" dirty="0" smtClean="0"/>
+              <a:t>Comment </a:t>
+            </a:r>
+            <a:r>
+              <a:rPr lang="en-US" dirty="0" err="1" smtClean="0"/>
+              <a:t>trouver</a:t>
+            </a:r>
+            <a:r>
+              <a:rPr lang="en-US" dirty="0" smtClean="0"/>
+              <a:t> un(e)</a:t>
             </a:r>
             <a:endParaRPr lang="en-US" dirty="0"/>
           </a:p>
@@ -18601,18 +19636,16 @@
   <p:clrMapOvr>
     <a:masterClrMapping/>
   </p:clrMapOvr>
-  <mc:AlternateContent xmlns:mc="http://schemas.openxmlformats.org/markup-compatibility/2006" xmlns:p14="http://schemas.microsoft.com/office/powerpoint/2010/main">
-    <mc:Choice Requires="p14">
-      <p:transition spd="slow" p14:dur="3400">
-        <p14:reveal/>
-      </p:transition>
-    </mc:Choice>
-    <mc:Fallback xmlns="">
-      <p:transition spd="slow">
-        <p:fade/>
-      </p:transition>
-    </mc:Fallback>
-  </mc:AlternateContent>
+  <p:transition spd="slow">
+    <p:push dir="u"/>
+  </p:transition>
+  <p:timing>
+    <p:tnLst>
+      <p:par>
+        <p:cTn id="1" dur="indefinite" restart="never" nodeType="tmRoot"/>
+      </p:par>
+    </p:tnLst>
+  </p:timing>
 </p:sld>
 </file>
 
@@ -19408,6 +20441,35 @@
 </file>
 
 <file path=customXml/item1.xml><?xml version="1.0" encoding="utf-8"?>
+<?mso-contentType ?>
+<FormTemplates xmlns="http://schemas.microsoft.com/sharepoint/v3/contenttype/forms">
+  <Display>DocumentLibraryForm</Display>
+  <Edit>DocumentLibraryForm</Edit>
+  <New>DocumentLibraryForm</New>
+</FormTemplates>
+</file>
+
+<file path=customXml/item2.xml><?xml version="1.0" encoding="utf-8"?>
+<p:properties xmlns:p="http://schemas.microsoft.com/office/2006/metadata/properties" xmlns:xsi="http://www.w3.org/2001/XMLSchema-instance" xmlns:pc="http://schemas.microsoft.com/office/infopath/2007/PartnerControls">
+  <documentManagement>
+    <_ip_UnifiedCompliancePolicyUIAction xmlns="http://schemas.microsoft.com/sharepoint/v3" xsi:nil="true"/>
+    <Image xmlns="71af3243-3dd4-4a8d-8c0d-dd76da1f02a5">
+      <Url xsi:nil="true"/>
+      <Description xsi:nil="true"/>
+    </Image>
+    <Status xmlns="71af3243-3dd4-4a8d-8c0d-dd76da1f02a5">Not started</Status>
+    <Background xmlns="71af3243-3dd4-4a8d-8c0d-dd76da1f02a5">false</Background>
+    <_ip_UnifiedCompliancePolicyProperties xmlns="http://schemas.microsoft.com/sharepoint/v3" xsi:nil="true"/>
+    <ImageTagsTaxHTField xmlns="71af3243-3dd4-4a8d-8c0d-dd76da1f02a5">
+      <Terms xmlns="http://schemas.microsoft.com/office/infopath/2007/PartnerControls"/>
+    </ImageTagsTaxHTField>
+    <TaxCatchAll xmlns="230e9df3-be65-4c73-a93b-d1236ebd677e" xsi:nil="true"/>
+    <MediaServiceKeyPoints xmlns="71af3243-3dd4-4a8d-8c0d-dd76da1f02a5" xsi:nil="true"/>
+  </documentManagement>
+</p:properties>
+</file>
+
+<file path=customXml/item3.xml><?xml version="1.0" encoding="utf-8"?>
 <ct:contentTypeSchema xmlns:ct="http://schemas.microsoft.com/office/2006/metadata/contentType" xmlns:ma="http://schemas.microsoft.com/office/2006/metadata/properties/metaAttributes" ct:_="" ma:_="" ma:contentTypeName="Document" ma:contentTypeID="0x01010079F111ED35F8CC479449609E8A0923A6" ma:contentTypeVersion="24" ma:contentTypeDescription="Create a new document." ma:contentTypeScope="" ma:versionID="2d714a3296df14eba7a100bb665443ca">
   <xsd:schema xmlns:xsd="http://www.w3.org/2001/XMLSchema" xmlns:xs="http://www.w3.org/2001/XMLSchema" xmlns:p="http://schemas.microsoft.com/office/2006/metadata/properties" xmlns:ns1="http://schemas.microsoft.com/sharepoint/v3" xmlns:ns2="71af3243-3dd4-4a8d-8c0d-dd76da1f02a5" xmlns:ns3="16c05727-aa75-4e4a-9b5f-8a80a1165891" xmlns:ns4="230e9df3-be65-4c73-a93b-d1236ebd677e" targetNamespace="http://schemas.microsoft.com/office/2006/metadata/properties" ma:root="true" ma:fieldsID="49549bf45bfbbfb6cffed527380e77e1" ns1:_="" ns2:_="" ns3:_="" ns4:_="">
     <xsd:import namespace="http://schemas.microsoft.com/sharepoint/v3"/>
@@ -19695,36 +20757,27 @@
 </ct:contentTypeSchema>
 </file>
 
-<file path=customXml/item2.xml><?xml version="1.0" encoding="utf-8"?>
-<?mso-contentType ?>
-<FormTemplates xmlns="http://schemas.microsoft.com/sharepoint/v3/contenttype/forms">
-  <Display>DocumentLibraryForm</Display>
-  <Edit>DocumentLibraryForm</Edit>
-  <New>DocumentLibraryForm</New>
-</FormTemplates>
+<file path=customXml/itemProps1.xml><?xml version="1.0" encoding="utf-8"?>
+<ds:datastoreItem xmlns:ds="http://schemas.openxmlformats.org/officeDocument/2006/customXml" ds:itemID="{9ACE2AAA-C718-435C-B4E6-95A08ACAC441}">
+  <ds:schemaRefs>
+    <ds:schemaRef ds:uri="http://schemas.microsoft.com/sharepoint/v3/contenttype/forms"/>
+  </ds:schemaRefs>
+</ds:datastoreItem>
 </file>
 
-<file path=customXml/item3.xml><?xml version="1.0" encoding="utf-8"?>
-<p:properties xmlns:p="http://schemas.microsoft.com/office/2006/metadata/properties" xmlns:xsi="http://www.w3.org/2001/XMLSchema-instance" xmlns:pc="http://schemas.microsoft.com/office/infopath/2007/PartnerControls">
-  <documentManagement>
-    <_ip_UnifiedCompliancePolicyUIAction xmlns="http://schemas.microsoft.com/sharepoint/v3" xsi:nil="true"/>
-    <Image xmlns="71af3243-3dd4-4a8d-8c0d-dd76da1f02a5">
-      <Url xsi:nil="true"/>
-      <Description xsi:nil="true"/>
-    </Image>
-    <Status xmlns="71af3243-3dd4-4a8d-8c0d-dd76da1f02a5">Not started</Status>
-    <Background xmlns="71af3243-3dd4-4a8d-8c0d-dd76da1f02a5">false</Background>
-    <_ip_UnifiedCompliancePolicyProperties xmlns="http://schemas.microsoft.com/sharepoint/v3" xsi:nil="true"/>
-    <ImageTagsTaxHTField xmlns="71af3243-3dd4-4a8d-8c0d-dd76da1f02a5">
-      <Terms xmlns="http://schemas.microsoft.com/office/infopath/2007/PartnerControls"/>
-    </ImageTagsTaxHTField>
-    <TaxCatchAll xmlns="230e9df3-be65-4c73-a93b-d1236ebd677e" xsi:nil="true"/>
-    <MediaServiceKeyPoints xmlns="71af3243-3dd4-4a8d-8c0d-dd76da1f02a5" xsi:nil="true"/>
-  </documentManagement>
-</p:properties>
+<file path=customXml/itemProps2.xml><?xml version="1.0" encoding="utf-8"?>
+<ds:datastoreItem xmlns:ds="http://schemas.openxmlformats.org/officeDocument/2006/customXml" ds:itemID="{8FBB2F3B-6257-41BB-8B64-5AC7494F274B}">
+  <ds:schemaRefs>
+    <ds:schemaRef ds:uri="http://schemas.microsoft.com/office/2006/metadata/properties"/>
+    <ds:schemaRef ds:uri="http://schemas.microsoft.com/office/infopath/2007/PartnerControls"/>
+    <ds:schemaRef ds:uri="http://schemas.microsoft.com/sharepoint/v3"/>
+    <ds:schemaRef ds:uri="71af3243-3dd4-4a8d-8c0d-dd76da1f02a5"/>
+    <ds:schemaRef ds:uri="230e9df3-be65-4c73-a93b-d1236ebd677e"/>
+  </ds:schemaRefs>
+</ds:datastoreItem>
 </file>
 
-<file path=customXml/itemProps1.xml><?xml version="1.0" encoding="utf-8"?>
+<file path=customXml/itemProps3.xml><?xml version="1.0" encoding="utf-8"?>
 <ds:datastoreItem xmlns:ds="http://schemas.openxmlformats.org/officeDocument/2006/customXml" ds:itemID="{614EFF02-EA18-493C-972D-813DB244CB64}">
   <ds:schemaRefs>
     <ds:schemaRef ds:uri="http://schemas.microsoft.com/office/2006/metadata/contentType"/>
@@ -19745,26 +20798,6 @@
 </ds:datastoreItem>
 </file>
 
-<file path=customXml/itemProps2.xml><?xml version="1.0" encoding="utf-8"?>
-<ds:datastoreItem xmlns:ds="http://schemas.openxmlformats.org/officeDocument/2006/customXml" ds:itemID="{9ACE2AAA-C718-435C-B4E6-95A08ACAC441}">
-  <ds:schemaRefs>
-    <ds:schemaRef ds:uri="http://schemas.microsoft.com/sharepoint/v3/contenttype/forms"/>
-  </ds:schemaRefs>
-</ds:datastoreItem>
-</file>
-
-<file path=customXml/itemProps3.xml><?xml version="1.0" encoding="utf-8"?>
-<ds:datastoreItem xmlns:ds="http://schemas.openxmlformats.org/officeDocument/2006/customXml" ds:itemID="{8FBB2F3B-6257-41BB-8B64-5AC7494F274B}">
-  <ds:schemaRefs>
-    <ds:schemaRef ds:uri="http://schemas.microsoft.com/office/2006/metadata/properties"/>
-    <ds:schemaRef ds:uri="http://schemas.microsoft.com/office/infopath/2007/PartnerControls"/>
-    <ds:schemaRef ds:uri="http://schemas.microsoft.com/sharepoint/v3"/>
-    <ds:schemaRef ds:uri="71af3243-3dd4-4a8d-8c0d-dd76da1f02a5"/>
-    <ds:schemaRef ds:uri="230e9df3-be65-4c73-a93b-d1236ebd677e"/>
-  </ds:schemaRefs>
-</ds:datastoreItem>
-</file>
-
 <file path=docMetadata/LabelInfo.xml><?xml version="1.0" encoding="utf-8"?>
 <clbl:labelList xmlns:clbl="http://schemas.microsoft.com/office/2020/mipLabelMetadata"/>
 </file>